--- a/work/화재.pptx
+++ b/work/화재.pptx
@@ -5,7 +5,7 @@
     <p:sldMasterId id="2147483648" r:id="rId1"/>
   </p:sldMasterIdLst>
   <p:notesMasterIdLst>
-    <p:notesMasterId r:id="rId29"/>
+    <p:notesMasterId r:id="rId30"/>
   </p:notesMasterIdLst>
   <p:sldIdLst>
     <p:sldId id="256" r:id="rId2"/>
@@ -32,9 +32,10 @@
     <p:sldId id="288" r:id="rId23"/>
     <p:sldId id="292" r:id="rId24"/>
     <p:sldId id="293" r:id="rId25"/>
-    <p:sldId id="290" r:id="rId26"/>
-    <p:sldId id="261" r:id="rId27"/>
-    <p:sldId id="262" r:id="rId28"/>
+    <p:sldId id="305" r:id="rId26"/>
+    <p:sldId id="290" r:id="rId27"/>
+    <p:sldId id="261" r:id="rId28"/>
+    <p:sldId id="262" r:id="rId29"/>
   </p:sldIdLst>
   <p:sldSz cx="12192000" cy="6858000"/>
   <p:notesSz cx="6858000" cy="9144000"/>
@@ -135,7 +136,7 @@
   </p:defaultTextStyle>
   <p:extLst>
     <p:ext uri="{EFAFB233-063F-42B5-8137-9DF3F51BA10A}">
-      <p15:sldGuideLst xmlns:p15="http://schemas.microsoft.com/office/powerpoint/2012/main" xmlns="">
+      <p15:sldGuideLst xmlns="" xmlns:p15="http://schemas.microsoft.com/office/powerpoint/2012/main">
         <p15:guide id="1" orient="horz" pos="2160" userDrawn="1">
           <p15:clr>
             <a:srgbClr val="A4A3A4"/>
@@ -1587,7 +1588,7 @@
     </p:spTree>
     <p:extLst>
       <p:ext uri="{BB962C8B-B14F-4D97-AF65-F5344CB8AC3E}">
-        <p14:creationId xmlns:p14="http://schemas.microsoft.com/office/powerpoint/2010/main" xmlns="" val="4124367020"/>
+        <p14:creationId xmlns="" xmlns:p14="http://schemas.microsoft.com/office/powerpoint/2010/main" val="4124367020"/>
       </p:ext>
     </p:extLst>
   </p:cSld>
@@ -1759,7 +1760,7 @@
     </p:spTree>
     <p:extLst>
       <p:ext uri="{BB962C8B-B14F-4D97-AF65-F5344CB8AC3E}">
-        <p14:creationId xmlns:p14="http://schemas.microsoft.com/office/powerpoint/2010/main" xmlns="" val="2600401456"/>
+        <p14:creationId xmlns="" xmlns:p14="http://schemas.microsoft.com/office/powerpoint/2010/main" val="2600401456"/>
       </p:ext>
     </p:extLst>
   </p:cSld>
@@ -1941,7 +1942,7 @@
     </p:spTree>
     <p:extLst>
       <p:ext uri="{BB962C8B-B14F-4D97-AF65-F5344CB8AC3E}">
-        <p14:creationId xmlns:p14="http://schemas.microsoft.com/office/powerpoint/2010/main" xmlns="" val="2644733324"/>
+        <p14:creationId xmlns="" xmlns:p14="http://schemas.microsoft.com/office/powerpoint/2010/main" val="2644733324"/>
       </p:ext>
     </p:extLst>
   </p:cSld>
@@ -2113,7 +2114,7 @@
     </p:spTree>
     <p:extLst>
       <p:ext uri="{BB962C8B-B14F-4D97-AF65-F5344CB8AC3E}">
-        <p14:creationId xmlns:p14="http://schemas.microsoft.com/office/powerpoint/2010/main" xmlns="" val="862225046"/>
+        <p14:creationId xmlns="" xmlns:p14="http://schemas.microsoft.com/office/powerpoint/2010/main" val="862225046"/>
       </p:ext>
     </p:extLst>
   </p:cSld>
@@ -2361,7 +2362,7 @@
     </p:spTree>
     <p:extLst>
       <p:ext uri="{BB962C8B-B14F-4D97-AF65-F5344CB8AC3E}">
-        <p14:creationId xmlns:p14="http://schemas.microsoft.com/office/powerpoint/2010/main" xmlns="" val="3539524699"/>
+        <p14:creationId xmlns="" xmlns:p14="http://schemas.microsoft.com/office/powerpoint/2010/main" val="3539524699"/>
       </p:ext>
     </p:extLst>
   </p:cSld>
@@ -2595,7 +2596,7 @@
     </p:spTree>
     <p:extLst>
       <p:ext uri="{BB962C8B-B14F-4D97-AF65-F5344CB8AC3E}">
-        <p14:creationId xmlns:p14="http://schemas.microsoft.com/office/powerpoint/2010/main" xmlns="" val="1052196025"/>
+        <p14:creationId xmlns="" xmlns:p14="http://schemas.microsoft.com/office/powerpoint/2010/main" val="1052196025"/>
       </p:ext>
     </p:extLst>
   </p:cSld>
@@ -2964,7 +2965,7 @@
     </p:spTree>
     <p:extLst>
       <p:ext uri="{BB962C8B-B14F-4D97-AF65-F5344CB8AC3E}">
-        <p14:creationId xmlns:p14="http://schemas.microsoft.com/office/powerpoint/2010/main" xmlns="" val="1687430321"/>
+        <p14:creationId xmlns="" xmlns:p14="http://schemas.microsoft.com/office/powerpoint/2010/main" val="1687430321"/>
       </p:ext>
     </p:extLst>
   </p:cSld>
@@ -3084,7 +3085,7 @@
     </p:spTree>
     <p:extLst>
       <p:ext uri="{BB962C8B-B14F-4D97-AF65-F5344CB8AC3E}">
-        <p14:creationId xmlns:p14="http://schemas.microsoft.com/office/powerpoint/2010/main" xmlns="" val="3921825452"/>
+        <p14:creationId xmlns="" xmlns:p14="http://schemas.microsoft.com/office/powerpoint/2010/main" val="3921825452"/>
       </p:ext>
     </p:extLst>
   </p:cSld>
@@ -3181,7 +3182,7 @@
     </p:spTree>
     <p:extLst>
       <p:ext uri="{BB962C8B-B14F-4D97-AF65-F5344CB8AC3E}">
-        <p14:creationId xmlns:p14="http://schemas.microsoft.com/office/powerpoint/2010/main" xmlns="" val="3698134391"/>
+        <p14:creationId xmlns="" xmlns:p14="http://schemas.microsoft.com/office/powerpoint/2010/main" val="3698134391"/>
       </p:ext>
     </p:extLst>
   </p:cSld>
@@ -3460,7 +3461,7 @@
     </p:spTree>
     <p:extLst>
       <p:ext uri="{BB962C8B-B14F-4D97-AF65-F5344CB8AC3E}">
-        <p14:creationId xmlns:p14="http://schemas.microsoft.com/office/powerpoint/2010/main" xmlns="" val="2825049005"/>
+        <p14:creationId xmlns="" xmlns:p14="http://schemas.microsoft.com/office/powerpoint/2010/main" val="2825049005"/>
       </p:ext>
     </p:extLst>
   </p:cSld>
@@ -3715,7 +3716,7 @@
     </p:spTree>
     <p:extLst>
       <p:ext uri="{BB962C8B-B14F-4D97-AF65-F5344CB8AC3E}">
-        <p14:creationId xmlns:p14="http://schemas.microsoft.com/office/powerpoint/2010/main" xmlns="" val="1371069204"/>
+        <p14:creationId xmlns="" xmlns:p14="http://schemas.microsoft.com/office/powerpoint/2010/main" val="1371069204"/>
       </p:ext>
     </p:extLst>
   </p:cSld>
@@ -3966,7 +3967,7 @@
     </p:spTree>
     <p:extLst>
       <p:ext uri="{BB962C8B-B14F-4D97-AF65-F5344CB8AC3E}">
-        <p14:creationId xmlns:p14="http://schemas.microsoft.com/office/powerpoint/2010/main" xmlns="" val="1157875931"/>
+        <p14:creationId xmlns="" xmlns:p14="http://schemas.microsoft.com/office/powerpoint/2010/main" val="1157875931"/>
       </p:ext>
     </p:extLst>
   </p:cSld>
@@ -4296,7 +4297,7 @@
           <a:blip r:embed="rId2" cstate="print">
             <a:extLst>
               <a:ext uri="{28A0092B-C50C-407E-A947-70E740481C1C}">
-                <a14:useLocalDpi xmlns:a14="http://schemas.microsoft.com/office/drawing/2010/main" xmlns="" val="0"/>
+                <a14:useLocalDpi xmlns="" xmlns:a14="http://schemas.microsoft.com/office/drawing/2010/main" val="0"/>
               </a:ext>
             </a:extLst>
           </a:blip>
@@ -4778,21 +4779,6 @@
               </a:rPr>
               <a:t>정승주</a:t>
             </a:r>
-            <a:endParaRPr lang="ko-KR" altLang="en-US" sz="2000" spc="-150" dirty="0" smtClean="0">
-              <a:ln>
-                <a:solidFill>
-                  <a:schemeClr val="accent1">
-                    <a:shade val="50000"/>
-                    <a:alpha val="0"/>
-                  </a:schemeClr>
-                </a:solidFill>
-              </a:ln>
-              <a:solidFill>
-                <a:schemeClr val="bg1"/>
-              </a:solidFill>
-              <a:latin typeface="나눔바른고딕" panose="020B0603020101020101" pitchFamily="50" charset="-127"/>
-              <a:ea typeface="나눔바른고딕" panose="020B0603020101020101" pitchFamily="50" charset="-127"/>
-            </a:endParaRPr>
           </a:p>
         </p:txBody>
       </p:sp>
@@ -4822,7 +4808,7 @@
     </p:spTree>
     <p:extLst>
       <p:ext uri="{BB962C8B-B14F-4D97-AF65-F5344CB8AC3E}">
-        <p14:creationId xmlns:p14="http://schemas.microsoft.com/office/powerpoint/2010/main" xmlns="" val="3152024213"/>
+        <p14:creationId xmlns="" xmlns:p14="http://schemas.microsoft.com/office/powerpoint/2010/main" val="3152024213"/>
       </p:ext>
     </p:extLst>
   </p:cSld>
@@ -4840,6 +4826,1582 @@
 </file>
 
 <file path=ppt/slides/slide10.xml><?xml version="1.0" encoding="utf-8"?>
+<p:sld xmlns:a="http://schemas.openxmlformats.org/drawingml/2006/main" xmlns:r="http://schemas.openxmlformats.org/officeDocument/2006/relationships" xmlns:p="http://schemas.openxmlformats.org/presentationml/2006/main">
+  <p:cSld>
+    <p:spTree>
+      <p:nvGrpSpPr>
+        <p:cNvPr id="1" name=""/>
+        <p:cNvGrpSpPr/>
+        <p:nvPr/>
+      </p:nvGrpSpPr>
+      <p:grpSpPr>
+        <a:xfrm>
+          <a:off x="0" y="0"/>
+          <a:ext cx="0" cy="0"/>
+          <a:chOff x="0" y="0"/>
+          <a:chExt cx="0" cy="0"/>
+        </a:xfrm>
+      </p:grpSpPr>
+      <p:pic>
+        <p:nvPicPr>
+          <p:cNvPr id="9" name="그림 8"/>
+          <p:cNvPicPr>
+            <a:picLocks noChangeAspect="1"/>
+          </p:cNvPicPr>
+          <p:nvPr/>
+        </p:nvPicPr>
+        <p:blipFill rotWithShape="1">
+          <a:blip r:embed="rId3" cstate="print">
+            <a:lum bright="70000" contrast="-70000"/>
+            <a:extLst>
+              <a:ext uri="{28A0092B-C50C-407E-A947-70E740481C1C}">
+                <a14:useLocalDpi xmlns:a14="http://schemas.microsoft.com/office/drawing/2010/main" xmlns="" val="0"/>
+              </a:ext>
+            </a:extLst>
+          </a:blip>
+          <a:srcRect t="7944" b="7944"/>
+          <a:stretch/>
+        </p:blipFill>
+        <p:spPr>
+          <a:xfrm>
+            <a:off x="0" y="0"/>
+            <a:ext cx="12192000" cy="6858000"/>
+          </a:xfrm>
+          <a:prstGeom prst="rect">
+            <a:avLst/>
+          </a:prstGeom>
+        </p:spPr>
+      </p:pic>
+      <p:sp>
+        <p:nvSpPr>
+          <p:cNvPr id="5" name="TextBox 4"/>
+          <p:cNvSpPr txBox="1"/>
+          <p:nvPr/>
+        </p:nvSpPr>
+        <p:spPr>
+          <a:xfrm>
+            <a:off x="210207" y="101598"/>
+            <a:ext cx="1156086" cy="553998"/>
+          </a:xfrm>
+          <a:prstGeom prst="rect">
+            <a:avLst/>
+          </a:prstGeom>
+          <a:noFill/>
+        </p:spPr>
+        <p:txBody>
+          <a:bodyPr wrap="none" rtlCol="0">
+            <a:spAutoFit/>
+          </a:bodyPr>
+          <a:lstStyle/>
+          <a:p>
+            <a:r>
+              <a:rPr lang="ko-KR" altLang="en-US" sz="3000" b="1" spc="-150" dirty="0" smtClean="0">
+                <a:ln>
+                  <a:solidFill>
+                    <a:schemeClr val="accent1">
+                      <a:shade val="50000"/>
+                      <a:alpha val="0"/>
+                    </a:schemeClr>
+                  </a:solidFill>
+                </a:ln>
+                <a:solidFill>
+                  <a:schemeClr val="tx1">
+                    <a:lumMod val="85000"/>
+                    <a:lumOff val="15000"/>
+                  </a:schemeClr>
+                </a:solidFill>
+                <a:latin typeface="나눔바른고딕" panose="020B0603020101020101" pitchFamily="50" charset="-127"/>
+                <a:ea typeface="나눔바른고딕" panose="020B0603020101020101" pitchFamily="50" charset="-127"/>
+              </a:rPr>
+              <a:t>전처리</a:t>
+            </a:r>
+            <a:endParaRPr lang="ko-KR" altLang="en-US" sz="3000" b="1" spc="-150" dirty="0">
+              <a:ln>
+                <a:solidFill>
+                  <a:schemeClr val="accent1">
+                    <a:shade val="50000"/>
+                    <a:alpha val="0"/>
+                  </a:schemeClr>
+                </a:solidFill>
+              </a:ln>
+              <a:solidFill>
+                <a:schemeClr val="tx1">
+                  <a:lumMod val="85000"/>
+                  <a:lumOff val="15000"/>
+                </a:schemeClr>
+              </a:solidFill>
+              <a:latin typeface="나눔바른고딕" panose="020B0603020101020101" pitchFamily="50" charset="-127"/>
+              <a:ea typeface="나눔바른고딕" panose="020B0603020101020101" pitchFamily="50" charset="-127"/>
+            </a:endParaRPr>
+          </a:p>
+        </p:txBody>
+      </p:sp>
+      <p:sp>
+        <p:nvSpPr>
+          <p:cNvPr id="6" name="직사각형 5"/>
+          <p:cNvSpPr/>
+          <p:nvPr/>
+        </p:nvSpPr>
+        <p:spPr>
+          <a:xfrm rot="5400000">
+            <a:off x="1636416" y="-954630"/>
+            <a:ext cx="131023" cy="3403853"/>
+          </a:xfrm>
+          <a:prstGeom prst="rect">
+            <a:avLst/>
+          </a:prstGeom>
+          <a:solidFill>
+            <a:srgbClr val="A40525"/>
+          </a:solidFill>
+          <a:ln>
+            <a:noFill/>
+          </a:ln>
+        </p:spPr>
+        <p:style>
+          <a:lnRef idx="2">
+            <a:schemeClr val="accent1">
+              <a:shade val="50000"/>
+            </a:schemeClr>
+          </a:lnRef>
+          <a:fillRef idx="1">
+            <a:schemeClr val="accent1"/>
+          </a:fillRef>
+          <a:effectRef idx="0">
+            <a:schemeClr val="accent1"/>
+          </a:effectRef>
+          <a:fontRef idx="minor">
+            <a:schemeClr val="lt1"/>
+          </a:fontRef>
+        </p:style>
+        <p:txBody>
+          <a:bodyPr rtlCol="0" anchor="ctr"/>
+          <a:lstStyle/>
+          <a:p>
+            <a:pPr algn="ctr"/>
+            <a:endParaRPr lang="ko-KR" altLang="en-US" dirty="0"/>
+          </a:p>
+        </p:txBody>
+      </p:sp>
+      <p:sp>
+        <p:nvSpPr>
+          <p:cNvPr id="7" name="직사각형 6"/>
+          <p:cNvSpPr/>
+          <p:nvPr/>
+        </p:nvSpPr>
+        <p:spPr>
+          <a:xfrm rot="5400000">
+            <a:off x="6055849" y="845693"/>
+            <a:ext cx="80301" cy="11509830"/>
+          </a:xfrm>
+          <a:prstGeom prst="rect">
+            <a:avLst/>
+          </a:prstGeom>
+          <a:solidFill>
+            <a:srgbClr val="A40525"/>
+          </a:solidFill>
+          <a:ln>
+            <a:noFill/>
+          </a:ln>
+        </p:spPr>
+        <p:style>
+          <a:lnRef idx="2">
+            <a:schemeClr val="accent1">
+              <a:shade val="50000"/>
+            </a:schemeClr>
+          </a:lnRef>
+          <a:fillRef idx="1">
+            <a:schemeClr val="accent1"/>
+          </a:fillRef>
+          <a:effectRef idx="0">
+            <a:schemeClr val="accent1"/>
+          </a:effectRef>
+          <a:fontRef idx="minor">
+            <a:schemeClr val="lt1"/>
+          </a:fontRef>
+        </p:style>
+        <p:txBody>
+          <a:bodyPr rtlCol="0" anchor="ctr"/>
+          <a:lstStyle/>
+          <a:p>
+            <a:pPr algn="ctr"/>
+            <a:endParaRPr lang="ko-KR" altLang="en-US" dirty="0"/>
+          </a:p>
+        </p:txBody>
+      </p:sp>
+      <p:sp>
+        <p:nvSpPr>
+          <p:cNvPr id="28" name="Freeform 6"/>
+          <p:cNvSpPr>
+            <a:spLocks noEditPoints="1"/>
+          </p:cNvSpPr>
+          <p:nvPr/>
+        </p:nvSpPr>
+        <p:spPr bwMode="auto">
+          <a:xfrm>
+            <a:off x="1687677" y="2607772"/>
+            <a:ext cx="850374" cy="791028"/>
+          </a:xfrm>
+          <a:custGeom>
+            <a:avLst/>
+            <a:gdLst>
+              <a:gd name="T0" fmla="*/ 1793 w 3525"/>
+              <a:gd name="T1" fmla="*/ 1094 h 3279"/>
+              <a:gd name="T2" fmla="*/ 1641 w 3525"/>
+              <a:gd name="T3" fmla="*/ 1256 h 3279"/>
+              <a:gd name="T4" fmla="*/ 1506 w 3525"/>
+              <a:gd name="T5" fmla="*/ 1508 h 3279"/>
+              <a:gd name="T6" fmla="*/ 1451 w 3525"/>
+              <a:gd name="T7" fmla="*/ 1797 h 3279"/>
+              <a:gd name="T8" fmla="*/ 1482 w 3525"/>
+              <a:gd name="T9" fmla="*/ 2079 h 3279"/>
+              <a:gd name="T10" fmla="*/ 1453 w 3525"/>
+              <a:gd name="T11" fmla="*/ 2178 h 3279"/>
+              <a:gd name="T12" fmla="*/ 1345 w 3525"/>
+              <a:gd name="T13" fmla="*/ 2060 h 3279"/>
+              <a:gd name="T14" fmla="*/ 1296 w 3525"/>
+              <a:gd name="T15" fmla="*/ 1888 h 3279"/>
+              <a:gd name="T16" fmla="*/ 1313 w 3525"/>
+              <a:gd name="T17" fmla="*/ 1684 h 3279"/>
+              <a:gd name="T18" fmla="*/ 1351 w 3525"/>
+              <a:gd name="T19" fmla="*/ 1558 h 3279"/>
+              <a:gd name="T20" fmla="*/ 1312 w 3525"/>
+              <a:gd name="T21" fmla="*/ 1547 h 3279"/>
+              <a:gd name="T22" fmla="*/ 1165 w 3525"/>
+              <a:gd name="T23" fmla="*/ 1687 h 3279"/>
+              <a:gd name="T24" fmla="*/ 1046 w 3525"/>
+              <a:gd name="T25" fmla="*/ 1904 h 3279"/>
+              <a:gd name="T26" fmla="*/ 1002 w 3525"/>
+              <a:gd name="T27" fmla="*/ 2159 h 3279"/>
+              <a:gd name="T28" fmla="*/ 1050 w 3525"/>
+              <a:gd name="T29" fmla="*/ 2428 h 3279"/>
+              <a:gd name="T30" fmla="*/ 1182 w 3525"/>
+              <a:gd name="T31" fmla="*/ 2656 h 3279"/>
+              <a:gd name="T32" fmla="*/ 1383 w 3525"/>
+              <a:gd name="T33" fmla="*/ 2826 h 3279"/>
+              <a:gd name="T34" fmla="*/ 1635 w 3525"/>
+              <a:gd name="T35" fmla="*/ 2918 h 3279"/>
+              <a:gd name="T36" fmla="*/ 1913 w 3525"/>
+              <a:gd name="T37" fmla="*/ 2918 h 3279"/>
+              <a:gd name="T38" fmla="*/ 2163 w 3525"/>
+              <a:gd name="T39" fmla="*/ 2826 h 3279"/>
+              <a:gd name="T40" fmla="*/ 2364 w 3525"/>
+              <a:gd name="T41" fmla="*/ 2657 h 3279"/>
+              <a:gd name="T42" fmla="*/ 2496 w 3525"/>
+              <a:gd name="T43" fmla="*/ 2428 h 3279"/>
+              <a:gd name="T44" fmla="*/ 2544 w 3525"/>
+              <a:gd name="T45" fmla="*/ 2160 h 3279"/>
+              <a:gd name="T46" fmla="*/ 2497 w 3525"/>
+              <a:gd name="T47" fmla="*/ 1897 h 3279"/>
+              <a:gd name="T48" fmla="*/ 2368 w 3525"/>
+              <a:gd name="T49" fmla="*/ 1673 h 3279"/>
+              <a:gd name="T50" fmla="*/ 2210 w 3525"/>
+              <a:gd name="T51" fmla="*/ 1530 h 3279"/>
+              <a:gd name="T52" fmla="*/ 2166 w 3525"/>
+              <a:gd name="T53" fmla="*/ 1535 h 3279"/>
+              <a:gd name="T54" fmla="*/ 2151 w 3525"/>
+              <a:gd name="T55" fmla="*/ 1609 h 3279"/>
+              <a:gd name="T56" fmla="*/ 2111 w 3525"/>
+              <a:gd name="T57" fmla="*/ 1719 h 3279"/>
+              <a:gd name="T58" fmla="*/ 2041 w 3525"/>
+              <a:gd name="T59" fmla="*/ 1809 h 3279"/>
+              <a:gd name="T60" fmla="*/ 1934 w 3525"/>
+              <a:gd name="T61" fmla="*/ 1846 h 3279"/>
+              <a:gd name="T62" fmla="*/ 1827 w 3525"/>
+              <a:gd name="T63" fmla="*/ 1569 h 3279"/>
+              <a:gd name="T64" fmla="*/ 1812 w 3525"/>
+              <a:gd name="T65" fmla="*/ 1262 h 3279"/>
+              <a:gd name="T66" fmla="*/ 1841 w 3525"/>
+              <a:gd name="T67" fmla="*/ 1098 h 3279"/>
+              <a:gd name="T68" fmla="*/ 1766 w 3525"/>
+              <a:gd name="T69" fmla="*/ 0 h 3279"/>
+              <a:gd name="T70" fmla="*/ 1954 w 3525"/>
+              <a:gd name="T71" fmla="*/ 33 h 3279"/>
+              <a:gd name="T72" fmla="*/ 2118 w 3525"/>
+              <a:gd name="T73" fmla="*/ 130 h 3279"/>
+              <a:gd name="T74" fmla="*/ 2447 w 3525"/>
+              <a:gd name="T75" fmla="*/ 165 h 3279"/>
+              <a:gd name="T76" fmla="*/ 2516 w 3525"/>
+              <a:gd name="T77" fmla="*/ 48 h 3279"/>
+              <a:gd name="T78" fmla="*/ 2647 w 3525"/>
+              <a:gd name="T79" fmla="*/ 0 h 3279"/>
+              <a:gd name="T80" fmla="*/ 2913 w 3525"/>
+              <a:gd name="T81" fmla="*/ 22 h 3279"/>
+              <a:gd name="T82" fmla="*/ 3000 w 3525"/>
+              <a:gd name="T83" fmla="*/ 107 h 3279"/>
+              <a:gd name="T84" fmla="*/ 3022 w 3525"/>
+              <a:gd name="T85" fmla="*/ 1050 h 3279"/>
+              <a:gd name="T86" fmla="*/ 3500 w 3525"/>
+              <a:gd name="T87" fmla="*/ 1572 h 3279"/>
+              <a:gd name="T88" fmla="*/ 3522 w 3525"/>
+              <a:gd name="T89" fmla="*/ 1726 h 3279"/>
+              <a:gd name="T90" fmla="*/ 3466 w 3525"/>
+              <a:gd name="T91" fmla="*/ 1859 h 3279"/>
+              <a:gd name="T92" fmla="*/ 3352 w 3525"/>
+              <a:gd name="T93" fmla="*/ 1948 h 3279"/>
+              <a:gd name="T94" fmla="*/ 3023 w 3525"/>
+              <a:gd name="T95" fmla="*/ 1971 h 3279"/>
+              <a:gd name="T96" fmla="*/ 2999 w 3525"/>
+              <a:gd name="T97" fmla="*/ 3085 h 3279"/>
+              <a:gd name="T98" fmla="*/ 2900 w 3525"/>
+              <a:gd name="T99" fmla="*/ 3213 h 3279"/>
+              <a:gd name="T100" fmla="*/ 2749 w 3525"/>
+              <a:gd name="T101" fmla="*/ 3277 h 3279"/>
+              <a:gd name="T102" fmla="*/ 734 w 3525"/>
+              <a:gd name="T103" fmla="*/ 3269 h 3279"/>
+              <a:gd name="T104" fmla="*/ 594 w 3525"/>
+              <a:gd name="T105" fmla="*/ 3187 h 3279"/>
+              <a:gd name="T106" fmla="*/ 512 w 3525"/>
+              <a:gd name="T107" fmla="*/ 3047 h 3279"/>
+              <a:gd name="T108" fmla="*/ 290 w 3525"/>
+              <a:gd name="T109" fmla="*/ 1972 h 3279"/>
+              <a:gd name="T110" fmla="*/ 142 w 3525"/>
+              <a:gd name="T111" fmla="*/ 1932 h 3279"/>
+              <a:gd name="T112" fmla="*/ 40 w 3525"/>
+              <a:gd name="T113" fmla="*/ 1830 h 3279"/>
+              <a:gd name="T114" fmla="*/ 0 w 3525"/>
+              <a:gd name="T115" fmla="*/ 1688 h 3279"/>
+              <a:gd name="T116" fmla="*/ 43 w 3525"/>
+              <a:gd name="T117" fmla="*/ 1533 h 3279"/>
+              <a:gd name="T118" fmla="*/ 1417 w 3525"/>
+              <a:gd name="T119" fmla="*/ 126 h 3279"/>
+              <a:gd name="T120" fmla="*/ 1609 w 3525"/>
+              <a:gd name="T121" fmla="*/ 24 h 3279"/>
+            </a:gdLst>
+            <a:ahLst/>
+            <a:cxnLst>
+              <a:cxn ang="0">
+                <a:pos x="T0" y="T1"/>
+              </a:cxn>
+              <a:cxn ang="0">
+                <a:pos x="T2" y="T3"/>
+              </a:cxn>
+              <a:cxn ang="0">
+                <a:pos x="T4" y="T5"/>
+              </a:cxn>
+              <a:cxn ang="0">
+                <a:pos x="T6" y="T7"/>
+              </a:cxn>
+              <a:cxn ang="0">
+                <a:pos x="T8" y="T9"/>
+              </a:cxn>
+              <a:cxn ang="0">
+                <a:pos x="T10" y="T11"/>
+              </a:cxn>
+              <a:cxn ang="0">
+                <a:pos x="T12" y="T13"/>
+              </a:cxn>
+              <a:cxn ang="0">
+                <a:pos x="T14" y="T15"/>
+              </a:cxn>
+              <a:cxn ang="0">
+                <a:pos x="T16" y="T17"/>
+              </a:cxn>
+              <a:cxn ang="0">
+                <a:pos x="T18" y="T19"/>
+              </a:cxn>
+              <a:cxn ang="0">
+                <a:pos x="T20" y="T21"/>
+              </a:cxn>
+              <a:cxn ang="0">
+                <a:pos x="T22" y="T23"/>
+              </a:cxn>
+              <a:cxn ang="0">
+                <a:pos x="T24" y="T25"/>
+              </a:cxn>
+              <a:cxn ang="0">
+                <a:pos x="T26" y="T27"/>
+              </a:cxn>
+              <a:cxn ang="0">
+                <a:pos x="T28" y="T29"/>
+              </a:cxn>
+              <a:cxn ang="0">
+                <a:pos x="T30" y="T31"/>
+              </a:cxn>
+              <a:cxn ang="0">
+                <a:pos x="T32" y="T33"/>
+              </a:cxn>
+              <a:cxn ang="0">
+                <a:pos x="T34" y="T35"/>
+              </a:cxn>
+              <a:cxn ang="0">
+                <a:pos x="T36" y="T37"/>
+              </a:cxn>
+              <a:cxn ang="0">
+                <a:pos x="T38" y="T39"/>
+              </a:cxn>
+              <a:cxn ang="0">
+                <a:pos x="T40" y="T41"/>
+              </a:cxn>
+              <a:cxn ang="0">
+                <a:pos x="T42" y="T43"/>
+              </a:cxn>
+              <a:cxn ang="0">
+                <a:pos x="T44" y="T45"/>
+              </a:cxn>
+              <a:cxn ang="0">
+                <a:pos x="T46" y="T47"/>
+              </a:cxn>
+              <a:cxn ang="0">
+                <a:pos x="T48" y="T49"/>
+              </a:cxn>
+              <a:cxn ang="0">
+                <a:pos x="T50" y="T51"/>
+              </a:cxn>
+              <a:cxn ang="0">
+                <a:pos x="T52" y="T53"/>
+              </a:cxn>
+              <a:cxn ang="0">
+                <a:pos x="T54" y="T55"/>
+              </a:cxn>
+              <a:cxn ang="0">
+                <a:pos x="T56" y="T57"/>
+              </a:cxn>
+              <a:cxn ang="0">
+                <a:pos x="T58" y="T59"/>
+              </a:cxn>
+              <a:cxn ang="0">
+                <a:pos x="T60" y="T61"/>
+              </a:cxn>
+              <a:cxn ang="0">
+                <a:pos x="T62" y="T63"/>
+              </a:cxn>
+              <a:cxn ang="0">
+                <a:pos x="T64" y="T65"/>
+              </a:cxn>
+              <a:cxn ang="0">
+                <a:pos x="T66" y="T67"/>
+              </a:cxn>
+              <a:cxn ang="0">
+                <a:pos x="T68" y="T69"/>
+              </a:cxn>
+              <a:cxn ang="0">
+                <a:pos x="T70" y="T71"/>
+              </a:cxn>
+              <a:cxn ang="0">
+                <a:pos x="T72" y="T73"/>
+              </a:cxn>
+              <a:cxn ang="0">
+                <a:pos x="T74" y="T75"/>
+              </a:cxn>
+              <a:cxn ang="0">
+                <a:pos x="T76" y="T77"/>
+              </a:cxn>
+              <a:cxn ang="0">
+                <a:pos x="T78" y="T79"/>
+              </a:cxn>
+              <a:cxn ang="0">
+                <a:pos x="T80" y="T81"/>
+              </a:cxn>
+              <a:cxn ang="0">
+                <a:pos x="T82" y="T83"/>
+              </a:cxn>
+              <a:cxn ang="0">
+                <a:pos x="T84" y="T85"/>
+              </a:cxn>
+              <a:cxn ang="0">
+                <a:pos x="T86" y="T87"/>
+              </a:cxn>
+              <a:cxn ang="0">
+                <a:pos x="T88" y="T89"/>
+              </a:cxn>
+              <a:cxn ang="0">
+                <a:pos x="T90" y="T91"/>
+              </a:cxn>
+              <a:cxn ang="0">
+                <a:pos x="T92" y="T93"/>
+              </a:cxn>
+              <a:cxn ang="0">
+                <a:pos x="T94" y="T95"/>
+              </a:cxn>
+              <a:cxn ang="0">
+                <a:pos x="T96" y="T97"/>
+              </a:cxn>
+              <a:cxn ang="0">
+                <a:pos x="T98" y="T99"/>
+              </a:cxn>
+              <a:cxn ang="0">
+                <a:pos x="T100" y="T101"/>
+              </a:cxn>
+              <a:cxn ang="0">
+                <a:pos x="T102" y="T103"/>
+              </a:cxn>
+              <a:cxn ang="0">
+                <a:pos x="T104" y="T105"/>
+              </a:cxn>
+              <a:cxn ang="0">
+                <a:pos x="T106" y="T107"/>
+              </a:cxn>
+              <a:cxn ang="0">
+                <a:pos x="T108" y="T109"/>
+              </a:cxn>
+              <a:cxn ang="0">
+                <a:pos x="T110" y="T111"/>
+              </a:cxn>
+              <a:cxn ang="0">
+                <a:pos x="T112" y="T113"/>
+              </a:cxn>
+              <a:cxn ang="0">
+                <a:pos x="T114" y="T115"/>
+              </a:cxn>
+              <a:cxn ang="0">
+                <a:pos x="T116" y="T117"/>
+              </a:cxn>
+              <a:cxn ang="0">
+                <a:pos x="T118" y="T119"/>
+              </a:cxn>
+              <a:cxn ang="0">
+                <a:pos x="T120" y="T121"/>
+              </a:cxn>
+            </a:cxnLst>
+            <a:rect l="0" t="0" r="r" b="b"/>
+            <a:pathLst>
+              <a:path w="3525" h="3279">
+                <a:moveTo>
+                  <a:pt x="1824" y="1082"/>
+                </a:moveTo>
+                <a:lnTo>
+                  <a:pt x="1814" y="1083"/>
+                </a:lnTo>
+                <a:lnTo>
+                  <a:pt x="1804" y="1087"/>
+                </a:lnTo>
+                <a:lnTo>
+                  <a:pt x="1793" y="1094"/>
+                </a:lnTo>
+                <a:lnTo>
+                  <a:pt x="1785" y="1101"/>
+                </a:lnTo>
+                <a:lnTo>
+                  <a:pt x="1734" y="1149"/>
+                </a:lnTo>
+                <a:lnTo>
+                  <a:pt x="1686" y="1201"/>
+                </a:lnTo>
+                <a:lnTo>
+                  <a:pt x="1641" y="1256"/>
+                </a:lnTo>
+                <a:lnTo>
+                  <a:pt x="1601" y="1314"/>
+                </a:lnTo>
+                <a:lnTo>
+                  <a:pt x="1565" y="1376"/>
+                </a:lnTo>
+                <a:lnTo>
+                  <a:pt x="1533" y="1440"/>
+                </a:lnTo>
+                <a:lnTo>
+                  <a:pt x="1506" y="1508"/>
+                </a:lnTo>
+                <a:lnTo>
+                  <a:pt x="1484" y="1578"/>
+                </a:lnTo>
+                <a:lnTo>
+                  <a:pt x="1467" y="1650"/>
+                </a:lnTo>
+                <a:lnTo>
+                  <a:pt x="1456" y="1725"/>
+                </a:lnTo>
+                <a:lnTo>
+                  <a:pt x="1451" y="1797"/>
+                </a:lnTo>
+                <a:lnTo>
+                  <a:pt x="1451" y="1870"/>
+                </a:lnTo>
+                <a:lnTo>
+                  <a:pt x="1456" y="1941"/>
+                </a:lnTo>
+                <a:lnTo>
+                  <a:pt x="1466" y="2010"/>
+                </a:lnTo>
+                <a:lnTo>
+                  <a:pt x="1482" y="2079"/>
+                </a:lnTo>
+                <a:lnTo>
+                  <a:pt x="1502" y="2145"/>
+                </a:lnTo>
+                <a:lnTo>
+                  <a:pt x="1527" y="2210"/>
+                </a:lnTo>
+                <a:lnTo>
+                  <a:pt x="1488" y="2196"/>
+                </a:lnTo>
+                <a:lnTo>
+                  <a:pt x="1453" y="2178"/>
+                </a:lnTo>
+                <a:lnTo>
+                  <a:pt x="1421" y="2155"/>
+                </a:lnTo>
+                <a:lnTo>
+                  <a:pt x="1392" y="2127"/>
+                </a:lnTo>
+                <a:lnTo>
+                  <a:pt x="1366" y="2096"/>
+                </a:lnTo>
+                <a:lnTo>
+                  <a:pt x="1345" y="2060"/>
+                </a:lnTo>
+                <a:lnTo>
+                  <a:pt x="1327" y="2022"/>
+                </a:lnTo>
+                <a:lnTo>
+                  <a:pt x="1312" y="1980"/>
+                </a:lnTo>
+                <a:lnTo>
+                  <a:pt x="1302" y="1935"/>
+                </a:lnTo>
+                <a:lnTo>
+                  <a:pt x="1296" y="1888"/>
+                </a:lnTo>
+                <a:lnTo>
+                  <a:pt x="1294" y="1839"/>
+                </a:lnTo>
+                <a:lnTo>
+                  <a:pt x="1296" y="1789"/>
+                </a:lnTo>
+                <a:lnTo>
+                  <a:pt x="1302" y="1736"/>
+                </a:lnTo>
+                <a:lnTo>
+                  <a:pt x="1313" y="1684"/>
+                </a:lnTo>
+                <a:lnTo>
+                  <a:pt x="1329" y="1630"/>
+                </a:lnTo>
+                <a:lnTo>
+                  <a:pt x="1350" y="1576"/>
+                </a:lnTo>
+                <a:lnTo>
+                  <a:pt x="1353" y="1566"/>
+                </a:lnTo>
+                <a:lnTo>
+                  <a:pt x="1351" y="1558"/>
+                </a:lnTo>
+                <a:lnTo>
+                  <a:pt x="1346" y="1550"/>
+                </a:lnTo>
+                <a:lnTo>
+                  <a:pt x="1337" y="1546"/>
+                </a:lnTo>
+                <a:lnTo>
+                  <a:pt x="1326" y="1544"/>
+                </a:lnTo>
+                <a:lnTo>
+                  <a:pt x="1312" y="1547"/>
+                </a:lnTo>
+                <a:lnTo>
+                  <a:pt x="1296" y="1556"/>
+                </a:lnTo>
+                <a:lnTo>
+                  <a:pt x="1249" y="1596"/>
+                </a:lnTo>
+                <a:lnTo>
+                  <a:pt x="1206" y="1640"/>
+                </a:lnTo>
+                <a:lnTo>
+                  <a:pt x="1165" y="1687"/>
+                </a:lnTo>
+                <a:lnTo>
+                  <a:pt x="1129" y="1736"/>
+                </a:lnTo>
+                <a:lnTo>
+                  <a:pt x="1097" y="1790"/>
+                </a:lnTo>
+                <a:lnTo>
+                  <a:pt x="1069" y="1846"/>
+                </a:lnTo>
+                <a:lnTo>
+                  <a:pt x="1046" y="1904"/>
+                </a:lnTo>
+                <a:lnTo>
+                  <a:pt x="1026" y="1964"/>
+                </a:lnTo>
+                <a:lnTo>
+                  <a:pt x="1012" y="2027"/>
+                </a:lnTo>
+                <a:lnTo>
+                  <a:pt x="1005" y="2093"/>
+                </a:lnTo>
+                <a:lnTo>
+                  <a:pt x="1002" y="2159"/>
+                </a:lnTo>
+                <a:lnTo>
+                  <a:pt x="1005" y="2229"/>
+                </a:lnTo>
+                <a:lnTo>
+                  <a:pt x="1015" y="2298"/>
+                </a:lnTo>
+                <a:lnTo>
+                  <a:pt x="1030" y="2364"/>
+                </a:lnTo>
+                <a:lnTo>
+                  <a:pt x="1050" y="2428"/>
+                </a:lnTo>
+                <a:lnTo>
+                  <a:pt x="1076" y="2490"/>
+                </a:lnTo>
+                <a:lnTo>
+                  <a:pt x="1107" y="2549"/>
+                </a:lnTo>
+                <a:lnTo>
+                  <a:pt x="1143" y="2605"/>
+                </a:lnTo>
+                <a:lnTo>
+                  <a:pt x="1182" y="2656"/>
+                </a:lnTo>
+                <a:lnTo>
+                  <a:pt x="1227" y="2705"/>
+                </a:lnTo>
+                <a:lnTo>
+                  <a:pt x="1275" y="2749"/>
+                </a:lnTo>
+                <a:lnTo>
+                  <a:pt x="1328" y="2790"/>
+                </a:lnTo>
+                <a:lnTo>
+                  <a:pt x="1383" y="2826"/>
+                </a:lnTo>
+                <a:lnTo>
+                  <a:pt x="1442" y="2857"/>
+                </a:lnTo>
+                <a:lnTo>
+                  <a:pt x="1504" y="2883"/>
+                </a:lnTo>
+                <a:lnTo>
+                  <a:pt x="1568" y="2903"/>
+                </a:lnTo>
+                <a:lnTo>
+                  <a:pt x="1635" y="2918"/>
+                </a:lnTo>
+                <a:lnTo>
+                  <a:pt x="1703" y="2928"/>
+                </a:lnTo>
+                <a:lnTo>
+                  <a:pt x="1774" y="2931"/>
+                </a:lnTo>
+                <a:lnTo>
+                  <a:pt x="1844" y="2928"/>
+                </a:lnTo>
+                <a:lnTo>
+                  <a:pt x="1913" y="2918"/>
+                </a:lnTo>
+                <a:lnTo>
+                  <a:pt x="1979" y="2903"/>
+                </a:lnTo>
+                <a:lnTo>
+                  <a:pt x="2043" y="2883"/>
+                </a:lnTo>
+                <a:lnTo>
+                  <a:pt x="2104" y="2857"/>
+                </a:lnTo>
+                <a:lnTo>
+                  <a:pt x="2163" y="2826"/>
+                </a:lnTo>
+                <a:lnTo>
+                  <a:pt x="2218" y="2790"/>
+                </a:lnTo>
+                <a:lnTo>
+                  <a:pt x="2271" y="2749"/>
+                </a:lnTo>
+                <a:lnTo>
+                  <a:pt x="2319" y="2705"/>
+                </a:lnTo>
+                <a:lnTo>
+                  <a:pt x="2364" y="2657"/>
+                </a:lnTo>
+                <a:lnTo>
+                  <a:pt x="2403" y="2605"/>
+                </a:lnTo>
+                <a:lnTo>
+                  <a:pt x="2440" y="2549"/>
+                </a:lnTo>
+                <a:lnTo>
+                  <a:pt x="2471" y="2490"/>
+                </a:lnTo>
+                <a:lnTo>
+                  <a:pt x="2496" y="2428"/>
+                </a:lnTo>
+                <a:lnTo>
+                  <a:pt x="2518" y="2365"/>
+                </a:lnTo>
+                <a:lnTo>
+                  <a:pt x="2533" y="2298"/>
+                </a:lnTo>
+                <a:lnTo>
+                  <a:pt x="2541" y="2229"/>
+                </a:lnTo>
+                <a:lnTo>
+                  <a:pt x="2544" y="2160"/>
+                </a:lnTo>
+                <a:lnTo>
+                  <a:pt x="2541" y="2090"/>
+                </a:lnTo>
+                <a:lnTo>
+                  <a:pt x="2533" y="2024"/>
+                </a:lnTo>
+                <a:lnTo>
+                  <a:pt x="2518" y="1959"/>
+                </a:lnTo>
+                <a:lnTo>
+                  <a:pt x="2497" y="1897"/>
+                </a:lnTo>
+                <a:lnTo>
+                  <a:pt x="2473" y="1836"/>
+                </a:lnTo>
+                <a:lnTo>
+                  <a:pt x="2442" y="1779"/>
+                </a:lnTo>
+                <a:lnTo>
+                  <a:pt x="2408" y="1725"/>
+                </a:lnTo>
+                <a:lnTo>
+                  <a:pt x="2368" y="1673"/>
+                </a:lnTo>
+                <a:lnTo>
+                  <a:pt x="2325" y="1625"/>
+                </a:lnTo>
+                <a:lnTo>
+                  <a:pt x="2278" y="1581"/>
+                </a:lnTo>
+                <a:lnTo>
+                  <a:pt x="2227" y="1541"/>
+                </a:lnTo>
+                <a:lnTo>
+                  <a:pt x="2210" y="1530"/>
+                </a:lnTo>
+                <a:lnTo>
+                  <a:pt x="2195" y="1525"/>
+                </a:lnTo>
+                <a:lnTo>
+                  <a:pt x="2183" y="1525"/>
+                </a:lnTo>
+                <a:lnTo>
+                  <a:pt x="2173" y="1528"/>
+                </a:lnTo>
+                <a:lnTo>
+                  <a:pt x="2166" y="1535"/>
+                </a:lnTo>
+                <a:lnTo>
+                  <a:pt x="2162" y="1545"/>
+                </a:lnTo>
+                <a:lnTo>
+                  <a:pt x="2161" y="1556"/>
+                </a:lnTo>
+                <a:lnTo>
+                  <a:pt x="2156" y="1581"/>
+                </a:lnTo>
+                <a:lnTo>
+                  <a:pt x="2151" y="1609"/>
+                </a:lnTo>
+                <a:lnTo>
+                  <a:pt x="2144" y="1637"/>
+                </a:lnTo>
+                <a:lnTo>
+                  <a:pt x="2135" y="1665"/>
+                </a:lnTo>
+                <a:lnTo>
+                  <a:pt x="2124" y="1693"/>
+                </a:lnTo>
+                <a:lnTo>
+                  <a:pt x="2111" y="1719"/>
+                </a:lnTo>
+                <a:lnTo>
+                  <a:pt x="2096" y="1745"/>
+                </a:lnTo>
+                <a:lnTo>
+                  <a:pt x="2080" y="1769"/>
+                </a:lnTo>
+                <a:lnTo>
+                  <a:pt x="2062" y="1790"/>
+                </a:lnTo>
+                <a:lnTo>
+                  <a:pt x="2041" y="1809"/>
+                </a:lnTo>
+                <a:lnTo>
+                  <a:pt x="2017" y="1824"/>
+                </a:lnTo>
+                <a:lnTo>
+                  <a:pt x="1992" y="1836"/>
+                </a:lnTo>
+                <a:lnTo>
+                  <a:pt x="1964" y="1843"/>
+                </a:lnTo>
+                <a:lnTo>
+                  <a:pt x="1934" y="1846"/>
+                </a:lnTo>
+                <a:lnTo>
+                  <a:pt x="1899" y="1780"/>
+                </a:lnTo>
+                <a:lnTo>
+                  <a:pt x="1870" y="1712"/>
+                </a:lnTo>
+                <a:lnTo>
+                  <a:pt x="1845" y="1641"/>
+                </a:lnTo>
+                <a:lnTo>
+                  <a:pt x="1827" y="1569"/>
+                </a:lnTo>
+                <a:lnTo>
+                  <a:pt x="1814" y="1494"/>
+                </a:lnTo>
+                <a:lnTo>
+                  <a:pt x="1807" y="1418"/>
+                </a:lnTo>
+                <a:lnTo>
+                  <a:pt x="1807" y="1341"/>
+                </a:lnTo>
+                <a:lnTo>
+                  <a:pt x="1812" y="1262"/>
+                </a:lnTo>
+                <a:lnTo>
+                  <a:pt x="1819" y="1211"/>
+                </a:lnTo>
+                <a:lnTo>
+                  <a:pt x="1828" y="1160"/>
+                </a:lnTo>
+                <a:lnTo>
+                  <a:pt x="1840" y="1109"/>
+                </a:lnTo>
+                <a:lnTo>
+                  <a:pt x="1841" y="1098"/>
+                </a:lnTo>
+                <a:lnTo>
+                  <a:pt x="1838" y="1090"/>
+                </a:lnTo>
+                <a:lnTo>
+                  <a:pt x="1832" y="1083"/>
+                </a:lnTo>
+                <a:lnTo>
+                  <a:pt x="1824" y="1082"/>
+                </a:lnTo>
+                <a:close/>
+                <a:moveTo>
+                  <a:pt x="1766" y="0"/>
+                </a:moveTo>
+                <a:lnTo>
+                  <a:pt x="1814" y="2"/>
+                </a:lnTo>
+                <a:lnTo>
+                  <a:pt x="1861" y="9"/>
+                </a:lnTo>
+                <a:lnTo>
+                  <a:pt x="1908" y="19"/>
+                </a:lnTo>
+                <a:lnTo>
+                  <a:pt x="1954" y="33"/>
+                </a:lnTo>
+                <a:lnTo>
+                  <a:pt x="1998" y="51"/>
+                </a:lnTo>
+                <a:lnTo>
+                  <a:pt x="2040" y="74"/>
+                </a:lnTo>
+                <a:lnTo>
+                  <a:pt x="2080" y="101"/>
+                </a:lnTo>
+                <a:lnTo>
+                  <a:pt x="2118" y="130"/>
+                </a:lnTo>
+                <a:lnTo>
+                  <a:pt x="2153" y="165"/>
+                </a:lnTo>
+                <a:lnTo>
+                  <a:pt x="2444" y="459"/>
+                </a:lnTo>
+                <a:lnTo>
+                  <a:pt x="2444" y="200"/>
+                </a:lnTo>
+                <a:lnTo>
+                  <a:pt x="2447" y="165"/>
+                </a:lnTo>
+                <a:lnTo>
+                  <a:pt x="2456" y="130"/>
+                </a:lnTo>
+                <a:lnTo>
+                  <a:pt x="2471" y="99"/>
+                </a:lnTo>
+                <a:lnTo>
+                  <a:pt x="2491" y="72"/>
+                </a:lnTo>
+                <a:lnTo>
+                  <a:pt x="2516" y="48"/>
+                </a:lnTo>
+                <a:lnTo>
+                  <a:pt x="2544" y="28"/>
+                </a:lnTo>
+                <a:lnTo>
+                  <a:pt x="2575" y="13"/>
+                </a:lnTo>
+                <a:lnTo>
+                  <a:pt x="2611" y="3"/>
+                </a:lnTo>
+                <a:lnTo>
+                  <a:pt x="2647" y="0"/>
+                </a:lnTo>
+                <a:lnTo>
+                  <a:pt x="2819" y="0"/>
+                </a:lnTo>
+                <a:lnTo>
+                  <a:pt x="2852" y="3"/>
+                </a:lnTo>
+                <a:lnTo>
+                  <a:pt x="2884" y="11"/>
+                </a:lnTo>
+                <a:lnTo>
+                  <a:pt x="2913" y="22"/>
+                </a:lnTo>
+                <a:lnTo>
+                  <a:pt x="2940" y="38"/>
+                </a:lnTo>
+                <a:lnTo>
+                  <a:pt x="2964" y="58"/>
+                </a:lnTo>
+                <a:lnTo>
+                  <a:pt x="2984" y="81"/>
+                </a:lnTo>
+                <a:lnTo>
+                  <a:pt x="3000" y="107"/>
+                </a:lnTo>
+                <a:lnTo>
+                  <a:pt x="3013" y="136"/>
+                </a:lnTo>
+                <a:lnTo>
+                  <a:pt x="3020" y="167"/>
+                </a:lnTo>
+                <a:lnTo>
+                  <a:pt x="3022" y="200"/>
+                </a:lnTo>
+                <a:lnTo>
+                  <a:pt x="3022" y="1050"/>
+                </a:lnTo>
+                <a:lnTo>
+                  <a:pt x="3422" y="1457"/>
+                </a:lnTo>
+                <a:lnTo>
+                  <a:pt x="3454" y="1495"/>
+                </a:lnTo>
+                <a:lnTo>
+                  <a:pt x="3481" y="1532"/>
+                </a:lnTo>
+                <a:lnTo>
+                  <a:pt x="3500" y="1572"/>
+                </a:lnTo>
+                <a:lnTo>
+                  <a:pt x="3514" y="1610"/>
+                </a:lnTo>
+                <a:lnTo>
+                  <a:pt x="3522" y="1650"/>
+                </a:lnTo>
+                <a:lnTo>
+                  <a:pt x="3525" y="1688"/>
+                </a:lnTo>
+                <a:lnTo>
+                  <a:pt x="3522" y="1726"/>
+                </a:lnTo>
+                <a:lnTo>
+                  <a:pt x="3514" y="1762"/>
+                </a:lnTo>
+                <a:lnTo>
+                  <a:pt x="3502" y="1796"/>
+                </a:lnTo>
+                <a:lnTo>
+                  <a:pt x="3486" y="1828"/>
+                </a:lnTo>
+                <a:lnTo>
+                  <a:pt x="3466" y="1859"/>
+                </a:lnTo>
+                <a:lnTo>
+                  <a:pt x="3442" y="1886"/>
+                </a:lnTo>
+                <a:lnTo>
+                  <a:pt x="3415" y="1911"/>
+                </a:lnTo>
+                <a:lnTo>
+                  <a:pt x="3385" y="1931"/>
+                </a:lnTo>
+                <a:lnTo>
+                  <a:pt x="3352" y="1948"/>
+                </a:lnTo>
+                <a:lnTo>
+                  <a:pt x="3316" y="1960"/>
+                </a:lnTo>
+                <a:lnTo>
+                  <a:pt x="3279" y="1969"/>
+                </a:lnTo>
+                <a:lnTo>
+                  <a:pt x="3239" y="1971"/>
+                </a:lnTo>
+                <a:lnTo>
+                  <a:pt x="3023" y="1971"/>
+                </a:lnTo>
+                <a:lnTo>
+                  <a:pt x="3023" y="2962"/>
+                </a:lnTo>
+                <a:lnTo>
+                  <a:pt x="3020" y="3005"/>
+                </a:lnTo>
+                <a:lnTo>
+                  <a:pt x="3012" y="3045"/>
+                </a:lnTo>
+                <a:lnTo>
+                  <a:pt x="2999" y="3085"/>
+                </a:lnTo>
+                <a:lnTo>
+                  <a:pt x="2981" y="3121"/>
+                </a:lnTo>
+                <a:lnTo>
+                  <a:pt x="2957" y="3155"/>
+                </a:lnTo>
+                <a:lnTo>
+                  <a:pt x="2930" y="3185"/>
+                </a:lnTo>
+                <a:lnTo>
+                  <a:pt x="2900" y="3213"/>
+                </a:lnTo>
+                <a:lnTo>
+                  <a:pt x="2866" y="3236"/>
+                </a:lnTo>
+                <a:lnTo>
+                  <a:pt x="2830" y="3255"/>
+                </a:lnTo>
+                <a:lnTo>
+                  <a:pt x="2790" y="3269"/>
+                </a:lnTo>
+                <a:lnTo>
+                  <a:pt x="2749" y="3277"/>
+                </a:lnTo>
+                <a:lnTo>
+                  <a:pt x="2706" y="3279"/>
+                </a:lnTo>
+                <a:lnTo>
+                  <a:pt x="818" y="3279"/>
+                </a:lnTo>
+                <a:lnTo>
+                  <a:pt x="775" y="3277"/>
+                </a:lnTo>
+                <a:lnTo>
+                  <a:pt x="734" y="3269"/>
+                </a:lnTo>
+                <a:lnTo>
+                  <a:pt x="695" y="3255"/>
+                </a:lnTo>
+                <a:lnTo>
+                  <a:pt x="659" y="3237"/>
+                </a:lnTo>
+                <a:lnTo>
+                  <a:pt x="625" y="3214"/>
+                </a:lnTo>
+                <a:lnTo>
+                  <a:pt x="594" y="3187"/>
+                </a:lnTo>
+                <a:lnTo>
+                  <a:pt x="568" y="3156"/>
+                </a:lnTo>
+                <a:lnTo>
+                  <a:pt x="544" y="3122"/>
+                </a:lnTo>
+                <a:lnTo>
+                  <a:pt x="526" y="3086"/>
+                </a:lnTo>
+                <a:lnTo>
+                  <a:pt x="512" y="3047"/>
+                </a:lnTo>
+                <a:lnTo>
+                  <a:pt x="504" y="3006"/>
+                </a:lnTo>
+                <a:lnTo>
+                  <a:pt x="500" y="2962"/>
+                </a:lnTo>
+                <a:lnTo>
+                  <a:pt x="500" y="1972"/>
+                </a:lnTo>
+                <a:lnTo>
+                  <a:pt x="290" y="1972"/>
+                </a:lnTo>
+                <a:lnTo>
+                  <a:pt x="249" y="1969"/>
+                </a:lnTo>
+                <a:lnTo>
+                  <a:pt x="212" y="1961"/>
+                </a:lnTo>
+                <a:lnTo>
+                  <a:pt x="176" y="1948"/>
+                </a:lnTo>
+                <a:lnTo>
+                  <a:pt x="142" y="1932"/>
+                </a:lnTo>
+                <a:lnTo>
+                  <a:pt x="112" y="1911"/>
+                </a:lnTo>
+                <a:lnTo>
+                  <a:pt x="84" y="1887"/>
+                </a:lnTo>
+                <a:lnTo>
+                  <a:pt x="60" y="1859"/>
+                </a:lnTo>
+                <a:lnTo>
+                  <a:pt x="40" y="1830"/>
+                </a:lnTo>
+                <a:lnTo>
+                  <a:pt x="24" y="1797"/>
+                </a:lnTo>
+                <a:lnTo>
+                  <a:pt x="11" y="1762"/>
+                </a:lnTo>
+                <a:lnTo>
+                  <a:pt x="3" y="1726"/>
+                </a:lnTo>
+                <a:lnTo>
+                  <a:pt x="0" y="1688"/>
+                </a:lnTo>
+                <a:lnTo>
+                  <a:pt x="2" y="1650"/>
+                </a:lnTo>
+                <a:lnTo>
+                  <a:pt x="10" y="1611"/>
+                </a:lnTo>
+                <a:lnTo>
+                  <a:pt x="24" y="1572"/>
+                </a:lnTo>
+                <a:lnTo>
+                  <a:pt x="43" y="1533"/>
+                </a:lnTo>
+                <a:lnTo>
+                  <a:pt x="68" y="1495"/>
+                </a:lnTo>
+                <a:lnTo>
+                  <a:pt x="102" y="1458"/>
+                </a:lnTo>
+                <a:lnTo>
+                  <a:pt x="1374" y="165"/>
+                </a:lnTo>
+                <a:lnTo>
+                  <a:pt x="1417" y="126"/>
+                </a:lnTo>
+                <a:lnTo>
+                  <a:pt x="1461" y="93"/>
+                </a:lnTo>
+                <a:lnTo>
+                  <a:pt x="1508" y="65"/>
+                </a:lnTo>
+                <a:lnTo>
+                  <a:pt x="1558" y="42"/>
+                </a:lnTo>
+                <a:lnTo>
+                  <a:pt x="1609" y="24"/>
+                </a:lnTo>
+                <a:lnTo>
+                  <a:pt x="1660" y="11"/>
+                </a:lnTo>
+                <a:lnTo>
+                  <a:pt x="1713" y="3"/>
+                </a:lnTo>
+                <a:lnTo>
+                  <a:pt x="1766" y="0"/>
+                </a:lnTo>
+                <a:close/>
+              </a:path>
+            </a:pathLst>
+          </a:custGeom>
+          <a:solidFill>
+            <a:schemeClr val="bg1"/>
+          </a:solidFill>
+          <a:ln w="0">
+            <a:noFill/>
+            <a:prstDash val="solid"/>
+            <a:round/>
+            <a:headEnd/>
+            <a:tailEnd/>
+          </a:ln>
+        </p:spPr>
+        <p:txBody>
+          <a:bodyPr vert="horz" wrap="square" lIns="91440" tIns="45720" rIns="91440" bIns="45720" numCol="1" anchor="t" anchorCtr="0" compatLnSpc="1">
+            <a:prstTxWarp prst="textNoShape">
+              <a:avLst/>
+            </a:prstTxWarp>
+          </a:bodyPr>
+          <a:lstStyle/>
+          <a:p>
+            <a:endParaRPr lang="ko-KR" altLang="en-US" dirty="0"/>
+          </a:p>
+        </p:txBody>
+      </p:sp>
+      <p:sp>
+        <p:nvSpPr>
+          <p:cNvPr id="8" name="TextBox 7"/>
+          <p:cNvSpPr txBox="1"/>
+          <p:nvPr/>
+        </p:nvSpPr>
+        <p:spPr>
+          <a:xfrm>
+            <a:off x="1035707" y="939798"/>
+            <a:ext cx="9450023" cy="400110"/>
+          </a:xfrm>
+          <a:prstGeom prst="rect">
+            <a:avLst/>
+          </a:prstGeom>
+          <a:noFill/>
+        </p:spPr>
+        <p:txBody>
+          <a:bodyPr wrap="none" rtlCol="0">
+            <a:spAutoFit/>
+          </a:bodyPr>
+          <a:lstStyle/>
+          <a:p>
+            <a:r>
+              <a:rPr lang="ko-KR" altLang="en-US" sz="2000" b="1" spc="-150" dirty="0" smtClean="0">
+                <a:ln>
+                  <a:solidFill>
+                    <a:schemeClr val="accent1">
+                      <a:shade val="50000"/>
+                      <a:alpha val="0"/>
+                    </a:schemeClr>
+                  </a:solidFill>
+                </a:ln>
+                <a:solidFill>
+                  <a:schemeClr val="tx1">
+                    <a:lumMod val="85000"/>
+                    <a:lumOff val="15000"/>
+                  </a:schemeClr>
+                </a:solidFill>
+                <a:latin typeface="나눔바른고딕" panose="020B0603020101020101" pitchFamily="50" charset="-127"/>
+                <a:ea typeface="나눔바른고딕" panose="020B0603020101020101" pitchFamily="50" charset="-127"/>
+              </a:rPr>
+              <a:t>설명변수 중 </a:t>
+            </a:r>
+            <a:r>
+              <a:rPr lang="ko-KR" altLang="en-US" sz="2000" b="1" spc="-150" dirty="0" err="1" smtClean="0">
+                <a:ln>
+                  <a:solidFill>
+                    <a:schemeClr val="accent1">
+                      <a:shade val="50000"/>
+                      <a:alpha val="0"/>
+                    </a:schemeClr>
+                  </a:solidFill>
+                </a:ln>
+                <a:solidFill>
+                  <a:schemeClr val="tx1">
+                    <a:lumMod val="85000"/>
+                    <a:lumOff val="15000"/>
+                  </a:schemeClr>
+                </a:solidFill>
+                <a:latin typeface="나눔바른고딕" panose="020B0603020101020101" pitchFamily="50" charset="-127"/>
+                <a:ea typeface="나눔바른고딕" panose="020B0603020101020101" pitchFamily="50" charset="-127"/>
+              </a:rPr>
+              <a:t>결측치가</a:t>
+            </a:r>
+            <a:r>
+              <a:rPr lang="ko-KR" altLang="en-US" sz="2000" b="1" spc="-150" dirty="0" smtClean="0">
+                <a:ln>
+                  <a:solidFill>
+                    <a:schemeClr val="accent1">
+                      <a:shade val="50000"/>
+                      <a:alpha val="0"/>
+                    </a:schemeClr>
+                  </a:solidFill>
+                </a:ln>
+                <a:solidFill>
+                  <a:schemeClr val="tx1">
+                    <a:lumMod val="85000"/>
+                    <a:lumOff val="15000"/>
+                  </a:schemeClr>
+                </a:solidFill>
+                <a:latin typeface="나눔바른고딕" panose="020B0603020101020101" pitchFamily="50" charset="-127"/>
+                <a:ea typeface="나눔바른고딕" panose="020B0603020101020101" pitchFamily="50" charset="-127"/>
+              </a:rPr>
+              <a:t> </a:t>
+            </a:r>
+            <a:r>
+              <a:rPr lang="en-US" altLang="ko-KR" sz="2000" b="1" spc="-150" dirty="0" smtClean="0">
+                <a:ln>
+                  <a:solidFill>
+                    <a:schemeClr val="accent1">
+                      <a:shade val="50000"/>
+                      <a:alpha val="0"/>
+                    </a:schemeClr>
+                  </a:solidFill>
+                </a:ln>
+                <a:solidFill>
+                  <a:schemeClr val="tx1">
+                    <a:lumMod val="85000"/>
+                    <a:lumOff val="15000"/>
+                  </a:schemeClr>
+                </a:solidFill>
+                <a:latin typeface="나눔바른고딕" panose="020B0603020101020101" pitchFamily="50" charset="-127"/>
+                <a:ea typeface="나눔바른고딕" panose="020B0603020101020101" pitchFamily="50" charset="-127"/>
+              </a:rPr>
+              <a:t>80% </a:t>
+            </a:r>
+            <a:r>
+              <a:rPr lang="ko-KR" altLang="en-US" sz="2000" b="1" spc="-150" dirty="0" smtClean="0">
+                <a:ln>
+                  <a:solidFill>
+                    <a:schemeClr val="accent1">
+                      <a:shade val="50000"/>
+                      <a:alpha val="0"/>
+                    </a:schemeClr>
+                  </a:solidFill>
+                </a:ln>
+                <a:solidFill>
+                  <a:schemeClr val="tx1">
+                    <a:lumMod val="85000"/>
+                    <a:lumOff val="15000"/>
+                  </a:schemeClr>
+                </a:solidFill>
+                <a:latin typeface="나눔바른고딕" panose="020B0603020101020101" pitchFamily="50" charset="-127"/>
+                <a:ea typeface="나눔바른고딕" panose="020B0603020101020101" pitchFamily="50" charset="-127"/>
+              </a:rPr>
+              <a:t>이상이면서 화재 발생과 상관이 없다고 판단되는 변수 제거</a:t>
+            </a:r>
+            <a:r>
+              <a:rPr lang="en-US" altLang="ko-KR" sz="2000" b="1" spc="-150" dirty="0" smtClean="0">
+                <a:ln>
+                  <a:solidFill>
+                    <a:schemeClr val="accent1">
+                      <a:shade val="50000"/>
+                      <a:alpha val="0"/>
+                    </a:schemeClr>
+                  </a:solidFill>
+                </a:ln>
+                <a:solidFill>
+                  <a:schemeClr val="tx1">
+                    <a:lumMod val="85000"/>
+                    <a:lumOff val="15000"/>
+                  </a:schemeClr>
+                </a:solidFill>
+                <a:latin typeface="나눔바른고딕" panose="020B0603020101020101" pitchFamily="50" charset="-127"/>
+                <a:ea typeface="나눔바른고딕" panose="020B0603020101020101" pitchFamily="50" charset="-127"/>
+              </a:rPr>
+              <a:t>( 20</a:t>
+            </a:r>
+            <a:r>
+              <a:rPr lang="ko-KR" altLang="en-US" sz="2000" b="1" spc="-150" dirty="0" smtClean="0">
+                <a:ln>
+                  <a:solidFill>
+                    <a:schemeClr val="accent1">
+                      <a:shade val="50000"/>
+                      <a:alpha val="0"/>
+                    </a:schemeClr>
+                  </a:solidFill>
+                </a:ln>
+                <a:solidFill>
+                  <a:schemeClr val="tx1">
+                    <a:lumMod val="85000"/>
+                    <a:lumOff val="15000"/>
+                  </a:schemeClr>
+                </a:solidFill>
+                <a:latin typeface="나눔바른고딕" panose="020B0603020101020101" pitchFamily="50" charset="-127"/>
+                <a:ea typeface="나눔바른고딕" panose="020B0603020101020101" pitchFamily="50" charset="-127"/>
+              </a:rPr>
+              <a:t>여 개 제거 </a:t>
+            </a:r>
+            <a:r>
+              <a:rPr lang="en-US" altLang="ko-KR" sz="2000" b="1" spc="-150" dirty="0" smtClean="0">
+                <a:ln>
+                  <a:solidFill>
+                    <a:schemeClr val="accent1">
+                      <a:shade val="50000"/>
+                      <a:alpha val="0"/>
+                    </a:schemeClr>
+                  </a:solidFill>
+                </a:ln>
+                <a:solidFill>
+                  <a:schemeClr val="tx1">
+                    <a:lumMod val="85000"/>
+                    <a:lumOff val="15000"/>
+                  </a:schemeClr>
+                </a:solidFill>
+                <a:latin typeface="나눔바른고딕" panose="020B0603020101020101" pitchFamily="50" charset="-127"/>
+                <a:ea typeface="나눔바른고딕" panose="020B0603020101020101" pitchFamily="50" charset="-127"/>
+              </a:rPr>
+              <a:t>)</a:t>
+            </a:r>
+            <a:r>
+              <a:rPr lang="ko-KR" altLang="en-US" sz="2000" b="1" spc="-150" dirty="0" smtClean="0">
+                <a:ln>
+                  <a:solidFill>
+                    <a:schemeClr val="accent1">
+                      <a:shade val="50000"/>
+                      <a:alpha val="0"/>
+                    </a:schemeClr>
+                  </a:solidFill>
+                </a:ln>
+                <a:solidFill>
+                  <a:schemeClr val="tx1">
+                    <a:lumMod val="85000"/>
+                    <a:lumOff val="15000"/>
+                  </a:schemeClr>
+                </a:solidFill>
+                <a:latin typeface="나눔바른고딕" panose="020B0603020101020101" pitchFamily="50" charset="-127"/>
+                <a:ea typeface="나눔바른고딕" panose="020B0603020101020101" pitchFamily="50" charset="-127"/>
+              </a:rPr>
+              <a:t> </a:t>
+            </a:r>
+            <a:endParaRPr lang="ko-KR" altLang="en-US" sz="2000" b="1" spc="-150" dirty="0">
+              <a:ln>
+                <a:solidFill>
+                  <a:schemeClr val="accent1">
+                    <a:shade val="50000"/>
+                    <a:alpha val="0"/>
+                  </a:schemeClr>
+                </a:solidFill>
+              </a:ln>
+              <a:solidFill>
+                <a:schemeClr val="tx1">
+                  <a:lumMod val="85000"/>
+                  <a:lumOff val="15000"/>
+                </a:schemeClr>
+              </a:solidFill>
+              <a:latin typeface="나눔바른고딕" panose="020B0603020101020101" pitchFamily="50" charset="-127"/>
+              <a:ea typeface="나눔바른고딕" panose="020B0603020101020101" pitchFamily="50" charset="-127"/>
+            </a:endParaRPr>
+          </a:p>
+        </p:txBody>
+      </p:sp>
+      <p:pic>
+        <p:nvPicPr>
+          <p:cNvPr id="49" name="그림 48" descr="캡처18.PNG"/>
+          <p:cNvPicPr>
+            <a:picLocks noChangeAspect="1"/>
+          </p:cNvPicPr>
+          <p:nvPr/>
+        </p:nvPicPr>
+        <p:blipFill>
+          <a:blip r:embed="rId4" cstate="print"/>
+          <a:stretch>
+            <a:fillRect/>
+          </a:stretch>
+        </p:blipFill>
+        <p:spPr>
+          <a:xfrm>
+            <a:off x="1193800" y="1447800"/>
+            <a:ext cx="9156700" cy="4991100"/>
+          </a:xfrm>
+          <a:prstGeom prst="rect">
+            <a:avLst/>
+          </a:prstGeom>
+        </p:spPr>
+      </p:pic>
+    </p:spTree>
+    <p:extLst>
+      <p:ext uri="{BB962C8B-B14F-4D97-AF65-F5344CB8AC3E}">
+        <p14:creationId xmlns:p14="http://schemas.microsoft.com/office/powerpoint/2010/main" xmlns="" val="4194141123"/>
+      </p:ext>
+    </p:extLst>
+  </p:cSld>
+  <p:clrMapOvr>
+    <a:masterClrMapping/>
+  </p:clrMapOvr>
+  <p:timing>
+    <p:tnLst>
+      <p:par>
+        <p:cTn id="1" dur="indefinite" restart="never" nodeType="tmRoot"/>
+      </p:par>
+    </p:tnLst>
+  </p:timing>
+</p:sld>
+</file>
+
+<file path=ppt/slides/slide11.xml><?xml version="1.0" encoding="utf-8"?>
 <p:sld xmlns:a="http://schemas.openxmlformats.org/drawingml/2006/main" xmlns:r="http://schemas.openxmlformats.org/officeDocument/2006/relationships" xmlns:p="http://schemas.openxmlformats.org/presentationml/2006/main">
   <p:cSld>
     <p:spTree>
@@ -6139,1582 +7701,6 @@
           </a:p>
         </p:txBody>
       </p:sp>
-      <p:sp>
-        <p:nvSpPr>
-          <p:cNvPr id="8" name="TextBox 7"/>
-          <p:cNvSpPr txBox="1"/>
-          <p:nvPr/>
-        </p:nvSpPr>
-        <p:spPr>
-          <a:xfrm>
-            <a:off x="1035707" y="939798"/>
-            <a:ext cx="9450023" cy="400110"/>
-          </a:xfrm>
-          <a:prstGeom prst="rect">
-            <a:avLst/>
-          </a:prstGeom>
-          <a:noFill/>
-        </p:spPr>
-        <p:txBody>
-          <a:bodyPr wrap="none" rtlCol="0">
-            <a:spAutoFit/>
-          </a:bodyPr>
-          <a:lstStyle/>
-          <a:p>
-            <a:r>
-              <a:rPr lang="ko-KR" altLang="en-US" sz="2000" b="1" spc="-150" dirty="0" smtClean="0">
-                <a:ln>
-                  <a:solidFill>
-                    <a:schemeClr val="accent1">
-                      <a:shade val="50000"/>
-                      <a:alpha val="0"/>
-                    </a:schemeClr>
-                  </a:solidFill>
-                </a:ln>
-                <a:solidFill>
-                  <a:schemeClr val="tx1">
-                    <a:lumMod val="85000"/>
-                    <a:lumOff val="15000"/>
-                  </a:schemeClr>
-                </a:solidFill>
-                <a:latin typeface="나눔바른고딕" panose="020B0603020101020101" pitchFamily="50" charset="-127"/>
-                <a:ea typeface="나눔바른고딕" panose="020B0603020101020101" pitchFamily="50" charset="-127"/>
-              </a:rPr>
-              <a:t>설명변수 중 </a:t>
-            </a:r>
-            <a:r>
-              <a:rPr lang="ko-KR" altLang="en-US" sz="2000" b="1" spc="-150" dirty="0" err="1" smtClean="0">
-                <a:ln>
-                  <a:solidFill>
-                    <a:schemeClr val="accent1">
-                      <a:shade val="50000"/>
-                      <a:alpha val="0"/>
-                    </a:schemeClr>
-                  </a:solidFill>
-                </a:ln>
-                <a:solidFill>
-                  <a:schemeClr val="tx1">
-                    <a:lumMod val="85000"/>
-                    <a:lumOff val="15000"/>
-                  </a:schemeClr>
-                </a:solidFill>
-                <a:latin typeface="나눔바른고딕" panose="020B0603020101020101" pitchFamily="50" charset="-127"/>
-                <a:ea typeface="나눔바른고딕" panose="020B0603020101020101" pitchFamily="50" charset="-127"/>
-              </a:rPr>
-              <a:t>결측치가</a:t>
-            </a:r>
-            <a:r>
-              <a:rPr lang="ko-KR" altLang="en-US" sz="2000" b="1" spc="-150" dirty="0" smtClean="0">
-                <a:ln>
-                  <a:solidFill>
-                    <a:schemeClr val="accent1">
-                      <a:shade val="50000"/>
-                      <a:alpha val="0"/>
-                    </a:schemeClr>
-                  </a:solidFill>
-                </a:ln>
-                <a:solidFill>
-                  <a:schemeClr val="tx1">
-                    <a:lumMod val="85000"/>
-                    <a:lumOff val="15000"/>
-                  </a:schemeClr>
-                </a:solidFill>
-                <a:latin typeface="나눔바른고딕" panose="020B0603020101020101" pitchFamily="50" charset="-127"/>
-                <a:ea typeface="나눔바른고딕" panose="020B0603020101020101" pitchFamily="50" charset="-127"/>
-              </a:rPr>
-              <a:t> </a:t>
-            </a:r>
-            <a:r>
-              <a:rPr lang="en-US" altLang="ko-KR" sz="2000" b="1" spc="-150" dirty="0" smtClean="0">
-                <a:ln>
-                  <a:solidFill>
-                    <a:schemeClr val="accent1">
-                      <a:shade val="50000"/>
-                      <a:alpha val="0"/>
-                    </a:schemeClr>
-                  </a:solidFill>
-                </a:ln>
-                <a:solidFill>
-                  <a:schemeClr val="tx1">
-                    <a:lumMod val="85000"/>
-                    <a:lumOff val="15000"/>
-                  </a:schemeClr>
-                </a:solidFill>
-                <a:latin typeface="나눔바른고딕" panose="020B0603020101020101" pitchFamily="50" charset="-127"/>
-                <a:ea typeface="나눔바른고딕" panose="020B0603020101020101" pitchFamily="50" charset="-127"/>
-              </a:rPr>
-              <a:t>80% </a:t>
-            </a:r>
-            <a:r>
-              <a:rPr lang="ko-KR" altLang="en-US" sz="2000" b="1" spc="-150" dirty="0" smtClean="0">
-                <a:ln>
-                  <a:solidFill>
-                    <a:schemeClr val="accent1">
-                      <a:shade val="50000"/>
-                      <a:alpha val="0"/>
-                    </a:schemeClr>
-                  </a:solidFill>
-                </a:ln>
-                <a:solidFill>
-                  <a:schemeClr val="tx1">
-                    <a:lumMod val="85000"/>
-                    <a:lumOff val="15000"/>
-                  </a:schemeClr>
-                </a:solidFill>
-                <a:latin typeface="나눔바른고딕" panose="020B0603020101020101" pitchFamily="50" charset="-127"/>
-                <a:ea typeface="나눔바른고딕" panose="020B0603020101020101" pitchFamily="50" charset="-127"/>
-              </a:rPr>
-              <a:t>이상이면서 화재 발생과 상관이 없다고 판단되는 변수 제거</a:t>
-            </a:r>
-            <a:r>
-              <a:rPr lang="en-US" altLang="ko-KR" sz="2000" b="1" spc="-150" dirty="0" smtClean="0">
-                <a:ln>
-                  <a:solidFill>
-                    <a:schemeClr val="accent1">
-                      <a:shade val="50000"/>
-                      <a:alpha val="0"/>
-                    </a:schemeClr>
-                  </a:solidFill>
-                </a:ln>
-                <a:solidFill>
-                  <a:schemeClr val="tx1">
-                    <a:lumMod val="85000"/>
-                    <a:lumOff val="15000"/>
-                  </a:schemeClr>
-                </a:solidFill>
-                <a:latin typeface="나눔바른고딕" panose="020B0603020101020101" pitchFamily="50" charset="-127"/>
-                <a:ea typeface="나눔바른고딕" panose="020B0603020101020101" pitchFamily="50" charset="-127"/>
-              </a:rPr>
-              <a:t>( 20</a:t>
-            </a:r>
-            <a:r>
-              <a:rPr lang="ko-KR" altLang="en-US" sz="2000" b="1" spc="-150" dirty="0" smtClean="0">
-                <a:ln>
-                  <a:solidFill>
-                    <a:schemeClr val="accent1">
-                      <a:shade val="50000"/>
-                      <a:alpha val="0"/>
-                    </a:schemeClr>
-                  </a:solidFill>
-                </a:ln>
-                <a:solidFill>
-                  <a:schemeClr val="tx1">
-                    <a:lumMod val="85000"/>
-                    <a:lumOff val="15000"/>
-                  </a:schemeClr>
-                </a:solidFill>
-                <a:latin typeface="나눔바른고딕" panose="020B0603020101020101" pitchFamily="50" charset="-127"/>
-                <a:ea typeface="나눔바른고딕" panose="020B0603020101020101" pitchFamily="50" charset="-127"/>
-              </a:rPr>
-              <a:t>여 개 제거 </a:t>
-            </a:r>
-            <a:r>
-              <a:rPr lang="en-US" altLang="ko-KR" sz="2000" b="1" spc="-150" dirty="0" smtClean="0">
-                <a:ln>
-                  <a:solidFill>
-                    <a:schemeClr val="accent1">
-                      <a:shade val="50000"/>
-                      <a:alpha val="0"/>
-                    </a:schemeClr>
-                  </a:solidFill>
-                </a:ln>
-                <a:solidFill>
-                  <a:schemeClr val="tx1">
-                    <a:lumMod val="85000"/>
-                    <a:lumOff val="15000"/>
-                  </a:schemeClr>
-                </a:solidFill>
-                <a:latin typeface="나눔바른고딕" panose="020B0603020101020101" pitchFamily="50" charset="-127"/>
-                <a:ea typeface="나눔바른고딕" panose="020B0603020101020101" pitchFamily="50" charset="-127"/>
-              </a:rPr>
-              <a:t>)</a:t>
-            </a:r>
-            <a:r>
-              <a:rPr lang="ko-KR" altLang="en-US" sz="2000" b="1" spc="-150" dirty="0" smtClean="0">
-                <a:ln>
-                  <a:solidFill>
-                    <a:schemeClr val="accent1">
-                      <a:shade val="50000"/>
-                      <a:alpha val="0"/>
-                    </a:schemeClr>
-                  </a:solidFill>
-                </a:ln>
-                <a:solidFill>
-                  <a:schemeClr val="tx1">
-                    <a:lumMod val="85000"/>
-                    <a:lumOff val="15000"/>
-                  </a:schemeClr>
-                </a:solidFill>
-                <a:latin typeface="나눔바른고딕" panose="020B0603020101020101" pitchFamily="50" charset="-127"/>
-                <a:ea typeface="나눔바른고딕" panose="020B0603020101020101" pitchFamily="50" charset="-127"/>
-              </a:rPr>
-              <a:t> </a:t>
-            </a:r>
-            <a:endParaRPr lang="ko-KR" altLang="en-US" sz="2000" b="1" spc="-150" dirty="0">
-              <a:ln>
-                <a:solidFill>
-                  <a:schemeClr val="accent1">
-                    <a:shade val="50000"/>
-                    <a:alpha val="0"/>
-                  </a:schemeClr>
-                </a:solidFill>
-              </a:ln>
-              <a:solidFill>
-                <a:schemeClr val="tx1">
-                  <a:lumMod val="85000"/>
-                  <a:lumOff val="15000"/>
-                </a:schemeClr>
-              </a:solidFill>
-              <a:latin typeface="나눔바른고딕" panose="020B0603020101020101" pitchFamily="50" charset="-127"/>
-              <a:ea typeface="나눔바른고딕" panose="020B0603020101020101" pitchFamily="50" charset="-127"/>
-            </a:endParaRPr>
-          </a:p>
-        </p:txBody>
-      </p:sp>
-      <p:pic>
-        <p:nvPicPr>
-          <p:cNvPr id="49" name="그림 48" descr="캡처18.PNG"/>
-          <p:cNvPicPr>
-            <a:picLocks noChangeAspect="1"/>
-          </p:cNvPicPr>
-          <p:nvPr/>
-        </p:nvPicPr>
-        <p:blipFill>
-          <a:blip r:embed="rId4" cstate="print"/>
-          <a:stretch>
-            <a:fillRect/>
-          </a:stretch>
-        </p:blipFill>
-        <p:spPr>
-          <a:xfrm>
-            <a:off x="1193800" y="1447800"/>
-            <a:ext cx="9156700" cy="4991100"/>
-          </a:xfrm>
-          <a:prstGeom prst="rect">
-            <a:avLst/>
-          </a:prstGeom>
-        </p:spPr>
-      </p:pic>
-    </p:spTree>
-    <p:extLst>
-      <p:ext uri="{BB962C8B-B14F-4D97-AF65-F5344CB8AC3E}">
-        <p14:creationId xmlns="" xmlns:p14="http://schemas.microsoft.com/office/powerpoint/2010/main" val="4194141123"/>
-      </p:ext>
-    </p:extLst>
-  </p:cSld>
-  <p:clrMapOvr>
-    <a:masterClrMapping/>
-  </p:clrMapOvr>
-  <p:timing>
-    <p:tnLst>
-      <p:par>
-        <p:cTn id="1" dur="indefinite" restart="never" nodeType="tmRoot"/>
-      </p:par>
-    </p:tnLst>
-  </p:timing>
-</p:sld>
-</file>
-
-<file path=ppt/slides/slide11.xml><?xml version="1.0" encoding="utf-8"?>
-<p:sld xmlns:a="http://schemas.openxmlformats.org/drawingml/2006/main" xmlns:r="http://schemas.openxmlformats.org/officeDocument/2006/relationships" xmlns:p="http://schemas.openxmlformats.org/presentationml/2006/main">
-  <p:cSld>
-    <p:spTree>
-      <p:nvGrpSpPr>
-        <p:cNvPr id="1" name=""/>
-        <p:cNvGrpSpPr/>
-        <p:nvPr/>
-      </p:nvGrpSpPr>
-      <p:grpSpPr>
-        <a:xfrm>
-          <a:off x="0" y="0"/>
-          <a:ext cx="0" cy="0"/>
-          <a:chOff x="0" y="0"/>
-          <a:chExt cx="0" cy="0"/>
-        </a:xfrm>
-      </p:grpSpPr>
-      <p:pic>
-        <p:nvPicPr>
-          <p:cNvPr id="9" name="그림 8"/>
-          <p:cNvPicPr>
-            <a:picLocks noChangeAspect="1"/>
-          </p:cNvPicPr>
-          <p:nvPr/>
-        </p:nvPicPr>
-        <p:blipFill rotWithShape="1">
-          <a:blip r:embed="rId3" cstate="print">
-            <a:lum bright="70000" contrast="-70000"/>
-            <a:extLst>
-              <a:ext uri="{28A0092B-C50C-407E-A947-70E740481C1C}">
-                <a14:useLocalDpi xmlns:a14="http://schemas.microsoft.com/office/drawing/2010/main" xmlns="" val="0"/>
-              </a:ext>
-            </a:extLst>
-          </a:blip>
-          <a:srcRect t="7944" b="7944"/>
-          <a:stretch/>
-        </p:blipFill>
-        <p:spPr>
-          <a:xfrm>
-            <a:off x="0" y="0"/>
-            <a:ext cx="12192000" cy="6858000"/>
-          </a:xfrm>
-          <a:prstGeom prst="rect">
-            <a:avLst/>
-          </a:prstGeom>
-        </p:spPr>
-      </p:pic>
-      <p:sp>
-        <p:nvSpPr>
-          <p:cNvPr id="5" name="TextBox 4"/>
-          <p:cNvSpPr txBox="1"/>
-          <p:nvPr/>
-        </p:nvSpPr>
-        <p:spPr>
-          <a:xfrm>
-            <a:off x="210207" y="101598"/>
-            <a:ext cx="1156086" cy="553998"/>
-          </a:xfrm>
-          <a:prstGeom prst="rect">
-            <a:avLst/>
-          </a:prstGeom>
-          <a:noFill/>
-        </p:spPr>
-        <p:txBody>
-          <a:bodyPr wrap="none" rtlCol="0">
-            <a:spAutoFit/>
-          </a:bodyPr>
-          <a:lstStyle/>
-          <a:p>
-            <a:r>
-              <a:rPr lang="ko-KR" altLang="en-US" sz="3000" b="1" spc="-150" dirty="0" smtClean="0">
-                <a:ln>
-                  <a:solidFill>
-                    <a:schemeClr val="accent1">
-                      <a:shade val="50000"/>
-                      <a:alpha val="0"/>
-                    </a:schemeClr>
-                  </a:solidFill>
-                </a:ln>
-                <a:solidFill>
-                  <a:schemeClr val="tx1">
-                    <a:lumMod val="85000"/>
-                    <a:lumOff val="15000"/>
-                  </a:schemeClr>
-                </a:solidFill>
-                <a:latin typeface="나눔바른고딕" panose="020B0603020101020101" pitchFamily="50" charset="-127"/>
-                <a:ea typeface="나눔바른고딕" panose="020B0603020101020101" pitchFamily="50" charset="-127"/>
-              </a:rPr>
-              <a:t>전처리</a:t>
-            </a:r>
-            <a:endParaRPr lang="ko-KR" altLang="en-US" sz="3000" b="1" spc="-150" dirty="0">
-              <a:ln>
-                <a:solidFill>
-                  <a:schemeClr val="accent1">
-                    <a:shade val="50000"/>
-                    <a:alpha val="0"/>
-                  </a:schemeClr>
-                </a:solidFill>
-              </a:ln>
-              <a:solidFill>
-                <a:schemeClr val="tx1">
-                  <a:lumMod val="85000"/>
-                  <a:lumOff val="15000"/>
-                </a:schemeClr>
-              </a:solidFill>
-              <a:latin typeface="나눔바른고딕" panose="020B0603020101020101" pitchFamily="50" charset="-127"/>
-              <a:ea typeface="나눔바른고딕" panose="020B0603020101020101" pitchFamily="50" charset="-127"/>
-            </a:endParaRPr>
-          </a:p>
-        </p:txBody>
-      </p:sp>
-      <p:sp>
-        <p:nvSpPr>
-          <p:cNvPr id="6" name="직사각형 5"/>
-          <p:cNvSpPr/>
-          <p:nvPr/>
-        </p:nvSpPr>
-        <p:spPr>
-          <a:xfrm rot="5400000">
-            <a:off x="1636416" y="-954630"/>
-            <a:ext cx="131023" cy="3403853"/>
-          </a:xfrm>
-          <a:prstGeom prst="rect">
-            <a:avLst/>
-          </a:prstGeom>
-          <a:solidFill>
-            <a:srgbClr val="A40525"/>
-          </a:solidFill>
-          <a:ln>
-            <a:noFill/>
-          </a:ln>
-        </p:spPr>
-        <p:style>
-          <a:lnRef idx="2">
-            <a:schemeClr val="accent1">
-              <a:shade val="50000"/>
-            </a:schemeClr>
-          </a:lnRef>
-          <a:fillRef idx="1">
-            <a:schemeClr val="accent1"/>
-          </a:fillRef>
-          <a:effectRef idx="0">
-            <a:schemeClr val="accent1"/>
-          </a:effectRef>
-          <a:fontRef idx="minor">
-            <a:schemeClr val="lt1"/>
-          </a:fontRef>
-        </p:style>
-        <p:txBody>
-          <a:bodyPr rtlCol="0" anchor="ctr"/>
-          <a:lstStyle/>
-          <a:p>
-            <a:pPr algn="ctr"/>
-            <a:endParaRPr lang="ko-KR" altLang="en-US" dirty="0"/>
-          </a:p>
-        </p:txBody>
-      </p:sp>
-      <p:sp>
-        <p:nvSpPr>
-          <p:cNvPr id="7" name="직사각형 6"/>
-          <p:cNvSpPr/>
-          <p:nvPr/>
-        </p:nvSpPr>
-        <p:spPr>
-          <a:xfrm rot="5400000">
-            <a:off x="6055849" y="845693"/>
-            <a:ext cx="80301" cy="11509830"/>
-          </a:xfrm>
-          <a:prstGeom prst="rect">
-            <a:avLst/>
-          </a:prstGeom>
-          <a:solidFill>
-            <a:srgbClr val="A40525"/>
-          </a:solidFill>
-          <a:ln>
-            <a:noFill/>
-          </a:ln>
-        </p:spPr>
-        <p:style>
-          <a:lnRef idx="2">
-            <a:schemeClr val="accent1">
-              <a:shade val="50000"/>
-            </a:schemeClr>
-          </a:lnRef>
-          <a:fillRef idx="1">
-            <a:schemeClr val="accent1"/>
-          </a:fillRef>
-          <a:effectRef idx="0">
-            <a:schemeClr val="accent1"/>
-          </a:effectRef>
-          <a:fontRef idx="minor">
-            <a:schemeClr val="lt1"/>
-          </a:fontRef>
-        </p:style>
-        <p:txBody>
-          <a:bodyPr rtlCol="0" anchor="ctr"/>
-          <a:lstStyle/>
-          <a:p>
-            <a:pPr algn="ctr"/>
-            <a:endParaRPr lang="ko-KR" altLang="en-US" dirty="0"/>
-          </a:p>
-        </p:txBody>
-      </p:sp>
-      <p:sp>
-        <p:nvSpPr>
-          <p:cNvPr id="28" name="Freeform 6"/>
-          <p:cNvSpPr>
-            <a:spLocks noEditPoints="1"/>
-          </p:cNvSpPr>
-          <p:nvPr/>
-        </p:nvSpPr>
-        <p:spPr bwMode="auto">
-          <a:xfrm>
-            <a:off x="1687677" y="2607772"/>
-            <a:ext cx="850374" cy="791028"/>
-          </a:xfrm>
-          <a:custGeom>
-            <a:avLst/>
-            <a:gdLst>
-              <a:gd name="T0" fmla="*/ 1793 w 3525"/>
-              <a:gd name="T1" fmla="*/ 1094 h 3279"/>
-              <a:gd name="T2" fmla="*/ 1641 w 3525"/>
-              <a:gd name="T3" fmla="*/ 1256 h 3279"/>
-              <a:gd name="T4" fmla="*/ 1506 w 3525"/>
-              <a:gd name="T5" fmla="*/ 1508 h 3279"/>
-              <a:gd name="T6" fmla="*/ 1451 w 3525"/>
-              <a:gd name="T7" fmla="*/ 1797 h 3279"/>
-              <a:gd name="T8" fmla="*/ 1482 w 3525"/>
-              <a:gd name="T9" fmla="*/ 2079 h 3279"/>
-              <a:gd name="T10" fmla="*/ 1453 w 3525"/>
-              <a:gd name="T11" fmla="*/ 2178 h 3279"/>
-              <a:gd name="T12" fmla="*/ 1345 w 3525"/>
-              <a:gd name="T13" fmla="*/ 2060 h 3279"/>
-              <a:gd name="T14" fmla="*/ 1296 w 3525"/>
-              <a:gd name="T15" fmla="*/ 1888 h 3279"/>
-              <a:gd name="T16" fmla="*/ 1313 w 3525"/>
-              <a:gd name="T17" fmla="*/ 1684 h 3279"/>
-              <a:gd name="T18" fmla="*/ 1351 w 3525"/>
-              <a:gd name="T19" fmla="*/ 1558 h 3279"/>
-              <a:gd name="T20" fmla="*/ 1312 w 3525"/>
-              <a:gd name="T21" fmla="*/ 1547 h 3279"/>
-              <a:gd name="T22" fmla="*/ 1165 w 3525"/>
-              <a:gd name="T23" fmla="*/ 1687 h 3279"/>
-              <a:gd name="T24" fmla="*/ 1046 w 3525"/>
-              <a:gd name="T25" fmla="*/ 1904 h 3279"/>
-              <a:gd name="T26" fmla="*/ 1002 w 3525"/>
-              <a:gd name="T27" fmla="*/ 2159 h 3279"/>
-              <a:gd name="T28" fmla="*/ 1050 w 3525"/>
-              <a:gd name="T29" fmla="*/ 2428 h 3279"/>
-              <a:gd name="T30" fmla="*/ 1182 w 3525"/>
-              <a:gd name="T31" fmla="*/ 2656 h 3279"/>
-              <a:gd name="T32" fmla="*/ 1383 w 3525"/>
-              <a:gd name="T33" fmla="*/ 2826 h 3279"/>
-              <a:gd name="T34" fmla="*/ 1635 w 3525"/>
-              <a:gd name="T35" fmla="*/ 2918 h 3279"/>
-              <a:gd name="T36" fmla="*/ 1913 w 3525"/>
-              <a:gd name="T37" fmla="*/ 2918 h 3279"/>
-              <a:gd name="T38" fmla="*/ 2163 w 3525"/>
-              <a:gd name="T39" fmla="*/ 2826 h 3279"/>
-              <a:gd name="T40" fmla="*/ 2364 w 3525"/>
-              <a:gd name="T41" fmla="*/ 2657 h 3279"/>
-              <a:gd name="T42" fmla="*/ 2496 w 3525"/>
-              <a:gd name="T43" fmla="*/ 2428 h 3279"/>
-              <a:gd name="T44" fmla="*/ 2544 w 3525"/>
-              <a:gd name="T45" fmla="*/ 2160 h 3279"/>
-              <a:gd name="T46" fmla="*/ 2497 w 3525"/>
-              <a:gd name="T47" fmla="*/ 1897 h 3279"/>
-              <a:gd name="T48" fmla="*/ 2368 w 3525"/>
-              <a:gd name="T49" fmla="*/ 1673 h 3279"/>
-              <a:gd name="T50" fmla="*/ 2210 w 3525"/>
-              <a:gd name="T51" fmla="*/ 1530 h 3279"/>
-              <a:gd name="T52" fmla="*/ 2166 w 3525"/>
-              <a:gd name="T53" fmla="*/ 1535 h 3279"/>
-              <a:gd name="T54" fmla="*/ 2151 w 3525"/>
-              <a:gd name="T55" fmla="*/ 1609 h 3279"/>
-              <a:gd name="T56" fmla="*/ 2111 w 3525"/>
-              <a:gd name="T57" fmla="*/ 1719 h 3279"/>
-              <a:gd name="T58" fmla="*/ 2041 w 3525"/>
-              <a:gd name="T59" fmla="*/ 1809 h 3279"/>
-              <a:gd name="T60" fmla="*/ 1934 w 3525"/>
-              <a:gd name="T61" fmla="*/ 1846 h 3279"/>
-              <a:gd name="T62" fmla="*/ 1827 w 3525"/>
-              <a:gd name="T63" fmla="*/ 1569 h 3279"/>
-              <a:gd name="T64" fmla="*/ 1812 w 3525"/>
-              <a:gd name="T65" fmla="*/ 1262 h 3279"/>
-              <a:gd name="T66" fmla="*/ 1841 w 3525"/>
-              <a:gd name="T67" fmla="*/ 1098 h 3279"/>
-              <a:gd name="T68" fmla="*/ 1766 w 3525"/>
-              <a:gd name="T69" fmla="*/ 0 h 3279"/>
-              <a:gd name="T70" fmla="*/ 1954 w 3525"/>
-              <a:gd name="T71" fmla="*/ 33 h 3279"/>
-              <a:gd name="T72" fmla="*/ 2118 w 3525"/>
-              <a:gd name="T73" fmla="*/ 130 h 3279"/>
-              <a:gd name="T74" fmla="*/ 2447 w 3525"/>
-              <a:gd name="T75" fmla="*/ 165 h 3279"/>
-              <a:gd name="T76" fmla="*/ 2516 w 3525"/>
-              <a:gd name="T77" fmla="*/ 48 h 3279"/>
-              <a:gd name="T78" fmla="*/ 2647 w 3525"/>
-              <a:gd name="T79" fmla="*/ 0 h 3279"/>
-              <a:gd name="T80" fmla="*/ 2913 w 3525"/>
-              <a:gd name="T81" fmla="*/ 22 h 3279"/>
-              <a:gd name="T82" fmla="*/ 3000 w 3525"/>
-              <a:gd name="T83" fmla="*/ 107 h 3279"/>
-              <a:gd name="T84" fmla="*/ 3022 w 3525"/>
-              <a:gd name="T85" fmla="*/ 1050 h 3279"/>
-              <a:gd name="T86" fmla="*/ 3500 w 3525"/>
-              <a:gd name="T87" fmla="*/ 1572 h 3279"/>
-              <a:gd name="T88" fmla="*/ 3522 w 3525"/>
-              <a:gd name="T89" fmla="*/ 1726 h 3279"/>
-              <a:gd name="T90" fmla="*/ 3466 w 3525"/>
-              <a:gd name="T91" fmla="*/ 1859 h 3279"/>
-              <a:gd name="T92" fmla="*/ 3352 w 3525"/>
-              <a:gd name="T93" fmla="*/ 1948 h 3279"/>
-              <a:gd name="T94" fmla="*/ 3023 w 3525"/>
-              <a:gd name="T95" fmla="*/ 1971 h 3279"/>
-              <a:gd name="T96" fmla="*/ 2999 w 3525"/>
-              <a:gd name="T97" fmla="*/ 3085 h 3279"/>
-              <a:gd name="T98" fmla="*/ 2900 w 3525"/>
-              <a:gd name="T99" fmla="*/ 3213 h 3279"/>
-              <a:gd name="T100" fmla="*/ 2749 w 3525"/>
-              <a:gd name="T101" fmla="*/ 3277 h 3279"/>
-              <a:gd name="T102" fmla="*/ 734 w 3525"/>
-              <a:gd name="T103" fmla="*/ 3269 h 3279"/>
-              <a:gd name="T104" fmla="*/ 594 w 3525"/>
-              <a:gd name="T105" fmla="*/ 3187 h 3279"/>
-              <a:gd name="T106" fmla="*/ 512 w 3525"/>
-              <a:gd name="T107" fmla="*/ 3047 h 3279"/>
-              <a:gd name="T108" fmla="*/ 290 w 3525"/>
-              <a:gd name="T109" fmla="*/ 1972 h 3279"/>
-              <a:gd name="T110" fmla="*/ 142 w 3525"/>
-              <a:gd name="T111" fmla="*/ 1932 h 3279"/>
-              <a:gd name="T112" fmla="*/ 40 w 3525"/>
-              <a:gd name="T113" fmla="*/ 1830 h 3279"/>
-              <a:gd name="T114" fmla="*/ 0 w 3525"/>
-              <a:gd name="T115" fmla="*/ 1688 h 3279"/>
-              <a:gd name="T116" fmla="*/ 43 w 3525"/>
-              <a:gd name="T117" fmla="*/ 1533 h 3279"/>
-              <a:gd name="T118" fmla="*/ 1417 w 3525"/>
-              <a:gd name="T119" fmla="*/ 126 h 3279"/>
-              <a:gd name="T120" fmla="*/ 1609 w 3525"/>
-              <a:gd name="T121" fmla="*/ 24 h 3279"/>
-            </a:gdLst>
-            <a:ahLst/>
-            <a:cxnLst>
-              <a:cxn ang="0">
-                <a:pos x="T0" y="T1"/>
-              </a:cxn>
-              <a:cxn ang="0">
-                <a:pos x="T2" y="T3"/>
-              </a:cxn>
-              <a:cxn ang="0">
-                <a:pos x="T4" y="T5"/>
-              </a:cxn>
-              <a:cxn ang="0">
-                <a:pos x="T6" y="T7"/>
-              </a:cxn>
-              <a:cxn ang="0">
-                <a:pos x="T8" y="T9"/>
-              </a:cxn>
-              <a:cxn ang="0">
-                <a:pos x="T10" y="T11"/>
-              </a:cxn>
-              <a:cxn ang="0">
-                <a:pos x="T12" y="T13"/>
-              </a:cxn>
-              <a:cxn ang="0">
-                <a:pos x="T14" y="T15"/>
-              </a:cxn>
-              <a:cxn ang="0">
-                <a:pos x="T16" y="T17"/>
-              </a:cxn>
-              <a:cxn ang="0">
-                <a:pos x="T18" y="T19"/>
-              </a:cxn>
-              <a:cxn ang="0">
-                <a:pos x="T20" y="T21"/>
-              </a:cxn>
-              <a:cxn ang="0">
-                <a:pos x="T22" y="T23"/>
-              </a:cxn>
-              <a:cxn ang="0">
-                <a:pos x="T24" y="T25"/>
-              </a:cxn>
-              <a:cxn ang="0">
-                <a:pos x="T26" y="T27"/>
-              </a:cxn>
-              <a:cxn ang="0">
-                <a:pos x="T28" y="T29"/>
-              </a:cxn>
-              <a:cxn ang="0">
-                <a:pos x="T30" y="T31"/>
-              </a:cxn>
-              <a:cxn ang="0">
-                <a:pos x="T32" y="T33"/>
-              </a:cxn>
-              <a:cxn ang="0">
-                <a:pos x="T34" y="T35"/>
-              </a:cxn>
-              <a:cxn ang="0">
-                <a:pos x="T36" y="T37"/>
-              </a:cxn>
-              <a:cxn ang="0">
-                <a:pos x="T38" y="T39"/>
-              </a:cxn>
-              <a:cxn ang="0">
-                <a:pos x="T40" y="T41"/>
-              </a:cxn>
-              <a:cxn ang="0">
-                <a:pos x="T42" y="T43"/>
-              </a:cxn>
-              <a:cxn ang="0">
-                <a:pos x="T44" y="T45"/>
-              </a:cxn>
-              <a:cxn ang="0">
-                <a:pos x="T46" y="T47"/>
-              </a:cxn>
-              <a:cxn ang="0">
-                <a:pos x="T48" y="T49"/>
-              </a:cxn>
-              <a:cxn ang="0">
-                <a:pos x="T50" y="T51"/>
-              </a:cxn>
-              <a:cxn ang="0">
-                <a:pos x="T52" y="T53"/>
-              </a:cxn>
-              <a:cxn ang="0">
-                <a:pos x="T54" y="T55"/>
-              </a:cxn>
-              <a:cxn ang="0">
-                <a:pos x="T56" y="T57"/>
-              </a:cxn>
-              <a:cxn ang="0">
-                <a:pos x="T58" y="T59"/>
-              </a:cxn>
-              <a:cxn ang="0">
-                <a:pos x="T60" y="T61"/>
-              </a:cxn>
-              <a:cxn ang="0">
-                <a:pos x="T62" y="T63"/>
-              </a:cxn>
-              <a:cxn ang="0">
-                <a:pos x="T64" y="T65"/>
-              </a:cxn>
-              <a:cxn ang="0">
-                <a:pos x="T66" y="T67"/>
-              </a:cxn>
-              <a:cxn ang="0">
-                <a:pos x="T68" y="T69"/>
-              </a:cxn>
-              <a:cxn ang="0">
-                <a:pos x="T70" y="T71"/>
-              </a:cxn>
-              <a:cxn ang="0">
-                <a:pos x="T72" y="T73"/>
-              </a:cxn>
-              <a:cxn ang="0">
-                <a:pos x="T74" y="T75"/>
-              </a:cxn>
-              <a:cxn ang="0">
-                <a:pos x="T76" y="T77"/>
-              </a:cxn>
-              <a:cxn ang="0">
-                <a:pos x="T78" y="T79"/>
-              </a:cxn>
-              <a:cxn ang="0">
-                <a:pos x="T80" y="T81"/>
-              </a:cxn>
-              <a:cxn ang="0">
-                <a:pos x="T82" y="T83"/>
-              </a:cxn>
-              <a:cxn ang="0">
-                <a:pos x="T84" y="T85"/>
-              </a:cxn>
-              <a:cxn ang="0">
-                <a:pos x="T86" y="T87"/>
-              </a:cxn>
-              <a:cxn ang="0">
-                <a:pos x="T88" y="T89"/>
-              </a:cxn>
-              <a:cxn ang="0">
-                <a:pos x="T90" y="T91"/>
-              </a:cxn>
-              <a:cxn ang="0">
-                <a:pos x="T92" y="T93"/>
-              </a:cxn>
-              <a:cxn ang="0">
-                <a:pos x="T94" y="T95"/>
-              </a:cxn>
-              <a:cxn ang="0">
-                <a:pos x="T96" y="T97"/>
-              </a:cxn>
-              <a:cxn ang="0">
-                <a:pos x="T98" y="T99"/>
-              </a:cxn>
-              <a:cxn ang="0">
-                <a:pos x="T100" y="T101"/>
-              </a:cxn>
-              <a:cxn ang="0">
-                <a:pos x="T102" y="T103"/>
-              </a:cxn>
-              <a:cxn ang="0">
-                <a:pos x="T104" y="T105"/>
-              </a:cxn>
-              <a:cxn ang="0">
-                <a:pos x="T106" y="T107"/>
-              </a:cxn>
-              <a:cxn ang="0">
-                <a:pos x="T108" y="T109"/>
-              </a:cxn>
-              <a:cxn ang="0">
-                <a:pos x="T110" y="T111"/>
-              </a:cxn>
-              <a:cxn ang="0">
-                <a:pos x="T112" y="T113"/>
-              </a:cxn>
-              <a:cxn ang="0">
-                <a:pos x="T114" y="T115"/>
-              </a:cxn>
-              <a:cxn ang="0">
-                <a:pos x="T116" y="T117"/>
-              </a:cxn>
-              <a:cxn ang="0">
-                <a:pos x="T118" y="T119"/>
-              </a:cxn>
-              <a:cxn ang="0">
-                <a:pos x="T120" y="T121"/>
-              </a:cxn>
-            </a:cxnLst>
-            <a:rect l="0" t="0" r="r" b="b"/>
-            <a:pathLst>
-              <a:path w="3525" h="3279">
-                <a:moveTo>
-                  <a:pt x="1824" y="1082"/>
-                </a:moveTo>
-                <a:lnTo>
-                  <a:pt x="1814" y="1083"/>
-                </a:lnTo>
-                <a:lnTo>
-                  <a:pt x="1804" y="1087"/>
-                </a:lnTo>
-                <a:lnTo>
-                  <a:pt x="1793" y="1094"/>
-                </a:lnTo>
-                <a:lnTo>
-                  <a:pt x="1785" y="1101"/>
-                </a:lnTo>
-                <a:lnTo>
-                  <a:pt x="1734" y="1149"/>
-                </a:lnTo>
-                <a:lnTo>
-                  <a:pt x="1686" y="1201"/>
-                </a:lnTo>
-                <a:lnTo>
-                  <a:pt x="1641" y="1256"/>
-                </a:lnTo>
-                <a:lnTo>
-                  <a:pt x="1601" y="1314"/>
-                </a:lnTo>
-                <a:lnTo>
-                  <a:pt x="1565" y="1376"/>
-                </a:lnTo>
-                <a:lnTo>
-                  <a:pt x="1533" y="1440"/>
-                </a:lnTo>
-                <a:lnTo>
-                  <a:pt x="1506" y="1508"/>
-                </a:lnTo>
-                <a:lnTo>
-                  <a:pt x="1484" y="1578"/>
-                </a:lnTo>
-                <a:lnTo>
-                  <a:pt x="1467" y="1650"/>
-                </a:lnTo>
-                <a:lnTo>
-                  <a:pt x="1456" y="1725"/>
-                </a:lnTo>
-                <a:lnTo>
-                  <a:pt x="1451" y="1797"/>
-                </a:lnTo>
-                <a:lnTo>
-                  <a:pt x="1451" y="1870"/>
-                </a:lnTo>
-                <a:lnTo>
-                  <a:pt x="1456" y="1941"/>
-                </a:lnTo>
-                <a:lnTo>
-                  <a:pt x="1466" y="2010"/>
-                </a:lnTo>
-                <a:lnTo>
-                  <a:pt x="1482" y="2079"/>
-                </a:lnTo>
-                <a:lnTo>
-                  <a:pt x="1502" y="2145"/>
-                </a:lnTo>
-                <a:lnTo>
-                  <a:pt x="1527" y="2210"/>
-                </a:lnTo>
-                <a:lnTo>
-                  <a:pt x="1488" y="2196"/>
-                </a:lnTo>
-                <a:lnTo>
-                  <a:pt x="1453" y="2178"/>
-                </a:lnTo>
-                <a:lnTo>
-                  <a:pt x="1421" y="2155"/>
-                </a:lnTo>
-                <a:lnTo>
-                  <a:pt x="1392" y="2127"/>
-                </a:lnTo>
-                <a:lnTo>
-                  <a:pt x="1366" y="2096"/>
-                </a:lnTo>
-                <a:lnTo>
-                  <a:pt x="1345" y="2060"/>
-                </a:lnTo>
-                <a:lnTo>
-                  <a:pt x="1327" y="2022"/>
-                </a:lnTo>
-                <a:lnTo>
-                  <a:pt x="1312" y="1980"/>
-                </a:lnTo>
-                <a:lnTo>
-                  <a:pt x="1302" y="1935"/>
-                </a:lnTo>
-                <a:lnTo>
-                  <a:pt x="1296" y="1888"/>
-                </a:lnTo>
-                <a:lnTo>
-                  <a:pt x="1294" y="1839"/>
-                </a:lnTo>
-                <a:lnTo>
-                  <a:pt x="1296" y="1789"/>
-                </a:lnTo>
-                <a:lnTo>
-                  <a:pt x="1302" y="1736"/>
-                </a:lnTo>
-                <a:lnTo>
-                  <a:pt x="1313" y="1684"/>
-                </a:lnTo>
-                <a:lnTo>
-                  <a:pt x="1329" y="1630"/>
-                </a:lnTo>
-                <a:lnTo>
-                  <a:pt x="1350" y="1576"/>
-                </a:lnTo>
-                <a:lnTo>
-                  <a:pt x="1353" y="1566"/>
-                </a:lnTo>
-                <a:lnTo>
-                  <a:pt x="1351" y="1558"/>
-                </a:lnTo>
-                <a:lnTo>
-                  <a:pt x="1346" y="1550"/>
-                </a:lnTo>
-                <a:lnTo>
-                  <a:pt x="1337" y="1546"/>
-                </a:lnTo>
-                <a:lnTo>
-                  <a:pt x="1326" y="1544"/>
-                </a:lnTo>
-                <a:lnTo>
-                  <a:pt x="1312" y="1547"/>
-                </a:lnTo>
-                <a:lnTo>
-                  <a:pt x="1296" y="1556"/>
-                </a:lnTo>
-                <a:lnTo>
-                  <a:pt x="1249" y="1596"/>
-                </a:lnTo>
-                <a:lnTo>
-                  <a:pt x="1206" y="1640"/>
-                </a:lnTo>
-                <a:lnTo>
-                  <a:pt x="1165" y="1687"/>
-                </a:lnTo>
-                <a:lnTo>
-                  <a:pt x="1129" y="1736"/>
-                </a:lnTo>
-                <a:lnTo>
-                  <a:pt x="1097" y="1790"/>
-                </a:lnTo>
-                <a:lnTo>
-                  <a:pt x="1069" y="1846"/>
-                </a:lnTo>
-                <a:lnTo>
-                  <a:pt x="1046" y="1904"/>
-                </a:lnTo>
-                <a:lnTo>
-                  <a:pt x="1026" y="1964"/>
-                </a:lnTo>
-                <a:lnTo>
-                  <a:pt x="1012" y="2027"/>
-                </a:lnTo>
-                <a:lnTo>
-                  <a:pt x="1005" y="2093"/>
-                </a:lnTo>
-                <a:lnTo>
-                  <a:pt x="1002" y="2159"/>
-                </a:lnTo>
-                <a:lnTo>
-                  <a:pt x="1005" y="2229"/>
-                </a:lnTo>
-                <a:lnTo>
-                  <a:pt x="1015" y="2298"/>
-                </a:lnTo>
-                <a:lnTo>
-                  <a:pt x="1030" y="2364"/>
-                </a:lnTo>
-                <a:lnTo>
-                  <a:pt x="1050" y="2428"/>
-                </a:lnTo>
-                <a:lnTo>
-                  <a:pt x="1076" y="2490"/>
-                </a:lnTo>
-                <a:lnTo>
-                  <a:pt x="1107" y="2549"/>
-                </a:lnTo>
-                <a:lnTo>
-                  <a:pt x="1143" y="2605"/>
-                </a:lnTo>
-                <a:lnTo>
-                  <a:pt x="1182" y="2656"/>
-                </a:lnTo>
-                <a:lnTo>
-                  <a:pt x="1227" y="2705"/>
-                </a:lnTo>
-                <a:lnTo>
-                  <a:pt x="1275" y="2749"/>
-                </a:lnTo>
-                <a:lnTo>
-                  <a:pt x="1328" y="2790"/>
-                </a:lnTo>
-                <a:lnTo>
-                  <a:pt x="1383" y="2826"/>
-                </a:lnTo>
-                <a:lnTo>
-                  <a:pt x="1442" y="2857"/>
-                </a:lnTo>
-                <a:lnTo>
-                  <a:pt x="1504" y="2883"/>
-                </a:lnTo>
-                <a:lnTo>
-                  <a:pt x="1568" y="2903"/>
-                </a:lnTo>
-                <a:lnTo>
-                  <a:pt x="1635" y="2918"/>
-                </a:lnTo>
-                <a:lnTo>
-                  <a:pt x="1703" y="2928"/>
-                </a:lnTo>
-                <a:lnTo>
-                  <a:pt x="1774" y="2931"/>
-                </a:lnTo>
-                <a:lnTo>
-                  <a:pt x="1844" y="2928"/>
-                </a:lnTo>
-                <a:lnTo>
-                  <a:pt x="1913" y="2918"/>
-                </a:lnTo>
-                <a:lnTo>
-                  <a:pt x="1979" y="2903"/>
-                </a:lnTo>
-                <a:lnTo>
-                  <a:pt x="2043" y="2883"/>
-                </a:lnTo>
-                <a:lnTo>
-                  <a:pt x="2104" y="2857"/>
-                </a:lnTo>
-                <a:lnTo>
-                  <a:pt x="2163" y="2826"/>
-                </a:lnTo>
-                <a:lnTo>
-                  <a:pt x="2218" y="2790"/>
-                </a:lnTo>
-                <a:lnTo>
-                  <a:pt x="2271" y="2749"/>
-                </a:lnTo>
-                <a:lnTo>
-                  <a:pt x="2319" y="2705"/>
-                </a:lnTo>
-                <a:lnTo>
-                  <a:pt x="2364" y="2657"/>
-                </a:lnTo>
-                <a:lnTo>
-                  <a:pt x="2403" y="2605"/>
-                </a:lnTo>
-                <a:lnTo>
-                  <a:pt x="2440" y="2549"/>
-                </a:lnTo>
-                <a:lnTo>
-                  <a:pt x="2471" y="2490"/>
-                </a:lnTo>
-                <a:lnTo>
-                  <a:pt x="2496" y="2428"/>
-                </a:lnTo>
-                <a:lnTo>
-                  <a:pt x="2518" y="2365"/>
-                </a:lnTo>
-                <a:lnTo>
-                  <a:pt x="2533" y="2298"/>
-                </a:lnTo>
-                <a:lnTo>
-                  <a:pt x="2541" y="2229"/>
-                </a:lnTo>
-                <a:lnTo>
-                  <a:pt x="2544" y="2160"/>
-                </a:lnTo>
-                <a:lnTo>
-                  <a:pt x="2541" y="2090"/>
-                </a:lnTo>
-                <a:lnTo>
-                  <a:pt x="2533" y="2024"/>
-                </a:lnTo>
-                <a:lnTo>
-                  <a:pt x="2518" y="1959"/>
-                </a:lnTo>
-                <a:lnTo>
-                  <a:pt x="2497" y="1897"/>
-                </a:lnTo>
-                <a:lnTo>
-                  <a:pt x="2473" y="1836"/>
-                </a:lnTo>
-                <a:lnTo>
-                  <a:pt x="2442" y="1779"/>
-                </a:lnTo>
-                <a:lnTo>
-                  <a:pt x="2408" y="1725"/>
-                </a:lnTo>
-                <a:lnTo>
-                  <a:pt x="2368" y="1673"/>
-                </a:lnTo>
-                <a:lnTo>
-                  <a:pt x="2325" y="1625"/>
-                </a:lnTo>
-                <a:lnTo>
-                  <a:pt x="2278" y="1581"/>
-                </a:lnTo>
-                <a:lnTo>
-                  <a:pt x="2227" y="1541"/>
-                </a:lnTo>
-                <a:lnTo>
-                  <a:pt x="2210" y="1530"/>
-                </a:lnTo>
-                <a:lnTo>
-                  <a:pt x="2195" y="1525"/>
-                </a:lnTo>
-                <a:lnTo>
-                  <a:pt x="2183" y="1525"/>
-                </a:lnTo>
-                <a:lnTo>
-                  <a:pt x="2173" y="1528"/>
-                </a:lnTo>
-                <a:lnTo>
-                  <a:pt x="2166" y="1535"/>
-                </a:lnTo>
-                <a:lnTo>
-                  <a:pt x="2162" y="1545"/>
-                </a:lnTo>
-                <a:lnTo>
-                  <a:pt x="2161" y="1556"/>
-                </a:lnTo>
-                <a:lnTo>
-                  <a:pt x="2156" y="1581"/>
-                </a:lnTo>
-                <a:lnTo>
-                  <a:pt x="2151" y="1609"/>
-                </a:lnTo>
-                <a:lnTo>
-                  <a:pt x="2144" y="1637"/>
-                </a:lnTo>
-                <a:lnTo>
-                  <a:pt x="2135" y="1665"/>
-                </a:lnTo>
-                <a:lnTo>
-                  <a:pt x="2124" y="1693"/>
-                </a:lnTo>
-                <a:lnTo>
-                  <a:pt x="2111" y="1719"/>
-                </a:lnTo>
-                <a:lnTo>
-                  <a:pt x="2096" y="1745"/>
-                </a:lnTo>
-                <a:lnTo>
-                  <a:pt x="2080" y="1769"/>
-                </a:lnTo>
-                <a:lnTo>
-                  <a:pt x="2062" y="1790"/>
-                </a:lnTo>
-                <a:lnTo>
-                  <a:pt x="2041" y="1809"/>
-                </a:lnTo>
-                <a:lnTo>
-                  <a:pt x="2017" y="1824"/>
-                </a:lnTo>
-                <a:lnTo>
-                  <a:pt x="1992" y="1836"/>
-                </a:lnTo>
-                <a:lnTo>
-                  <a:pt x="1964" y="1843"/>
-                </a:lnTo>
-                <a:lnTo>
-                  <a:pt x="1934" y="1846"/>
-                </a:lnTo>
-                <a:lnTo>
-                  <a:pt x="1899" y="1780"/>
-                </a:lnTo>
-                <a:lnTo>
-                  <a:pt x="1870" y="1712"/>
-                </a:lnTo>
-                <a:lnTo>
-                  <a:pt x="1845" y="1641"/>
-                </a:lnTo>
-                <a:lnTo>
-                  <a:pt x="1827" y="1569"/>
-                </a:lnTo>
-                <a:lnTo>
-                  <a:pt x="1814" y="1494"/>
-                </a:lnTo>
-                <a:lnTo>
-                  <a:pt x="1807" y="1418"/>
-                </a:lnTo>
-                <a:lnTo>
-                  <a:pt x="1807" y="1341"/>
-                </a:lnTo>
-                <a:lnTo>
-                  <a:pt x="1812" y="1262"/>
-                </a:lnTo>
-                <a:lnTo>
-                  <a:pt x="1819" y="1211"/>
-                </a:lnTo>
-                <a:lnTo>
-                  <a:pt x="1828" y="1160"/>
-                </a:lnTo>
-                <a:lnTo>
-                  <a:pt x="1840" y="1109"/>
-                </a:lnTo>
-                <a:lnTo>
-                  <a:pt x="1841" y="1098"/>
-                </a:lnTo>
-                <a:lnTo>
-                  <a:pt x="1838" y="1090"/>
-                </a:lnTo>
-                <a:lnTo>
-                  <a:pt x="1832" y="1083"/>
-                </a:lnTo>
-                <a:lnTo>
-                  <a:pt x="1824" y="1082"/>
-                </a:lnTo>
-                <a:close/>
-                <a:moveTo>
-                  <a:pt x="1766" y="0"/>
-                </a:moveTo>
-                <a:lnTo>
-                  <a:pt x="1814" y="2"/>
-                </a:lnTo>
-                <a:lnTo>
-                  <a:pt x="1861" y="9"/>
-                </a:lnTo>
-                <a:lnTo>
-                  <a:pt x="1908" y="19"/>
-                </a:lnTo>
-                <a:lnTo>
-                  <a:pt x="1954" y="33"/>
-                </a:lnTo>
-                <a:lnTo>
-                  <a:pt x="1998" y="51"/>
-                </a:lnTo>
-                <a:lnTo>
-                  <a:pt x="2040" y="74"/>
-                </a:lnTo>
-                <a:lnTo>
-                  <a:pt x="2080" y="101"/>
-                </a:lnTo>
-                <a:lnTo>
-                  <a:pt x="2118" y="130"/>
-                </a:lnTo>
-                <a:lnTo>
-                  <a:pt x="2153" y="165"/>
-                </a:lnTo>
-                <a:lnTo>
-                  <a:pt x="2444" y="459"/>
-                </a:lnTo>
-                <a:lnTo>
-                  <a:pt x="2444" y="200"/>
-                </a:lnTo>
-                <a:lnTo>
-                  <a:pt x="2447" y="165"/>
-                </a:lnTo>
-                <a:lnTo>
-                  <a:pt x="2456" y="130"/>
-                </a:lnTo>
-                <a:lnTo>
-                  <a:pt x="2471" y="99"/>
-                </a:lnTo>
-                <a:lnTo>
-                  <a:pt x="2491" y="72"/>
-                </a:lnTo>
-                <a:lnTo>
-                  <a:pt x="2516" y="48"/>
-                </a:lnTo>
-                <a:lnTo>
-                  <a:pt x="2544" y="28"/>
-                </a:lnTo>
-                <a:lnTo>
-                  <a:pt x="2575" y="13"/>
-                </a:lnTo>
-                <a:lnTo>
-                  <a:pt x="2611" y="3"/>
-                </a:lnTo>
-                <a:lnTo>
-                  <a:pt x="2647" y="0"/>
-                </a:lnTo>
-                <a:lnTo>
-                  <a:pt x="2819" y="0"/>
-                </a:lnTo>
-                <a:lnTo>
-                  <a:pt x="2852" y="3"/>
-                </a:lnTo>
-                <a:lnTo>
-                  <a:pt x="2884" y="11"/>
-                </a:lnTo>
-                <a:lnTo>
-                  <a:pt x="2913" y="22"/>
-                </a:lnTo>
-                <a:lnTo>
-                  <a:pt x="2940" y="38"/>
-                </a:lnTo>
-                <a:lnTo>
-                  <a:pt x="2964" y="58"/>
-                </a:lnTo>
-                <a:lnTo>
-                  <a:pt x="2984" y="81"/>
-                </a:lnTo>
-                <a:lnTo>
-                  <a:pt x="3000" y="107"/>
-                </a:lnTo>
-                <a:lnTo>
-                  <a:pt x="3013" y="136"/>
-                </a:lnTo>
-                <a:lnTo>
-                  <a:pt x="3020" y="167"/>
-                </a:lnTo>
-                <a:lnTo>
-                  <a:pt x="3022" y="200"/>
-                </a:lnTo>
-                <a:lnTo>
-                  <a:pt x="3022" y="1050"/>
-                </a:lnTo>
-                <a:lnTo>
-                  <a:pt x="3422" y="1457"/>
-                </a:lnTo>
-                <a:lnTo>
-                  <a:pt x="3454" y="1495"/>
-                </a:lnTo>
-                <a:lnTo>
-                  <a:pt x="3481" y="1532"/>
-                </a:lnTo>
-                <a:lnTo>
-                  <a:pt x="3500" y="1572"/>
-                </a:lnTo>
-                <a:lnTo>
-                  <a:pt x="3514" y="1610"/>
-                </a:lnTo>
-                <a:lnTo>
-                  <a:pt x="3522" y="1650"/>
-                </a:lnTo>
-                <a:lnTo>
-                  <a:pt x="3525" y="1688"/>
-                </a:lnTo>
-                <a:lnTo>
-                  <a:pt x="3522" y="1726"/>
-                </a:lnTo>
-                <a:lnTo>
-                  <a:pt x="3514" y="1762"/>
-                </a:lnTo>
-                <a:lnTo>
-                  <a:pt x="3502" y="1796"/>
-                </a:lnTo>
-                <a:lnTo>
-                  <a:pt x="3486" y="1828"/>
-                </a:lnTo>
-                <a:lnTo>
-                  <a:pt x="3466" y="1859"/>
-                </a:lnTo>
-                <a:lnTo>
-                  <a:pt x="3442" y="1886"/>
-                </a:lnTo>
-                <a:lnTo>
-                  <a:pt x="3415" y="1911"/>
-                </a:lnTo>
-                <a:lnTo>
-                  <a:pt x="3385" y="1931"/>
-                </a:lnTo>
-                <a:lnTo>
-                  <a:pt x="3352" y="1948"/>
-                </a:lnTo>
-                <a:lnTo>
-                  <a:pt x="3316" y="1960"/>
-                </a:lnTo>
-                <a:lnTo>
-                  <a:pt x="3279" y="1969"/>
-                </a:lnTo>
-                <a:lnTo>
-                  <a:pt x="3239" y="1971"/>
-                </a:lnTo>
-                <a:lnTo>
-                  <a:pt x="3023" y="1971"/>
-                </a:lnTo>
-                <a:lnTo>
-                  <a:pt x="3023" y="2962"/>
-                </a:lnTo>
-                <a:lnTo>
-                  <a:pt x="3020" y="3005"/>
-                </a:lnTo>
-                <a:lnTo>
-                  <a:pt x="3012" y="3045"/>
-                </a:lnTo>
-                <a:lnTo>
-                  <a:pt x="2999" y="3085"/>
-                </a:lnTo>
-                <a:lnTo>
-                  <a:pt x="2981" y="3121"/>
-                </a:lnTo>
-                <a:lnTo>
-                  <a:pt x="2957" y="3155"/>
-                </a:lnTo>
-                <a:lnTo>
-                  <a:pt x="2930" y="3185"/>
-                </a:lnTo>
-                <a:lnTo>
-                  <a:pt x="2900" y="3213"/>
-                </a:lnTo>
-                <a:lnTo>
-                  <a:pt x="2866" y="3236"/>
-                </a:lnTo>
-                <a:lnTo>
-                  <a:pt x="2830" y="3255"/>
-                </a:lnTo>
-                <a:lnTo>
-                  <a:pt x="2790" y="3269"/>
-                </a:lnTo>
-                <a:lnTo>
-                  <a:pt x="2749" y="3277"/>
-                </a:lnTo>
-                <a:lnTo>
-                  <a:pt x="2706" y="3279"/>
-                </a:lnTo>
-                <a:lnTo>
-                  <a:pt x="818" y="3279"/>
-                </a:lnTo>
-                <a:lnTo>
-                  <a:pt x="775" y="3277"/>
-                </a:lnTo>
-                <a:lnTo>
-                  <a:pt x="734" y="3269"/>
-                </a:lnTo>
-                <a:lnTo>
-                  <a:pt x="695" y="3255"/>
-                </a:lnTo>
-                <a:lnTo>
-                  <a:pt x="659" y="3237"/>
-                </a:lnTo>
-                <a:lnTo>
-                  <a:pt x="625" y="3214"/>
-                </a:lnTo>
-                <a:lnTo>
-                  <a:pt x="594" y="3187"/>
-                </a:lnTo>
-                <a:lnTo>
-                  <a:pt x="568" y="3156"/>
-                </a:lnTo>
-                <a:lnTo>
-                  <a:pt x="544" y="3122"/>
-                </a:lnTo>
-                <a:lnTo>
-                  <a:pt x="526" y="3086"/>
-                </a:lnTo>
-                <a:lnTo>
-                  <a:pt x="512" y="3047"/>
-                </a:lnTo>
-                <a:lnTo>
-                  <a:pt x="504" y="3006"/>
-                </a:lnTo>
-                <a:lnTo>
-                  <a:pt x="500" y="2962"/>
-                </a:lnTo>
-                <a:lnTo>
-                  <a:pt x="500" y="1972"/>
-                </a:lnTo>
-                <a:lnTo>
-                  <a:pt x="290" y="1972"/>
-                </a:lnTo>
-                <a:lnTo>
-                  <a:pt x="249" y="1969"/>
-                </a:lnTo>
-                <a:lnTo>
-                  <a:pt x="212" y="1961"/>
-                </a:lnTo>
-                <a:lnTo>
-                  <a:pt x="176" y="1948"/>
-                </a:lnTo>
-                <a:lnTo>
-                  <a:pt x="142" y="1932"/>
-                </a:lnTo>
-                <a:lnTo>
-                  <a:pt x="112" y="1911"/>
-                </a:lnTo>
-                <a:lnTo>
-                  <a:pt x="84" y="1887"/>
-                </a:lnTo>
-                <a:lnTo>
-                  <a:pt x="60" y="1859"/>
-                </a:lnTo>
-                <a:lnTo>
-                  <a:pt x="40" y="1830"/>
-                </a:lnTo>
-                <a:lnTo>
-                  <a:pt x="24" y="1797"/>
-                </a:lnTo>
-                <a:lnTo>
-                  <a:pt x="11" y="1762"/>
-                </a:lnTo>
-                <a:lnTo>
-                  <a:pt x="3" y="1726"/>
-                </a:lnTo>
-                <a:lnTo>
-                  <a:pt x="0" y="1688"/>
-                </a:lnTo>
-                <a:lnTo>
-                  <a:pt x="2" y="1650"/>
-                </a:lnTo>
-                <a:lnTo>
-                  <a:pt x="10" y="1611"/>
-                </a:lnTo>
-                <a:lnTo>
-                  <a:pt x="24" y="1572"/>
-                </a:lnTo>
-                <a:lnTo>
-                  <a:pt x="43" y="1533"/>
-                </a:lnTo>
-                <a:lnTo>
-                  <a:pt x="68" y="1495"/>
-                </a:lnTo>
-                <a:lnTo>
-                  <a:pt x="102" y="1458"/>
-                </a:lnTo>
-                <a:lnTo>
-                  <a:pt x="1374" y="165"/>
-                </a:lnTo>
-                <a:lnTo>
-                  <a:pt x="1417" y="126"/>
-                </a:lnTo>
-                <a:lnTo>
-                  <a:pt x="1461" y="93"/>
-                </a:lnTo>
-                <a:lnTo>
-                  <a:pt x="1508" y="65"/>
-                </a:lnTo>
-                <a:lnTo>
-                  <a:pt x="1558" y="42"/>
-                </a:lnTo>
-                <a:lnTo>
-                  <a:pt x="1609" y="24"/>
-                </a:lnTo>
-                <a:lnTo>
-                  <a:pt x="1660" y="11"/>
-                </a:lnTo>
-                <a:lnTo>
-                  <a:pt x="1713" y="3"/>
-                </a:lnTo>
-                <a:lnTo>
-                  <a:pt x="1766" y="0"/>
-                </a:lnTo>
-                <a:close/>
-              </a:path>
-            </a:pathLst>
-          </a:custGeom>
-          <a:solidFill>
-            <a:schemeClr val="bg1"/>
-          </a:solidFill>
-          <a:ln w="0">
-            <a:noFill/>
-            <a:prstDash val="solid"/>
-            <a:round/>
-            <a:headEnd/>
-            <a:tailEnd/>
-          </a:ln>
-        </p:spPr>
-        <p:txBody>
-          <a:bodyPr vert="horz" wrap="square" lIns="91440" tIns="45720" rIns="91440" bIns="45720" numCol="1" anchor="t" anchorCtr="0" compatLnSpc="1">
-            <a:prstTxWarp prst="textNoShape">
-              <a:avLst/>
-            </a:prstTxWarp>
-          </a:bodyPr>
-          <a:lstStyle/>
-          <a:p>
-            <a:endParaRPr lang="ko-KR" altLang="en-US" dirty="0"/>
-          </a:p>
-        </p:txBody>
-      </p:sp>
       <p:pic>
         <p:nvPicPr>
           <p:cNvPr id="12" name="Picture 2"/>
@@ -7751,7 +7737,7 @@
     </p:spTree>
     <p:extLst>
       <p:ext uri="{BB962C8B-B14F-4D97-AF65-F5344CB8AC3E}">
-        <p14:creationId xmlns:p14="http://schemas.microsoft.com/office/powerpoint/2010/main" xmlns="" val="4194141123"/>
+        <p14:creationId xmlns="" xmlns:p14="http://schemas.microsoft.com/office/powerpoint/2010/main" val="4194141123"/>
       </p:ext>
     </p:extLst>
   </p:cSld>
@@ -7798,7 +7784,7 @@
             <a:lum bright="70000" contrast="-70000"/>
             <a:extLst>
               <a:ext uri="{28A0092B-C50C-407E-A947-70E740481C1C}">
-                <a14:useLocalDpi xmlns:a14="http://schemas.microsoft.com/office/drawing/2010/main" xmlns="" val="0"/>
+                <a14:useLocalDpi xmlns="" xmlns:a14="http://schemas.microsoft.com/office/drawing/2010/main" val="0"/>
               </a:ext>
             </a:extLst>
           </a:blip>
@@ -10959,7 +10945,7 @@
     </p:spTree>
     <p:extLst>
       <p:ext uri="{BB962C8B-B14F-4D97-AF65-F5344CB8AC3E}">
-        <p14:creationId xmlns:p14="http://schemas.microsoft.com/office/powerpoint/2010/main" xmlns="" val="4194141123"/>
+        <p14:creationId xmlns="" xmlns:p14="http://schemas.microsoft.com/office/powerpoint/2010/main" val="4194141123"/>
       </p:ext>
     </p:extLst>
   </p:cSld>
@@ -11006,7 +10992,7 @@
             <a:lum bright="70000" contrast="-70000"/>
             <a:extLst>
               <a:ext uri="{28A0092B-C50C-407E-A947-70E740481C1C}">
-                <a14:useLocalDpi xmlns:a14="http://schemas.microsoft.com/office/drawing/2010/main" xmlns="" val="0"/>
+                <a14:useLocalDpi xmlns="" xmlns:a14="http://schemas.microsoft.com/office/drawing/2010/main" val="0"/>
               </a:ext>
             </a:extLst>
           </a:blip>
@@ -12549,28 +12535,7 @@
                 <a:latin typeface="나눔고딕" pitchFamily="50" charset="-127"/>
                 <a:ea typeface="나눔고딕" pitchFamily="50" charset="-127"/>
               </a:rPr>
-              <a:t>화재 </a:t>
-            </a:r>
-            <a:r>
-              <a:rPr lang="ko-KR" altLang="en-US" b="1" spc="-150" dirty="0" smtClean="0">
-                <a:ln>
-                  <a:solidFill>
-                    <a:schemeClr val="accent1">
-                      <a:shade val="50000"/>
-                      <a:alpha val="0"/>
-                    </a:schemeClr>
-                  </a:solidFill>
-                </a:ln>
-                <a:solidFill>
-                  <a:schemeClr val="tx1">
-                    <a:lumMod val="85000"/>
-                    <a:lumOff val="15000"/>
-                  </a:schemeClr>
-                </a:solidFill>
-                <a:latin typeface="나눔고딕" pitchFamily="50" charset="-127"/>
-                <a:ea typeface="나눔고딕" pitchFamily="50" charset="-127"/>
-              </a:rPr>
-              <a:t>발생 그래프 작성</a:t>
+              <a:t>화재 발생 그래프 작성</a:t>
             </a:r>
             <a:endParaRPr lang="en-US" altLang="ko-KR" b="1" spc="-150" dirty="0" smtClean="0">
               <a:ln>
@@ -12722,7 +12687,7 @@
     </p:spTree>
     <p:extLst>
       <p:ext uri="{BB962C8B-B14F-4D97-AF65-F5344CB8AC3E}">
-        <p14:creationId xmlns:p14="http://schemas.microsoft.com/office/powerpoint/2010/main" xmlns="" val="4194141123"/>
+        <p14:creationId xmlns="" xmlns:p14="http://schemas.microsoft.com/office/powerpoint/2010/main" val="4194141123"/>
       </p:ext>
     </p:extLst>
   </p:cSld>
@@ -12769,7 +12734,7 @@
             <a:lum bright="70000" contrast="-70000"/>
             <a:extLst>
               <a:ext uri="{28A0092B-C50C-407E-A947-70E740481C1C}">
-                <a14:useLocalDpi xmlns:a14="http://schemas.microsoft.com/office/drawing/2010/main" xmlns="" val="0"/>
+                <a14:useLocalDpi xmlns="" xmlns:a14="http://schemas.microsoft.com/office/drawing/2010/main" val="0"/>
               </a:ext>
             </a:extLst>
           </a:blip>
@@ -15034,7 +14999,7 @@
     </p:spTree>
     <p:extLst>
       <p:ext uri="{BB962C8B-B14F-4D97-AF65-F5344CB8AC3E}">
-        <p14:creationId xmlns:p14="http://schemas.microsoft.com/office/powerpoint/2010/main" xmlns="" val="4194141123"/>
+        <p14:creationId xmlns="" xmlns:p14="http://schemas.microsoft.com/office/powerpoint/2010/main" val="4194141123"/>
       </p:ext>
     </p:extLst>
   </p:cSld>
@@ -15081,7 +15046,7 @@
             <a:lum bright="70000" contrast="-70000"/>
             <a:extLst>
               <a:ext uri="{28A0092B-C50C-407E-A947-70E740481C1C}">
-                <a14:useLocalDpi xmlns:a14="http://schemas.microsoft.com/office/drawing/2010/main" xmlns="" val="0"/>
+                <a14:useLocalDpi xmlns="" xmlns:a14="http://schemas.microsoft.com/office/drawing/2010/main" val="0"/>
               </a:ext>
             </a:extLst>
           </a:blip>
@@ -17556,7 +17521,7 @@
     </p:spTree>
     <p:extLst>
       <p:ext uri="{BB962C8B-B14F-4D97-AF65-F5344CB8AC3E}">
-        <p14:creationId xmlns:p14="http://schemas.microsoft.com/office/powerpoint/2010/main" xmlns="" val="4194141123"/>
+        <p14:creationId xmlns="" xmlns:p14="http://schemas.microsoft.com/office/powerpoint/2010/main" val="4194141123"/>
       </p:ext>
     </p:extLst>
   </p:cSld>
@@ -17603,7 +17568,7 @@
             <a:lum bright="70000" contrast="-70000"/>
             <a:extLst>
               <a:ext uri="{28A0092B-C50C-407E-A947-70E740481C1C}">
-                <a14:useLocalDpi xmlns:a14="http://schemas.microsoft.com/office/drawing/2010/main" xmlns="" val="0"/>
+                <a14:useLocalDpi xmlns="" xmlns:a14="http://schemas.microsoft.com/office/drawing/2010/main" val="0"/>
               </a:ext>
             </a:extLst>
           </a:blip>
@@ -20190,7 +20155,7 @@
     </p:spTree>
     <p:extLst>
       <p:ext uri="{BB962C8B-B14F-4D97-AF65-F5344CB8AC3E}">
-        <p14:creationId xmlns:p14="http://schemas.microsoft.com/office/powerpoint/2010/main" xmlns="" val="4194141123"/>
+        <p14:creationId xmlns="" xmlns:p14="http://schemas.microsoft.com/office/powerpoint/2010/main" val="4194141123"/>
       </p:ext>
     </p:extLst>
   </p:cSld>
@@ -20237,7 +20202,7 @@
             <a:lum bright="70000" contrast="-70000"/>
             <a:extLst>
               <a:ext uri="{28A0092B-C50C-407E-A947-70E740481C1C}">
-                <a14:useLocalDpi xmlns:a14="http://schemas.microsoft.com/office/drawing/2010/main" xmlns="" val="0"/>
+                <a14:useLocalDpi xmlns="" xmlns:a14="http://schemas.microsoft.com/office/drawing/2010/main" val="0"/>
               </a:ext>
             </a:extLst>
           </a:blip>
@@ -22048,7 +22013,7 @@
     </p:spTree>
     <p:extLst>
       <p:ext uri="{BB962C8B-B14F-4D97-AF65-F5344CB8AC3E}">
-        <p14:creationId xmlns:p14="http://schemas.microsoft.com/office/powerpoint/2010/main" xmlns="" val="4194141123"/>
+        <p14:creationId xmlns="" xmlns:p14="http://schemas.microsoft.com/office/powerpoint/2010/main" val="4194141123"/>
       </p:ext>
     </p:extLst>
   </p:cSld>
@@ -22095,7 +22060,7 @@
             <a:lum bright="70000" contrast="-70000"/>
             <a:extLst>
               <a:ext uri="{28A0092B-C50C-407E-A947-70E740481C1C}">
-                <a14:useLocalDpi xmlns:a14="http://schemas.microsoft.com/office/drawing/2010/main" xmlns="" val="0"/>
+                <a14:useLocalDpi xmlns="" xmlns:a14="http://schemas.microsoft.com/office/drawing/2010/main" val="0"/>
               </a:ext>
             </a:extLst>
           </a:blip>
@@ -25894,7 +25859,7 @@
     </p:spTree>
     <p:extLst>
       <p:ext uri="{BB962C8B-B14F-4D97-AF65-F5344CB8AC3E}">
-        <p14:creationId xmlns:p14="http://schemas.microsoft.com/office/powerpoint/2010/main" xmlns="" val="4194141123"/>
+        <p14:creationId xmlns="" xmlns:p14="http://schemas.microsoft.com/office/powerpoint/2010/main" val="4194141123"/>
       </p:ext>
     </p:extLst>
   </p:cSld>
@@ -25941,7 +25906,7 @@
             <a:lum bright="70000" contrast="-70000"/>
             <a:extLst>
               <a:ext uri="{28A0092B-C50C-407E-A947-70E740481C1C}">
-                <a14:useLocalDpi xmlns:a14="http://schemas.microsoft.com/office/drawing/2010/main" xmlns="" val="0"/>
+                <a14:useLocalDpi xmlns="" xmlns:a14="http://schemas.microsoft.com/office/drawing/2010/main" val="0"/>
               </a:ext>
             </a:extLst>
           </a:blip>
@@ -27422,7 +27387,7 @@
     </p:spTree>
     <p:extLst>
       <p:ext uri="{BB962C8B-B14F-4D97-AF65-F5344CB8AC3E}">
-        <p14:creationId xmlns:p14="http://schemas.microsoft.com/office/powerpoint/2010/main" xmlns="" val="4194141123"/>
+        <p14:creationId xmlns="" xmlns:p14="http://schemas.microsoft.com/office/powerpoint/2010/main" val="4194141123"/>
       </p:ext>
     </p:extLst>
   </p:cSld>
@@ -27468,7 +27433,7 @@
           <a:blip r:embed="rId2" cstate="print">
             <a:extLst>
               <a:ext uri="{28A0092B-C50C-407E-A947-70E740481C1C}">
-                <a14:useLocalDpi xmlns:a14="http://schemas.microsoft.com/office/drawing/2010/main" xmlns="" val="0"/>
+                <a14:useLocalDpi xmlns="" xmlns:a14="http://schemas.microsoft.com/office/drawing/2010/main" val="0"/>
               </a:ext>
             </a:extLst>
           </a:blip>
@@ -28160,7 +28125,7 @@
         <p:spPr>
           <a:xfrm>
             <a:off x="1786426" y="5491325"/>
-            <a:ext cx="1895262" cy="646331"/>
+            <a:ext cx="2326278" cy="646331"/>
           </a:xfrm>
           <a:prstGeom prst="rect">
             <a:avLst/>
@@ -28189,12 +28154,27 @@
                 <a:latin typeface="나눔바른고딕" panose="020B0603020101020101" pitchFamily="50" charset="-127"/>
                 <a:ea typeface="나눔바른고딕" panose="020B0603020101020101" pitchFamily="50" charset="-127"/>
               </a:rPr>
-              <a:t>SMALL CONTENTS</a:t>
+              <a:t>Random Forest</a:t>
             </a:r>
+            <a:endParaRPr lang="en-US" altLang="ko-KR" spc="-150" dirty="0" smtClean="0">
+              <a:ln>
+                <a:solidFill>
+                  <a:schemeClr val="accent1">
+                    <a:shade val="50000"/>
+                    <a:alpha val="0"/>
+                  </a:schemeClr>
+                </a:solidFill>
+              </a:ln>
+              <a:solidFill>
+                <a:schemeClr val="bg1"/>
+              </a:solidFill>
+              <a:latin typeface="나눔바른고딕" panose="020B0603020101020101" pitchFamily="50" charset="-127"/>
+              <a:ea typeface="나눔바른고딕" panose="020B0603020101020101" pitchFamily="50" charset="-127"/>
+            </a:endParaRPr>
           </a:p>
           <a:p>
             <a:r>
-              <a:rPr lang="en-US" altLang="ko-KR" spc="-150" dirty="0" smtClean="0">
+              <a:rPr lang="ko-KR" altLang="en-US" spc="-150" dirty="0" smtClean="0">
                 <a:ln>
                   <a:solidFill>
                     <a:schemeClr val="accent1">
@@ -28209,7 +28189,7 @@
                 <a:latin typeface="나눔바른고딕" panose="020B0603020101020101" pitchFamily="50" charset="-127"/>
                 <a:ea typeface="나눔바른고딕" panose="020B0603020101020101" pitchFamily="50" charset="-127"/>
               </a:rPr>
-              <a:t>SMALL CONTENTS</a:t>
+              <a:t>매개변수 튜닝 및 최종점수</a:t>
             </a:r>
             <a:endParaRPr lang="ko-KR" altLang="en-US" spc="-150" dirty="0" smtClean="0">
               <a:ln>
@@ -28465,88 +28445,10 @@
           </a:p>
         </p:txBody>
       </p:sp>
-      <p:sp>
-        <p:nvSpPr>
-          <p:cNvPr id="17" name="TextBox 16"/>
-          <p:cNvSpPr txBox="1"/>
-          <p:nvPr/>
-        </p:nvSpPr>
-        <p:spPr>
-          <a:xfrm>
-            <a:off x="4861654" y="3802225"/>
-            <a:ext cx="1895262" cy="646331"/>
-          </a:xfrm>
-          <a:prstGeom prst="rect">
-            <a:avLst/>
-          </a:prstGeom>
-          <a:noFill/>
-        </p:spPr>
-        <p:txBody>
-          <a:bodyPr wrap="none" rtlCol="0">
-            <a:spAutoFit/>
-          </a:bodyPr>
-          <a:lstStyle/>
-          <a:p>
-            <a:r>
-              <a:rPr lang="en-US" altLang="ko-KR" spc="-150" dirty="0" smtClean="0">
-                <a:ln>
-                  <a:solidFill>
-                    <a:schemeClr val="accent1">
-                      <a:shade val="50000"/>
-                      <a:alpha val="0"/>
-                    </a:schemeClr>
-                  </a:solidFill>
-                </a:ln>
-                <a:solidFill>
-                  <a:schemeClr val="bg1"/>
-                </a:solidFill>
-                <a:latin typeface="나눔바른고딕" panose="020B0603020101020101" pitchFamily="50" charset="-127"/>
-                <a:ea typeface="나눔바른고딕" panose="020B0603020101020101" pitchFamily="50" charset="-127"/>
-              </a:rPr>
-              <a:t>SMALL CONTENTS</a:t>
-            </a:r>
-          </a:p>
-          <a:p>
-            <a:r>
-              <a:rPr lang="en-US" altLang="ko-KR" spc="-150" dirty="0" smtClean="0">
-                <a:ln>
-                  <a:solidFill>
-                    <a:schemeClr val="accent1">
-                      <a:shade val="50000"/>
-                      <a:alpha val="0"/>
-                    </a:schemeClr>
-                  </a:solidFill>
-                </a:ln>
-                <a:solidFill>
-                  <a:schemeClr val="bg1"/>
-                </a:solidFill>
-                <a:latin typeface="나눔바른고딕" panose="020B0603020101020101" pitchFamily="50" charset="-127"/>
-                <a:ea typeface="나눔바른고딕" panose="020B0603020101020101" pitchFamily="50" charset="-127"/>
-              </a:rPr>
-              <a:t>SMALL CONTENTS</a:t>
-            </a:r>
-            <a:endParaRPr lang="ko-KR" altLang="en-US" spc="-150" dirty="0" smtClean="0">
-              <a:ln>
-                <a:solidFill>
-                  <a:schemeClr val="accent1">
-                    <a:shade val="50000"/>
-                    <a:alpha val="0"/>
-                  </a:schemeClr>
-                </a:solidFill>
-              </a:ln>
-              <a:solidFill>
-                <a:schemeClr val="bg1"/>
-              </a:solidFill>
-              <a:latin typeface="나눔바른고딕" panose="020B0603020101020101" pitchFamily="50" charset="-127"/>
-              <a:ea typeface="나눔바른고딕" panose="020B0603020101020101" pitchFamily="50" charset="-127"/>
-            </a:endParaRPr>
-          </a:p>
-        </p:txBody>
-      </p:sp>
     </p:spTree>
     <p:extLst>
       <p:ext uri="{BB962C8B-B14F-4D97-AF65-F5344CB8AC3E}">
-        <p14:creationId xmlns:p14="http://schemas.microsoft.com/office/powerpoint/2010/main" xmlns="" val="2595125593"/>
+        <p14:creationId xmlns="" xmlns:p14="http://schemas.microsoft.com/office/powerpoint/2010/main" val="2595125593"/>
       </p:ext>
     </p:extLst>
   </p:cSld>
@@ -28590,6 +28492,1543 @@
         </p:nvPicPr>
         <p:blipFill rotWithShape="1">
           <a:blip r:embed="rId2" cstate="print">
+            <a:lum bright="70000" contrast="-70000"/>
+            <a:extLst>
+              <a:ext uri="{28A0092B-C50C-407E-A947-70E740481C1C}">
+                <a14:useLocalDpi xmlns:a14="http://schemas.microsoft.com/office/drawing/2010/main" xmlns="" val="0"/>
+              </a:ext>
+            </a:extLst>
+          </a:blip>
+          <a:srcRect t="7944" b="7944"/>
+          <a:stretch/>
+        </p:blipFill>
+        <p:spPr>
+          <a:xfrm>
+            <a:off x="0" y="0"/>
+            <a:ext cx="12192000" cy="6858000"/>
+          </a:xfrm>
+          <a:prstGeom prst="rect">
+            <a:avLst/>
+          </a:prstGeom>
+        </p:spPr>
+      </p:pic>
+      <p:sp>
+        <p:nvSpPr>
+          <p:cNvPr id="5" name="TextBox 4"/>
+          <p:cNvSpPr txBox="1"/>
+          <p:nvPr/>
+        </p:nvSpPr>
+        <p:spPr>
+          <a:xfrm>
+            <a:off x="210207" y="101598"/>
+            <a:ext cx="1156086" cy="553998"/>
+          </a:xfrm>
+          <a:prstGeom prst="rect">
+            <a:avLst/>
+          </a:prstGeom>
+          <a:noFill/>
+        </p:spPr>
+        <p:txBody>
+          <a:bodyPr wrap="none" rtlCol="0">
+            <a:spAutoFit/>
+          </a:bodyPr>
+          <a:lstStyle/>
+          <a:p>
+            <a:r>
+              <a:rPr lang="ko-KR" altLang="en-US" sz="3000" b="1" spc="-150" dirty="0" smtClean="0">
+                <a:ln>
+                  <a:solidFill>
+                    <a:schemeClr val="accent1">
+                      <a:shade val="50000"/>
+                      <a:alpha val="0"/>
+                    </a:schemeClr>
+                  </a:solidFill>
+                </a:ln>
+                <a:solidFill>
+                  <a:schemeClr val="tx1">
+                    <a:lumMod val="85000"/>
+                    <a:lumOff val="15000"/>
+                  </a:schemeClr>
+                </a:solidFill>
+                <a:latin typeface="나눔바른고딕" panose="020B0603020101020101" pitchFamily="50" charset="-127"/>
+                <a:ea typeface="나눔바른고딕" panose="020B0603020101020101" pitchFamily="50" charset="-127"/>
+              </a:rPr>
+              <a:t>전처리</a:t>
+            </a:r>
+            <a:endParaRPr lang="ko-KR" altLang="en-US" sz="3000" b="1" spc="-150" dirty="0">
+              <a:ln>
+                <a:solidFill>
+                  <a:schemeClr val="accent1">
+                    <a:shade val="50000"/>
+                    <a:alpha val="0"/>
+                  </a:schemeClr>
+                </a:solidFill>
+              </a:ln>
+              <a:solidFill>
+                <a:schemeClr val="tx1">
+                  <a:lumMod val="85000"/>
+                  <a:lumOff val="15000"/>
+                </a:schemeClr>
+              </a:solidFill>
+              <a:latin typeface="나눔바른고딕" panose="020B0603020101020101" pitchFamily="50" charset="-127"/>
+              <a:ea typeface="나눔바른고딕" panose="020B0603020101020101" pitchFamily="50" charset="-127"/>
+            </a:endParaRPr>
+          </a:p>
+        </p:txBody>
+      </p:sp>
+      <p:sp>
+        <p:nvSpPr>
+          <p:cNvPr id="6" name="직사각형 5"/>
+          <p:cNvSpPr/>
+          <p:nvPr/>
+        </p:nvSpPr>
+        <p:spPr>
+          <a:xfrm rot="5400000">
+            <a:off x="1636416" y="-954630"/>
+            <a:ext cx="131023" cy="3403853"/>
+          </a:xfrm>
+          <a:prstGeom prst="rect">
+            <a:avLst/>
+          </a:prstGeom>
+          <a:solidFill>
+            <a:srgbClr val="A40525"/>
+          </a:solidFill>
+          <a:ln>
+            <a:noFill/>
+          </a:ln>
+        </p:spPr>
+        <p:style>
+          <a:lnRef idx="2">
+            <a:schemeClr val="accent1">
+              <a:shade val="50000"/>
+            </a:schemeClr>
+          </a:lnRef>
+          <a:fillRef idx="1">
+            <a:schemeClr val="accent1"/>
+          </a:fillRef>
+          <a:effectRef idx="0">
+            <a:schemeClr val="accent1"/>
+          </a:effectRef>
+          <a:fontRef idx="minor">
+            <a:schemeClr val="lt1"/>
+          </a:fontRef>
+        </p:style>
+        <p:txBody>
+          <a:bodyPr rtlCol="0" anchor="ctr"/>
+          <a:lstStyle/>
+          <a:p>
+            <a:pPr algn="ctr"/>
+            <a:endParaRPr lang="ko-KR" altLang="en-US" dirty="0"/>
+          </a:p>
+        </p:txBody>
+      </p:sp>
+      <p:sp>
+        <p:nvSpPr>
+          <p:cNvPr id="7" name="직사각형 6"/>
+          <p:cNvSpPr/>
+          <p:nvPr/>
+        </p:nvSpPr>
+        <p:spPr>
+          <a:xfrm rot="5400000">
+            <a:off x="6055849" y="845693"/>
+            <a:ext cx="80301" cy="11509830"/>
+          </a:xfrm>
+          <a:prstGeom prst="rect">
+            <a:avLst/>
+          </a:prstGeom>
+          <a:solidFill>
+            <a:srgbClr val="A40525"/>
+          </a:solidFill>
+          <a:ln>
+            <a:noFill/>
+          </a:ln>
+        </p:spPr>
+        <p:style>
+          <a:lnRef idx="2">
+            <a:schemeClr val="accent1">
+              <a:shade val="50000"/>
+            </a:schemeClr>
+          </a:lnRef>
+          <a:fillRef idx="1">
+            <a:schemeClr val="accent1"/>
+          </a:fillRef>
+          <a:effectRef idx="0">
+            <a:schemeClr val="accent1"/>
+          </a:effectRef>
+          <a:fontRef idx="minor">
+            <a:schemeClr val="lt1"/>
+          </a:fontRef>
+        </p:style>
+        <p:txBody>
+          <a:bodyPr rtlCol="0" anchor="ctr"/>
+          <a:lstStyle/>
+          <a:p>
+            <a:pPr algn="ctr"/>
+            <a:endParaRPr lang="ko-KR" altLang="en-US" dirty="0"/>
+          </a:p>
+        </p:txBody>
+      </p:sp>
+      <p:sp>
+        <p:nvSpPr>
+          <p:cNvPr id="28" name="Freeform 6"/>
+          <p:cNvSpPr>
+            <a:spLocks noEditPoints="1"/>
+          </p:cNvSpPr>
+          <p:nvPr/>
+        </p:nvSpPr>
+        <p:spPr bwMode="auto">
+          <a:xfrm>
+            <a:off x="1687677" y="2607772"/>
+            <a:ext cx="850374" cy="791028"/>
+          </a:xfrm>
+          <a:custGeom>
+            <a:avLst/>
+            <a:gdLst>
+              <a:gd name="T0" fmla="*/ 1793 w 3525"/>
+              <a:gd name="T1" fmla="*/ 1094 h 3279"/>
+              <a:gd name="T2" fmla="*/ 1641 w 3525"/>
+              <a:gd name="T3" fmla="*/ 1256 h 3279"/>
+              <a:gd name="T4" fmla="*/ 1506 w 3525"/>
+              <a:gd name="T5" fmla="*/ 1508 h 3279"/>
+              <a:gd name="T6" fmla="*/ 1451 w 3525"/>
+              <a:gd name="T7" fmla="*/ 1797 h 3279"/>
+              <a:gd name="T8" fmla="*/ 1482 w 3525"/>
+              <a:gd name="T9" fmla="*/ 2079 h 3279"/>
+              <a:gd name="T10" fmla="*/ 1453 w 3525"/>
+              <a:gd name="T11" fmla="*/ 2178 h 3279"/>
+              <a:gd name="T12" fmla="*/ 1345 w 3525"/>
+              <a:gd name="T13" fmla="*/ 2060 h 3279"/>
+              <a:gd name="T14" fmla="*/ 1296 w 3525"/>
+              <a:gd name="T15" fmla="*/ 1888 h 3279"/>
+              <a:gd name="T16" fmla="*/ 1313 w 3525"/>
+              <a:gd name="T17" fmla="*/ 1684 h 3279"/>
+              <a:gd name="T18" fmla="*/ 1351 w 3525"/>
+              <a:gd name="T19" fmla="*/ 1558 h 3279"/>
+              <a:gd name="T20" fmla="*/ 1312 w 3525"/>
+              <a:gd name="T21" fmla="*/ 1547 h 3279"/>
+              <a:gd name="T22" fmla="*/ 1165 w 3525"/>
+              <a:gd name="T23" fmla="*/ 1687 h 3279"/>
+              <a:gd name="T24" fmla="*/ 1046 w 3525"/>
+              <a:gd name="T25" fmla="*/ 1904 h 3279"/>
+              <a:gd name="T26" fmla="*/ 1002 w 3525"/>
+              <a:gd name="T27" fmla="*/ 2159 h 3279"/>
+              <a:gd name="T28" fmla="*/ 1050 w 3525"/>
+              <a:gd name="T29" fmla="*/ 2428 h 3279"/>
+              <a:gd name="T30" fmla="*/ 1182 w 3525"/>
+              <a:gd name="T31" fmla="*/ 2656 h 3279"/>
+              <a:gd name="T32" fmla="*/ 1383 w 3525"/>
+              <a:gd name="T33" fmla="*/ 2826 h 3279"/>
+              <a:gd name="T34" fmla="*/ 1635 w 3525"/>
+              <a:gd name="T35" fmla="*/ 2918 h 3279"/>
+              <a:gd name="T36" fmla="*/ 1913 w 3525"/>
+              <a:gd name="T37" fmla="*/ 2918 h 3279"/>
+              <a:gd name="T38" fmla="*/ 2163 w 3525"/>
+              <a:gd name="T39" fmla="*/ 2826 h 3279"/>
+              <a:gd name="T40" fmla="*/ 2364 w 3525"/>
+              <a:gd name="T41" fmla="*/ 2657 h 3279"/>
+              <a:gd name="T42" fmla="*/ 2496 w 3525"/>
+              <a:gd name="T43" fmla="*/ 2428 h 3279"/>
+              <a:gd name="T44" fmla="*/ 2544 w 3525"/>
+              <a:gd name="T45" fmla="*/ 2160 h 3279"/>
+              <a:gd name="T46" fmla="*/ 2497 w 3525"/>
+              <a:gd name="T47" fmla="*/ 1897 h 3279"/>
+              <a:gd name="T48" fmla="*/ 2368 w 3525"/>
+              <a:gd name="T49" fmla="*/ 1673 h 3279"/>
+              <a:gd name="T50" fmla="*/ 2210 w 3525"/>
+              <a:gd name="T51" fmla="*/ 1530 h 3279"/>
+              <a:gd name="T52" fmla="*/ 2166 w 3525"/>
+              <a:gd name="T53" fmla="*/ 1535 h 3279"/>
+              <a:gd name="T54" fmla="*/ 2151 w 3525"/>
+              <a:gd name="T55" fmla="*/ 1609 h 3279"/>
+              <a:gd name="T56" fmla="*/ 2111 w 3525"/>
+              <a:gd name="T57" fmla="*/ 1719 h 3279"/>
+              <a:gd name="T58" fmla="*/ 2041 w 3525"/>
+              <a:gd name="T59" fmla="*/ 1809 h 3279"/>
+              <a:gd name="T60" fmla="*/ 1934 w 3525"/>
+              <a:gd name="T61" fmla="*/ 1846 h 3279"/>
+              <a:gd name="T62" fmla="*/ 1827 w 3525"/>
+              <a:gd name="T63" fmla="*/ 1569 h 3279"/>
+              <a:gd name="T64" fmla="*/ 1812 w 3525"/>
+              <a:gd name="T65" fmla="*/ 1262 h 3279"/>
+              <a:gd name="T66" fmla="*/ 1841 w 3525"/>
+              <a:gd name="T67" fmla="*/ 1098 h 3279"/>
+              <a:gd name="T68" fmla="*/ 1766 w 3525"/>
+              <a:gd name="T69" fmla="*/ 0 h 3279"/>
+              <a:gd name="T70" fmla="*/ 1954 w 3525"/>
+              <a:gd name="T71" fmla="*/ 33 h 3279"/>
+              <a:gd name="T72" fmla="*/ 2118 w 3525"/>
+              <a:gd name="T73" fmla="*/ 130 h 3279"/>
+              <a:gd name="T74" fmla="*/ 2447 w 3525"/>
+              <a:gd name="T75" fmla="*/ 165 h 3279"/>
+              <a:gd name="T76" fmla="*/ 2516 w 3525"/>
+              <a:gd name="T77" fmla="*/ 48 h 3279"/>
+              <a:gd name="T78" fmla="*/ 2647 w 3525"/>
+              <a:gd name="T79" fmla="*/ 0 h 3279"/>
+              <a:gd name="T80" fmla="*/ 2913 w 3525"/>
+              <a:gd name="T81" fmla="*/ 22 h 3279"/>
+              <a:gd name="T82" fmla="*/ 3000 w 3525"/>
+              <a:gd name="T83" fmla="*/ 107 h 3279"/>
+              <a:gd name="T84" fmla="*/ 3022 w 3525"/>
+              <a:gd name="T85" fmla="*/ 1050 h 3279"/>
+              <a:gd name="T86" fmla="*/ 3500 w 3525"/>
+              <a:gd name="T87" fmla="*/ 1572 h 3279"/>
+              <a:gd name="T88" fmla="*/ 3522 w 3525"/>
+              <a:gd name="T89" fmla="*/ 1726 h 3279"/>
+              <a:gd name="T90" fmla="*/ 3466 w 3525"/>
+              <a:gd name="T91" fmla="*/ 1859 h 3279"/>
+              <a:gd name="T92" fmla="*/ 3352 w 3525"/>
+              <a:gd name="T93" fmla="*/ 1948 h 3279"/>
+              <a:gd name="T94" fmla="*/ 3023 w 3525"/>
+              <a:gd name="T95" fmla="*/ 1971 h 3279"/>
+              <a:gd name="T96" fmla="*/ 2999 w 3525"/>
+              <a:gd name="T97" fmla="*/ 3085 h 3279"/>
+              <a:gd name="T98" fmla="*/ 2900 w 3525"/>
+              <a:gd name="T99" fmla="*/ 3213 h 3279"/>
+              <a:gd name="T100" fmla="*/ 2749 w 3525"/>
+              <a:gd name="T101" fmla="*/ 3277 h 3279"/>
+              <a:gd name="T102" fmla="*/ 734 w 3525"/>
+              <a:gd name="T103" fmla="*/ 3269 h 3279"/>
+              <a:gd name="T104" fmla="*/ 594 w 3525"/>
+              <a:gd name="T105" fmla="*/ 3187 h 3279"/>
+              <a:gd name="T106" fmla="*/ 512 w 3525"/>
+              <a:gd name="T107" fmla="*/ 3047 h 3279"/>
+              <a:gd name="T108" fmla="*/ 290 w 3525"/>
+              <a:gd name="T109" fmla="*/ 1972 h 3279"/>
+              <a:gd name="T110" fmla="*/ 142 w 3525"/>
+              <a:gd name="T111" fmla="*/ 1932 h 3279"/>
+              <a:gd name="T112" fmla="*/ 40 w 3525"/>
+              <a:gd name="T113" fmla="*/ 1830 h 3279"/>
+              <a:gd name="T114" fmla="*/ 0 w 3525"/>
+              <a:gd name="T115" fmla="*/ 1688 h 3279"/>
+              <a:gd name="T116" fmla="*/ 43 w 3525"/>
+              <a:gd name="T117" fmla="*/ 1533 h 3279"/>
+              <a:gd name="T118" fmla="*/ 1417 w 3525"/>
+              <a:gd name="T119" fmla="*/ 126 h 3279"/>
+              <a:gd name="T120" fmla="*/ 1609 w 3525"/>
+              <a:gd name="T121" fmla="*/ 24 h 3279"/>
+            </a:gdLst>
+            <a:ahLst/>
+            <a:cxnLst>
+              <a:cxn ang="0">
+                <a:pos x="T0" y="T1"/>
+              </a:cxn>
+              <a:cxn ang="0">
+                <a:pos x="T2" y="T3"/>
+              </a:cxn>
+              <a:cxn ang="0">
+                <a:pos x="T4" y="T5"/>
+              </a:cxn>
+              <a:cxn ang="0">
+                <a:pos x="T6" y="T7"/>
+              </a:cxn>
+              <a:cxn ang="0">
+                <a:pos x="T8" y="T9"/>
+              </a:cxn>
+              <a:cxn ang="0">
+                <a:pos x="T10" y="T11"/>
+              </a:cxn>
+              <a:cxn ang="0">
+                <a:pos x="T12" y="T13"/>
+              </a:cxn>
+              <a:cxn ang="0">
+                <a:pos x="T14" y="T15"/>
+              </a:cxn>
+              <a:cxn ang="0">
+                <a:pos x="T16" y="T17"/>
+              </a:cxn>
+              <a:cxn ang="0">
+                <a:pos x="T18" y="T19"/>
+              </a:cxn>
+              <a:cxn ang="0">
+                <a:pos x="T20" y="T21"/>
+              </a:cxn>
+              <a:cxn ang="0">
+                <a:pos x="T22" y="T23"/>
+              </a:cxn>
+              <a:cxn ang="0">
+                <a:pos x="T24" y="T25"/>
+              </a:cxn>
+              <a:cxn ang="0">
+                <a:pos x="T26" y="T27"/>
+              </a:cxn>
+              <a:cxn ang="0">
+                <a:pos x="T28" y="T29"/>
+              </a:cxn>
+              <a:cxn ang="0">
+                <a:pos x="T30" y="T31"/>
+              </a:cxn>
+              <a:cxn ang="0">
+                <a:pos x="T32" y="T33"/>
+              </a:cxn>
+              <a:cxn ang="0">
+                <a:pos x="T34" y="T35"/>
+              </a:cxn>
+              <a:cxn ang="0">
+                <a:pos x="T36" y="T37"/>
+              </a:cxn>
+              <a:cxn ang="0">
+                <a:pos x="T38" y="T39"/>
+              </a:cxn>
+              <a:cxn ang="0">
+                <a:pos x="T40" y="T41"/>
+              </a:cxn>
+              <a:cxn ang="0">
+                <a:pos x="T42" y="T43"/>
+              </a:cxn>
+              <a:cxn ang="0">
+                <a:pos x="T44" y="T45"/>
+              </a:cxn>
+              <a:cxn ang="0">
+                <a:pos x="T46" y="T47"/>
+              </a:cxn>
+              <a:cxn ang="0">
+                <a:pos x="T48" y="T49"/>
+              </a:cxn>
+              <a:cxn ang="0">
+                <a:pos x="T50" y="T51"/>
+              </a:cxn>
+              <a:cxn ang="0">
+                <a:pos x="T52" y="T53"/>
+              </a:cxn>
+              <a:cxn ang="0">
+                <a:pos x="T54" y="T55"/>
+              </a:cxn>
+              <a:cxn ang="0">
+                <a:pos x="T56" y="T57"/>
+              </a:cxn>
+              <a:cxn ang="0">
+                <a:pos x="T58" y="T59"/>
+              </a:cxn>
+              <a:cxn ang="0">
+                <a:pos x="T60" y="T61"/>
+              </a:cxn>
+              <a:cxn ang="0">
+                <a:pos x="T62" y="T63"/>
+              </a:cxn>
+              <a:cxn ang="0">
+                <a:pos x="T64" y="T65"/>
+              </a:cxn>
+              <a:cxn ang="0">
+                <a:pos x="T66" y="T67"/>
+              </a:cxn>
+              <a:cxn ang="0">
+                <a:pos x="T68" y="T69"/>
+              </a:cxn>
+              <a:cxn ang="0">
+                <a:pos x="T70" y="T71"/>
+              </a:cxn>
+              <a:cxn ang="0">
+                <a:pos x="T72" y="T73"/>
+              </a:cxn>
+              <a:cxn ang="0">
+                <a:pos x="T74" y="T75"/>
+              </a:cxn>
+              <a:cxn ang="0">
+                <a:pos x="T76" y="T77"/>
+              </a:cxn>
+              <a:cxn ang="0">
+                <a:pos x="T78" y="T79"/>
+              </a:cxn>
+              <a:cxn ang="0">
+                <a:pos x="T80" y="T81"/>
+              </a:cxn>
+              <a:cxn ang="0">
+                <a:pos x="T82" y="T83"/>
+              </a:cxn>
+              <a:cxn ang="0">
+                <a:pos x="T84" y="T85"/>
+              </a:cxn>
+              <a:cxn ang="0">
+                <a:pos x="T86" y="T87"/>
+              </a:cxn>
+              <a:cxn ang="0">
+                <a:pos x="T88" y="T89"/>
+              </a:cxn>
+              <a:cxn ang="0">
+                <a:pos x="T90" y="T91"/>
+              </a:cxn>
+              <a:cxn ang="0">
+                <a:pos x="T92" y="T93"/>
+              </a:cxn>
+              <a:cxn ang="0">
+                <a:pos x="T94" y="T95"/>
+              </a:cxn>
+              <a:cxn ang="0">
+                <a:pos x="T96" y="T97"/>
+              </a:cxn>
+              <a:cxn ang="0">
+                <a:pos x="T98" y="T99"/>
+              </a:cxn>
+              <a:cxn ang="0">
+                <a:pos x="T100" y="T101"/>
+              </a:cxn>
+              <a:cxn ang="0">
+                <a:pos x="T102" y="T103"/>
+              </a:cxn>
+              <a:cxn ang="0">
+                <a:pos x="T104" y="T105"/>
+              </a:cxn>
+              <a:cxn ang="0">
+                <a:pos x="T106" y="T107"/>
+              </a:cxn>
+              <a:cxn ang="0">
+                <a:pos x="T108" y="T109"/>
+              </a:cxn>
+              <a:cxn ang="0">
+                <a:pos x="T110" y="T111"/>
+              </a:cxn>
+              <a:cxn ang="0">
+                <a:pos x="T112" y="T113"/>
+              </a:cxn>
+              <a:cxn ang="0">
+                <a:pos x="T114" y="T115"/>
+              </a:cxn>
+              <a:cxn ang="0">
+                <a:pos x="T116" y="T117"/>
+              </a:cxn>
+              <a:cxn ang="0">
+                <a:pos x="T118" y="T119"/>
+              </a:cxn>
+              <a:cxn ang="0">
+                <a:pos x="T120" y="T121"/>
+              </a:cxn>
+            </a:cxnLst>
+            <a:rect l="0" t="0" r="r" b="b"/>
+            <a:pathLst>
+              <a:path w="3525" h="3279">
+                <a:moveTo>
+                  <a:pt x="1824" y="1082"/>
+                </a:moveTo>
+                <a:lnTo>
+                  <a:pt x="1814" y="1083"/>
+                </a:lnTo>
+                <a:lnTo>
+                  <a:pt x="1804" y="1087"/>
+                </a:lnTo>
+                <a:lnTo>
+                  <a:pt x="1793" y="1094"/>
+                </a:lnTo>
+                <a:lnTo>
+                  <a:pt x="1785" y="1101"/>
+                </a:lnTo>
+                <a:lnTo>
+                  <a:pt x="1734" y="1149"/>
+                </a:lnTo>
+                <a:lnTo>
+                  <a:pt x="1686" y="1201"/>
+                </a:lnTo>
+                <a:lnTo>
+                  <a:pt x="1641" y="1256"/>
+                </a:lnTo>
+                <a:lnTo>
+                  <a:pt x="1601" y="1314"/>
+                </a:lnTo>
+                <a:lnTo>
+                  <a:pt x="1565" y="1376"/>
+                </a:lnTo>
+                <a:lnTo>
+                  <a:pt x="1533" y="1440"/>
+                </a:lnTo>
+                <a:lnTo>
+                  <a:pt x="1506" y="1508"/>
+                </a:lnTo>
+                <a:lnTo>
+                  <a:pt x="1484" y="1578"/>
+                </a:lnTo>
+                <a:lnTo>
+                  <a:pt x="1467" y="1650"/>
+                </a:lnTo>
+                <a:lnTo>
+                  <a:pt x="1456" y="1725"/>
+                </a:lnTo>
+                <a:lnTo>
+                  <a:pt x="1451" y="1797"/>
+                </a:lnTo>
+                <a:lnTo>
+                  <a:pt x="1451" y="1870"/>
+                </a:lnTo>
+                <a:lnTo>
+                  <a:pt x="1456" y="1941"/>
+                </a:lnTo>
+                <a:lnTo>
+                  <a:pt x="1466" y="2010"/>
+                </a:lnTo>
+                <a:lnTo>
+                  <a:pt x="1482" y="2079"/>
+                </a:lnTo>
+                <a:lnTo>
+                  <a:pt x="1502" y="2145"/>
+                </a:lnTo>
+                <a:lnTo>
+                  <a:pt x="1527" y="2210"/>
+                </a:lnTo>
+                <a:lnTo>
+                  <a:pt x="1488" y="2196"/>
+                </a:lnTo>
+                <a:lnTo>
+                  <a:pt x="1453" y="2178"/>
+                </a:lnTo>
+                <a:lnTo>
+                  <a:pt x="1421" y="2155"/>
+                </a:lnTo>
+                <a:lnTo>
+                  <a:pt x="1392" y="2127"/>
+                </a:lnTo>
+                <a:lnTo>
+                  <a:pt x="1366" y="2096"/>
+                </a:lnTo>
+                <a:lnTo>
+                  <a:pt x="1345" y="2060"/>
+                </a:lnTo>
+                <a:lnTo>
+                  <a:pt x="1327" y="2022"/>
+                </a:lnTo>
+                <a:lnTo>
+                  <a:pt x="1312" y="1980"/>
+                </a:lnTo>
+                <a:lnTo>
+                  <a:pt x="1302" y="1935"/>
+                </a:lnTo>
+                <a:lnTo>
+                  <a:pt x="1296" y="1888"/>
+                </a:lnTo>
+                <a:lnTo>
+                  <a:pt x="1294" y="1839"/>
+                </a:lnTo>
+                <a:lnTo>
+                  <a:pt x="1296" y="1789"/>
+                </a:lnTo>
+                <a:lnTo>
+                  <a:pt x="1302" y="1736"/>
+                </a:lnTo>
+                <a:lnTo>
+                  <a:pt x="1313" y="1684"/>
+                </a:lnTo>
+                <a:lnTo>
+                  <a:pt x="1329" y="1630"/>
+                </a:lnTo>
+                <a:lnTo>
+                  <a:pt x="1350" y="1576"/>
+                </a:lnTo>
+                <a:lnTo>
+                  <a:pt x="1353" y="1566"/>
+                </a:lnTo>
+                <a:lnTo>
+                  <a:pt x="1351" y="1558"/>
+                </a:lnTo>
+                <a:lnTo>
+                  <a:pt x="1346" y="1550"/>
+                </a:lnTo>
+                <a:lnTo>
+                  <a:pt x="1337" y="1546"/>
+                </a:lnTo>
+                <a:lnTo>
+                  <a:pt x="1326" y="1544"/>
+                </a:lnTo>
+                <a:lnTo>
+                  <a:pt x="1312" y="1547"/>
+                </a:lnTo>
+                <a:lnTo>
+                  <a:pt x="1296" y="1556"/>
+                </a:lnTo>
+                <a:lnTo>
+                  <a:pt x="1249" y="1596"/>
+                </a:lnTo>
+                <a:lnTo>
+                  <a:pt x="1206" y="1640"/>
+                </a:lnTo>
+                <a:lnTo>
+                  <a:pt x="1165" y="1687"/>
+                </a:lnTo>
+                <a:lnTo>
+                  <a:pt x="1129" y="1736"/>
+                </a:lnTo>
+                <a:lnTo>
+                  <a:pt x="1097" y="1790"/>
+                </a:lnTo>
+                <a:lnTo>
+                  <a:pt x="1069" y="1846"/>
+                </a:lnTo>
+                <a:lnTo>
+                  <a:pt x="1046" y="1904"/>
+                </a:lnTo>
+                <a:lnTo>
+                  <a:pt x="1026" y="1964"/>
+                </a:lnTo>
+                <a:lnTo>
+                  <a:pt x="1012" y="2027"/>
+                </a:lnTo>
+                <a:lnTo>
+                  <a:pt x="1005" y="2093"/>
+                </a:lnTo>
+                <a:lnTo>
+                  <a:pt x="1002" y="2159"/>
+                </a:lnTo>
+                <a:lnTo>
+                  <a:pt x="1005" y="2229"/>
+                </a:lnTo>
+                <a:lnTo>
+                  <a:pt x="1015" y="2298"/>
+                </a:lnTo>
+                <a:lnTo>
+                  <a:pt x="1030" y="2364"/>
+                </a:lnTo>
+                <a:lnTo>
+                  <a:pt x="1050" y="2428"/>
+                </a:lnTo>
+                <a:lnTo>
+                  <a:pt x="1076" y="2490"/>
+                </a:lnTo>
+                <a:lnTo>
+                  <a:pt x="1107" y="2549"/>
+                </a:lnTo>
+                <a:lnTo>
+                  <a:pt x="1143" y="2605"/>
+                </a:lnTo>
+                <a:lnTo>
+                  <a:pt x="1182" y="2656"/>
+                </a:lnTo>
+                <a:lnTo>
+                  <a:pt x="1227" y="2705"/>
+                </a:lnTo>
+                <a:lnTo>
+                  <a:pt x="1275" y="2749"/>
+                </a:lnTo>
+                <a:lnTo>
+                  <a:pt x="1328" y="2790"/>
+                </a:lnTo>
+                <a:lnTo>
+                  <a:pt x="1383" y="2826"/>
+                </a:lnTo>
+                <a:lnTo>
+                  <a:pt x="1442" y="2857"/>
+                </a:lnTo>
+                <a:lnTo>
+                  <a:pt x="1504" y="2883"/>
+                </a:lnTo>
+                <a:lnTo>
+                  <a:pt x="1568" y="2903"/>
+                </a:lnTo>
+                <a:lnTo>
+                  <a:pt x="1635" y="2918"/>
+                </a:lnTo>
+                <a:lnTo>
+                  <a:pt x="1703" y="2928"/>
+                </a:lnTo>
+                <a:lnTo>
+                  <a:pt x="1774" y="2931"/>
+                </a:lnTo>
+                <a:lnTo>
+                  <a:pt x="1844" y="2928"/>
+                </a:lnTo>
+                <a:lnTo>
+                  <a:pt x="1913" y="2918"/>
+                </a:lnTo>
+                <a:lnTo>
+                  <a:pt x="1979" y="2903"/>
+                </a:lnTo>
+                <a:lnTo>
+                  <a:pt x="2043" y="2883"/>
+                </a:lnTo>
+                <a:lnTo>
+                  <a:pt x="2104" y="2857"/>
+                </a:lnTo>
+                <a:lnTo>
+                  <a:pt x="2163" y="2826"/>
+                </a:lnTo>
+                <a:lnTo>
+                  <a:pt x="2218" y="2790"/>
+                </a:lnTo>
+                <a:lnTo>
+                  <a:pt x="2271" y="2749"/>
+                </a:lnTo>
+                <a:lnTo>
+                  <a:pt x="2319" y="2705"/>
+                </a:lnTo>
+                <a:lnTo>
+                  <a:pt x="2364" y="2657"/>
+                </a:lnTo>
+                <a:lnTo>
+                  <a:pt x="2403" y="2605"/>
+                </a:lnTo>
+                <a:lnTo>
+                  <a:pt x="2440" y="2549"/>
+                </a:lnTo>
+                <a:lnTo>
+                  <a:pt x="2471" y="2490"/>
+                </a:lnTo>
+                <a:lnTo>
+                  <a:pt x="2496" y="2428"/>
+                </a:lnTo>
+                <a:lnTo>
+                  <a:pt x="2518" y="2365"/>
+                </a:lnTo>
+                <a:lnTo>
+                  <a:pt x="2533" y="2298"/>
+                </a:lnTo>
+                <a:lnTo>
+                  <a:pt x="2541" y="2229"/>
+                </a:lnTo>
+                <a:lnTo>
+                  <a:pt x="2544" y="2160"/>
+                </a:lnTo>
+                <a:lnTo>
+                  <a:pt x="2541" y="2090"/>
+                </a:lnTo>
+                <a:lnTo>
+                  <a:pt x="2533" y="2024"/>
+                </a:lnTo>
+                <a:lnTo>
+                  <a:pt x="2518" y="1959"/>
+                </a:lnTo>
+                <a:lnTo>
+                  <a:pt x="2497" y="1897"/>
+                </a:lnTo>
+                <a:lnTo>
+                  <a:pt x="2473" y="1836"/>
+                </a:lnTo>
+                <a:lnTo>
+                  <a:pt x="2442" y="1779"/>
+                </a:lnTo>
+                <a:lnTo>
+                  <a:pt x="2408" y="1725"/>
+                </a:lnTo>
+                <a:lnTo>
+                  <a:pt x="2368" y="1673"/>
+                </a:lnTo>
+                <a:lnTo>
+                  <a:pt x="2325" y="1625"/>
+                </a:lnTo>
+                <a:lnTo>
+                  <a:pt x="2278" y="1581"/>
+                </a:lnTo>
+                <a:lnTo>
+                  <a:pt x="2227" y="1541"/>
+                </a:lnTo>
+                <a:lnTo>
+                  <a:pt x="2210" y="1530"/>
+                </a:lnTo>
+                <a:lnTo>
+                  <a:pt x="2195" y="1525"/>
+                </a:lnTo>
+                <a:lnTo>
+                  <a:pt x="2183" y="1525"/>
+                </a:lnTo>
+                <a:lnTo>
+                  <a:pt x="2173" y="1528"/>
+                </a:lnTo>
+                <a:lnTo>
+                  <a:pt x="2166" y="1535"/>
+                </a:lnTo>
+                <a:lnTo>
+                  <a:pt x="2162" y="1545"/>
+                </a:lnTo>
+                <a:lnTo>
+                  <a:pt x="2161" y="1556"/>
+                </a:lnTo>
+                <a:lnTo>
+                  <a:pt x="2156" y="1581"/>
+                </a:lnTo>
+                <a:lnTo>
+                  <a:pt x="2151" y="1609"/>
+                </a:lnTo>
+                <a:lnTo>
+                  <a:pt x="2144" y="1637"/>
+                </a:lnTo>
+                <a:lnTo>
+                  <a:pt x="2135" y="1665"/>
+                </a:lnTo>
+                <a:lnTo>
+                  <a:pt x="2124" y="1693"/>
+                </a:lnTo>
+                <a:lnTo>
+                  <a:pt x="2111" y="1719"/>
+                </a:lnTo>
+                <a:lnTo>
+                  <a:pt x="2096" y="1745"/>
+                </a:lnTo>
+                <a:lnTo>
+                  <a:pt x="2080" y="1769"/>
+                </a:lnTo>
+                <a:lnTo>
+                  <a:pt x="2062" y="1790"/>
+                </a:lnTo>
+                <a:lnTo>
+                  <a:pt x="2041" y="1809"/>
+                </a:lnTo>
+                <a:lnTo>
+                  <a:pt x="2017" y="1824"/>
+                </a:lnTo>
+                <a:lnTo>
+                  <a:pt x="1992" y="1836"/>
+                </a:lnTo>
+                <a:lnTo>
+                  <a:pt x="1964" y="1843"/>
+                </a:lnTo>
+                <a:lnTo>
+                  <a:pt x="1934" y="1846"/>
+                </a:lnTo>
+                <a:lnTo>
+                  <a:pt x="1899" y="1780"/>
+                </a:lnTo>
+                <a:lnTo>
+                  <a:pt x="1870" y="1712"/>
+                </a:lnTo>
+                <a:lnTo>
+                  <a:pt x="1845" y="1641"/>
+                </a:lnTo>
+                <a:lnTo>
+                  <a:pt x="1827" y="1569"/>
+                </a:lnTo>
+                <a:lnTo>
+                  <a:pt x="1814" y="1494"/>
+                </a:lnTo>
+                <a:lnTo>
+                  <a:pt x="1807" y="1418"/>
+                </a:lnTo>
+                <a:lnTo>
+                  <a:pt x="1807" y="1341"/>
+                </a:lnTo>
+                <a:lnTo>
+                  <a:pt x="1812" y="1262"/>
+                </a:lnTo>
+                <a:lnTo>
+                  <a:pt x="1819" y="1211"/>
+                </a:lnTo>
+                <a:lnTo>
+                  <a:pt x="1828" y="1160"/>
+                </a:lnTo>
+                <a:lnTo>
+                  <a:pt x="1840" y="1109"/>
+                </a:lnTo>
+                <a:lnTo>
+                  <a:pt x="1841" y="1098"/>
+                </a:lnTo>
+                <a:lnTo>
+                  <a:pt x="1838" y="1090"/>
+                </a:lnTo>
+                <a:lnTo>
+                  <a:pt x="1832" y="1083"/>
+                </a:lnTo>
+                <a:lnTo>
+                  <a:pt x="1824" y="1082"/>
+                </a:lnTo>
+                <a:close/>
+                <a:moveTo>
+                  <a:pt x="1766" y="0"/>
+                </a:moveTo>
+                <a:lnTo>
+                  <a:pt x="1814" y="2"/>
+                </a:lnTo>
+                <a:lnTo>
+                  <a:pt x="1861" y="9"/>
+                </a:lnTo>
+                <a:lnTo>
+                  <a:pt x="1908" y="19"/>
+                </a:lnTo>
+                <a:lnTo>
+                  <a:pt x="1954" y="33"/>
+                </a:lnTo>
+                <a:lnTo>
+                  <a:pt x="1998" y="51"/>
+                </a:lnTo>
+                <a:lnTo>
+                  <a:pt x="2040" y="74"/>
+                </a:lnTo>
+                <a:lnTo>
+                  <a:pt x="2080" y="101"/>
+                </a:lnTo>
+                <a:lnTo>
+                  <a:pt x="2118" y="130"/>
+                </a:lnTo>
+                <a:lnTo>
+                  <a:pt x="2153" y="165"/>
+                </a:lnTo>
+                <a:lnTo>
+                  <a:pt x="2444" y="459"/>
+                </a:lnTo>
+                <a:lnTo>
+                  <a:pt x="2444" y="200"/>
+                </a:lnTo>
+                <a:lnTo>
+                  <a:pt x="2447" y="165"/>
+                </a:lnTo>
+                <a:lnTo>
+                  <a:pt x="2456" y="130"/>
+                </a:lnTo>
+                <a:lnTo>
+                  <a:pt x="2471" y="99"/>
+                </a:lnTo>
+                <a:lnTo>
+                  <a:pt x="2491" y="72"/>
+                </a:lnTo>
+                <a:lnTo>
+                  <a:pt x="2516" y="48"/>
+                </a:lnTo>
+                <a:lnTo>
+                  <a:pt x="2544" y="28"/>
+                </a:lnTo>
+                <a:lnTo>
+                  <a:pt x="2575" y="13"/>
+                </a:lnTo>
+                <a:lnTo>
+                  <a:pt x="2611" y="3"/>
+                </a:lnTo>
+                <a:lnTo>
+                  <a:pt x="2647" y="0"/>
+                </a:lnTo>
+                <a:lnTo>
+                  <a:pt x="2819" y="0"/>
+                </a:lnTo>
+                <a:lnTo>
+                  <a:pt x="2852" y="3"/>
+                </a:lnTo>
+                <a:lnTo>
+                  <a:pt x="2884" y="11"/>
+                </a:lnTo>
+                <a:lnTo>
+                  <a:pt x="2913" y="22"/>
+                </a:lnTo>
+                <a:lnTo>
+                  <a:pt x="2940" y="38"/>
+                </a:lnTo>
+                <a:lnTo>
+                  <a:pt x="2964" y="58"/>
+                </a:lnTo>
+                <a:lnTo>
+                  <a:pt x="2984" y="81"/>
+                </a:lnTo>
+                <a:lnTo>
+                  <a:pt x="3000" y="107"/>
+                </a:lnTo>
+                <a:lnTo>
+                  <a:pt x="3013" y="136"/>
+                </a:lnTo>
+                <a:lnTo>
+                  <a:pt x="3020" y="167"/>
+                </a:lnTo>
+                <a:lnTo>
+                  <a:pt x="3022" y="200"/>
+                </a:lnTo>
+                <a:lnTo>
+                  <a:pt x="3022" y="1050"/>
+                </a:lnTo>
+                <a:lnTo>
+                  <a:pt x="3422" y="1457"/>
+                </a:lnTo>
+                <a:lnTo>
+                  <a:pt x="3454" y="1495"/>
+                </a:lnTo>
+                <a:lnTo>
+                  <a:pt x="3481" y="1532"/>
+                </a:lnTo>
+                <a:lnTo>
+                  <a:pt x="3500" y="1572"/>
+                </a:lnTo>
+                <a:lnTo>
+                  <a:pt x="3514" y="1610"/>
+                </a:lnTo>
+                <a:lnTo>
+                  <a:pt x="3522" y="1650"/>
+                </a:lnTo>
+                <a:lnTo>
+                  <a:pt x="3525" y="1688"/>
+                </a:lnTo>
+                <a:lnTo>
+                  <a:pt x="3522" y="1726"/>
+                </a:lnTo>
+                <a:lnTo>
+                  <a:pt x="3514" y="1762"/>
+                </a:lnTo>
+                <a:lnTo>
+                  <a:pt x="3502" y="1796"/>
+                </a:lnTo>
+                <a:lnTo>
+                  <a:pt x="3486" y="1828"/>
+                </a:lnTo>
+                <a:lnTo>
+                  <a:pt x="3466" y="1859"/>
+                </a:lnTo>
+                <a:lnTo>
+                  <a:pt x="3442" y="1886"/>
+                </a:lnTo>
+                <a:lnTo>
+                  <a:pt x="3415" y="1911"/>
+                </a:lnTo>
+                <a:lnTo>
+                  <a:pt x="3385" y="1931"/>
+                </a:lnTo>
+                <a:lnTo>
+                  <a:pt x="3352" y="1948"/>
+                </a:lnTo>
+                <a:lnTo>
+                  <a:pt x="3316" y="1960"/>
+                </a:lnTo>
+                <a:lnTo>
+                  <a:pt x="3279" y="1969"/>
+                </a:lnTo>
+                <a:lnTo>
+                  <a:pt x="3239" y="1971"/>
+                </a:lnTo>
+                <a:lnTo>
+                  <a:pt x="3023" y="1971"/>
+                </a:lnTo>
+                <a:lnTo>
+                  <a:pt x="3023" y="2962"/>
+                </a:lnTo>
+                <a:lnTo>
+                  <a:pt x="3020" y="3005"/>
+                </a:lnTo>
+                <a:lnTo>
+                  <a:pt x="3012" y="3045"/>
+                </a:lnTo>
+                <a:lnTo>
+                  <a:pt x="2999" y="3085"/>
+                </a:lnTo>
+                <a:lnTo>
+                  <a:pt x="2981" y="3121"/>
+                </a:lnTo>
+                <a:lnTo>
+                  <a:pt x="2957" y="3155"/>
+                </a:lnTo>
+                <a:lnTo>
+                  <a:pt x="2930" y="3185"/>
+                </a:lnTo>
+                <a:lnTo>
+                  <a:pt x="2900" y="3213"/>
+                </a:lnTo>
+                <a:lnTo>
+                  <a:pt x="2866" y="3236"/>
+                </a:lnTo>
+                <a:lnTo>
+                  <a:pt x="2830" y="3255"/>
+                </a:lnTo>
+                <a:lnTo>
+                  <a:pt x="2790" y="3269"/>
+                </a:lnTo>
+                <a:lnTo>
+                  <a:pt x="2749" y="3277"/>
+                </a:lnTo>
+                <a:lnTo>
+                  <a:pt x="2706" y="3279"/>
+                </a:lnTo>
+                <a:lnTo>
+                  <a:pt x="818" y="3279"/>
+                </a:lnTo>
+                <a:lnTo>
+                  <a:pt x="775" y="3277"/>
+                </a:lnTo>
+                <a:lnTo>
+                  <a:pt x="734" y="3269"/>
+                </a:lnTo>
+                <a:lnTo>
+                  <a:pt x="695" y="3255"/>
+                </a:lnTo>
+                <a:lnTo>
+                  <a:pt x="659" y="3237"/>
+                </a:lnTo>
+                <a:lnTo>
+                  <a:pt x="625" y="3214"/>
+                </a:lnTo>
+                <a:lnTo>
+                  <a:pt x="594" y="3187"/>
+                </a:lnTo>
+                <a:lnTo>
+                  <a:pt x="568" y="3156"/>
+                </a:lnTo>
+                <a:lnTo>
+                  <a:pt x="544" y="3122"/>
+                </a:lnTo>
+                <a:lnTo>
+                  <a:pt x="526" y="3086"/>
+                </a:lnTo>
+                <a:lnTo>
+                  <a:pt x="512" y="3047"/>
+                </a:lnTo>
+                <a:lnTo>
+                  <a:pt x="504" y="3006"/>
+                </a:lnTo>
+                <a:lnTo>
+                  <a:pt x="500" y="2962"/>
+                </a:lnTo>
+                <a:lnTo>
+                  <a:pt x="500" y="1972"/>
+                </a:lnTo>
+                <a:lnTo>
+                  <a:pt x="290" y="1972"/>
+                </a:lnTo>
+                <a:lnTo>
+                  <a:pt x="249" y="1969"/>
+                </a:lnTo>
+                <a:lnTo>
+                  <a:pt x="212" y="1961"/>
+                </a:lnTo>
+                <a:lnTo>
+                  <a:pt x="176" y="1948"/>
+                </a:lnTo>
+                <a:lnTo>
+                  <a:pt x="142" y="1932"/>
+                </a:lnTo>
+                <a:lnTo>
+                  <a:pt x="112" y="1911"/>
+                </a:lnTo>
+                <a:lnTo>
+                  <a:pt x="84" y="1887"/>
+                </a:lnTo>
+                <a:lnTo>
+                  <a:pt x="60" y="1859"/>
+                </a:lnTo>
+                <a:lnTo>
+                  <a:pt x="40" y="1830"/>
+                </a:lnTo>
+                <a:lnTo>
+                  <a:pt x="24" y="1797"/>
+                </a:lnTo>
+                <a:lnTo>
+                  <a:pt x="11" y="1762"/>
+                </a:lnTo>
+                <a:lnTo>
+                  <a:pt x="3" y="1726"/>
+                </a:lnTo>
+                <a:lnTo>
+                  <a:pt x="0" y="1688"/>
+                </a:lnTo>
+                <a:lnTo>
+                  <a:pt x="2" y="1650"/>
+                </a:lnTo>
+                <a:lnTo>
+                  <a:pt x="10" y="1611"/>
+                </a:lnTo>
+                <a:lnTo>
+                  <a:pt x="24" y="1572"/>
+                </a:lnTo>
+                <a:lnTo>
+                  <a:pt x="43" y="1533"/>
+                </a:lnTo>
+                <a:lnTo>
+                  <a:pt x="68" y="1495"/>
+                </a:lnTo>
+                <a:lnTo>
+                  <a:pt x="102" y="1458"/>
+                </a:lnTo>
+                <a:lnTo>
+                  <a:pt x="1374" y="165"/>
+                </a:lnTo>
+                <a:lnTo>
+                  <a:pt x="1417" y="126"/>
+                </a:lnTo>
+                <a:lnTo>
+                  <a:pt x="1461" y="93"/>
+                </a:lnTo>
+                <a:lnTo>
+                  <a:pt x="1508" y="65"/>
+                </a:lnTo>
+                <a:lnTo>
+                  <a:pt x="1558" y="42"/>
+                </a:lnTo>
+                <a:lnTo>
+                  <a:pt x="1609" y="24"/>
+                </a:lnTo>
+                <a:lnTo>
+                  <a:pt x="1660" y="11"/>
+                </a:lnTo>
+                <a:lnTo>
+                  <a:pt x="1713" y="3"/>
+                </a:lnTo>
+                <a:lnTo>
+                  <a:pt x="1766" y="0"/>
+                </a:lnTo>
+                <a:close/>
+              </a:path>
+            </a:pathLst>
+          </a:custGeom>
+          <a:solidFill>
+            <a:schemeClr val="bg1"/>
+          </a:solidFill>
+          <a:ln w="0">
+            <a:noFill/>
+            <a:prstDash val="solid"/>
+            <a:round/>
+            <a:headEnd/>
+            <a:tailEnd/>
+          </a:ln>
+        </p:spPr>
+        <p:txBody>
+          <a:bodyPr vert="horz" wrap="square" lIns="91440" tIns="45720" rIns="91440" bIns="45720" numCol="1" anchor="t" anchorCtr="0" compatLnSpc="1">
+            <a:prstTxWarp prst="textNoShape">
+              <a:avLst/>
+            </a:prstTxWarp>
+          </a:bodyPr>
+          <a:lstStyle/>
+          <a:p>
+            <a:endParaRPr lang="ko-KR" altLang="en-US" dirty="0"/>
+          </a:p>
+        </p:txBody>
+      </p:sp>
+      <p:pic>
+        <p:nvPicPr>
+          <p:cNvPr id="8" name="그림 7" descr="캡처11.PNG"/>
+          <p:cNvPicPr>
+            <a:picLocks noChangeAspect="1"/>
+          </p:cNvPicPr>
+          <p:nvPr/>
+        </p:nvPicPr>
+        <p:blipFill>
+          <a:blip r:embed="rId3" cstate="print"/>
+          <a:stretch>
+            <a:fillRect/>
+          </a:stretch>
+        </p:blipFill>
+        <p:spPr>
+          <a:xfrm>
+            <a:off x="514320" y="1320800"/>
+            <a:ext cx="4549412" cy="2222500"/>
+          </a:xfrm>
+          <a:prstGeom prst="rect">
+            <a:avLst/>
+          </a:prstGeom>
+        </p:spPr>
+      </p:pic>
+      <p:pic>
+        <p:nvPicPr>
+          <p:cNvPr id="10" name="그림 9" descr="캡처12.PNG"/>
+          <p:cNvPicPr>
+            <a:picLocks noChangeAspect="1"/>
+          </p:cNvPicPr>
+          <p:nvPr/>
+        </p:nvPicPr>
+        <p:blipFill>
+          <a:blip r:embed="rId4" cstate="print"/>
+          <a:stretch>
+            <a:fillRect/>
+          </a:stretch>
+        </p:blipFill>
+        <p:spPr>
+          <a:xfrm>
+            <a:off x="5537195" y="1282700"/>
+            <a:ext cx="6337305" cy="2197100"/>
+          </a:xfrm>
+          <a:prstGeom prst="rect">
+            <a:avLst/>
+          </a:prstGeom>
+        </p:spPr>
+      </p:pic>
+      <p:pic>
+        <p:nvPicPr>
+          <p:cNvPr id="11" name="그림 10" descr="캡처14.PNG"/>
+          <p:cNvPicPr>
+            <a:picLocks noChangeAspect="1"/>
+          </p:cNvPicPr>
+          <p:nvPr/>
+        </p:nvPicPr>
+        <p:blipFill>
+          <a:blip r:embed="rId5" cstate="print"/>
+          <a:stretch>
+            <a:fillRect/>
+          </a:stretch>
+        </p:blipFill>
+        <p:spPr>
+          <a:xfrm>
+            <a:off x="600044" y="4170366"/>
+            <a:ext cx="4515305" cy="2179634"/>
+          </a:xfrm>
+          <a:prstGeom prst="rect">
+            <a:avLst/>
+          </a:prstGeom>
+        </p:spPr>
+      </p:pic>
+      <p:pic>
+        <p:nvPicPr>
+          <p:cNvPr id="12" name="그림 11" descr="캡처13.PNG"/>
+          <p:cNvPicPr>
+            <a:picLocks noChangeAspect="1"/>
+          </p:cNvPicPr>
+          <p:nvPr/>
+        </p:nvPicPr>
+        <p:blipFill>
+          <a:blip r:embed="rId6" cstate="print"/>
+          <a:stretch>
+            <a:fillRect/>
+          </a:stretch>
+        </p:blipFill>
+        <p:spPr>
+          <a:xfrm>
+            <a:off x="5536205" y="4203700"/>
+            <a:ext cx="6340586" cy="2171700"/>
+          </a:xfrm>
+          <a:prstGeom prst="rect">
+            <a:avLst/>
+          </a:prstGeom>
+        </p:spPr>
+      </p:pic>
+      <p:sp>
+        <p:nvSpPr>
+          <p:cNvPr id="13" name="TextBox 12"/>
+          <p:cNvSpPr txBox="1"/>
+          <p:nvPr/>
+        </p:nvSpPr>
+        <p:spPr>
+          <a:xfrm>
+            <a:off x="1175407" y="876298"/>
+            <a:ext cx="2390398" cy="400110"/>
+          </a:xfrm>
+          <a:prstGeom prst="rect">
+            <a:avLst/>
+          </a:prstGeom>
+          <a:noFill/>
+        </p:spPr>
+        <p:txBody>
+          <a:bodyPr wrap="none" rtlCol="0">
+            <a:spAutoFit/>
+          </a:bodyPr>
+          <a:lstStyle/>
+          <a:p>
+            <a:r>
+              <a:rPr lang="ko-KR" altLang="en-US" sz="2000" b="1" spc="-150" dirty="0" smtClean="0">
+                <a:ln>
+                  <a:solidFill>
+                    <a:schemeClr val="accent1">
+                      <a:shade val="50000"/>
+                      <a:alpha val="0"/>
+                    </a:schemeClr>
+                  </a:solidFill>
+                </a:ln>
+                <a:solidFill>
+                  <a:schemeClr val="tx1">
+                    <a:lumMod val="85000"/>
+                    <a:lumOff val="15000"/>
+                  </a:schemeClr>
+                </a:solidFill>
+                <a:latin typeface="나눔바른고딕" panose="020B0603020101020101" pitchFamily="50" charset="-127"/>
+                <a:ea typeface="나눔바른고딕" panose="020B0603020101020101" pitchFamily="50" charset="-127"/>
+              </a:rPr>
+              <a:t>안전비상벨과의 거리</a:t>
+            </a:r>
+            <a:endParaRPr lang="ko-KR" altLang="en-US" sz="2000" b="1" spc="-150" dirty="0">
+              <a:ln>
+                <a:solidFill>
+                  <a:schemeClr val="accent1">
+                    <a:shade val="50000"/>
+                    <a:alpha val="0"/>
+                  </a:schemeClr>
+                </a:solidFill>
+              </a:ln>
+              <a:solidFill>
+                <a:schemeClr val="tx1">
+                  <a:lumMod val="85000"/>
+                  <a:lumOff val="15000"/>
+                </a:schemeClr>
+              </a:solidFill>
+              <a:latin typeface="나눔바른고딕" panose="020B0603020101020101" pitchFamily="50" charset="-127"/>
+              <a:ea typeface="나눔바른고딕" panose="020B0603020101020101" pitchFamily="50" charset="-127"/>
+            </a:endParaRPr>
+          </a:p>
+        </p:txBody>
+      </p:sp>
+      <p:sp>
+        <p:nvSpPr>
+          <p:cNvPr id="14" name="TextBox 13"/>
+          <p:cNvSpPr txBox="1"/>
+          <p:nvPr/>
+        </p:nvSpPr>
+        <p:spPr>
+          <a:xfrm>
+            <a:off x="1150007" y="3682998"/>
+            <a:ext cx="2864887" cy="400110"/>
+          </a:xfrm>
+          <a:prstGeom prst="rect">
+            <a:avLst/>
+          </a:prstGeom>
+          <a:noFill/>
+        </p:spPr>
+        <p:txBody>
+          <a:bodyPr wrap="none" rtlCol="0">
+            <a:spAutoFit/>
+          </a:bodyPr>
+          <a:lstStyle/>
+          <a:p>
+            <a:r>
+              <a:rPr lang="ko-KR" altLang="en-US" sz="2000" b="1" spc="-150" dirty="0" smtClean="0">
+                <a:ln>
+                  <a:solidFill>
+                    <a:schemeClr val="accent1">
+                      <a:shade val="50000"/>
+                      <a:alpha val="0"/>
+                    </a:schemeClr>
+                  </a:solidFill>
+                </a:ln>
+                <a:solidFill>
+                  <a:schemeClr val="tx1">
+                    <a:lumMod val="85000"/>
+                    <a:lumOff val="15000"/>
+                  </a:schemeClr>
+                </a:solidFill>
+                <a:latin typeface="나눔바른고딕" panose="020B0603020101020101" pitchFamily="50" charset="-127"/>
+                <a:ea typeface="나눔바른고딕" panose="020B0603020101020101" pitchFamily="50" charset="-127"/>
+              </a:rPr>
+              <a:t>자동심장충격기와의 거리</a:t>
+            </a:r>
+            <a:endParaRPr lang="ko-KR" altLang="en-US" sz="2000" b="1" spc="-150" dirty="0">
+              <a:ln>
+                <a:solidFill>
+                  <a:schemeClr val="accent1">
+                    <a:shade val="50000"/>
+                    <a:alpha val="0"/>
+                  </a:schemeClr>
+                </a:solidFill>
+              </a:ln>
+              <a:solidFill>
+                <a:schemeClr val="tx1">
+                  <a:lumMod val="85000"/>
+                  <a:lumOff val="15000"/>
+                </a:schemeClr>
+              </a:solidFill>
+              <a:latin typeface="나눔바른고딕" panose="020B0603020101020101" pitchFamily="50" charset="-127"/>
+              <a:ea typeface="나눔바른고딕" panose="020B0603020101020101" pitchFamily="50" charset="-127"/>
+            </a:endParaRPr>
+          </a:p>
+        </p:txBody>
+      </p:sp>
+    </p:spTree>
+    <p:extLst>
+      <p:ext uri="{BB962C8B-B14F-4D97-AF65-F5344CB8AC3E}">
+        <p14:creationId xmlns:p14="http://schemas.microsoft.com/office/powerpoint/2010/main" xmlns="" val="4194141123"/>
+      </p:ext>
+    </p:extLst>
+  </p:cSld>
+  <p:clrMapOvr>
+    <a:masterClrMapping/>
+  </p:clrMapOvr>
+</p:sld>
+</file>
+
+<file path=ppt/slides/slide21.xml><?xml version="1.0" encoding="utf-8"?>
+<p:sld xmlns:a="http://schemas.openxmlformats.org/drawingml/2006/main" xmlns:r="http://schemas.openxmlformats.org/officeDocument/2006/relationships" xmlns:p="http://schemas.openxmlformats.org/presentationml/2006/main">
+  <p:cSld>
+    <p:spTree>
+      <p:nvGrpSpPr>
+        <p:cNvPr id="1" name=""/>
+        <p:cNvGrpSpPr/>
+        <p:nvPr/>
+      </p:nvGrpSpPr>
+      <p:grpSpPr>
+        <a:xfrm>
+          <a:off x="0" y="0"/>
+          <a:ext cx="0" cy="0"/>
+          <a:chOff x="0" y="0"/>
+          <a:chExt cx="0" cy="0"/>
+        </a:xfrm>
+      </p:grpSpPr>
+      <p:pic>
+        <p:nvPicPr>
+          <p:cNvPr id="9" name="그림 8"/>
+          <p:cNvPicPr>
+            <a:picLocks noChangeAspect="1"/>
+          </p:cNvPicPr>
+          <p:nvPr/>
+        </p:nvPicPr>
+        <p:blipFill rotWithShape="1">
+          <a:blip r:embed="rId3" cstate="print">
             <a:lum bright="70000" contrast="-70000"/>
             <a:extLst>
               <a:ext uri="{28A0092B-C50C-407E-A947-70E740481C1C}">
@@ -29865,1543 +31304,6 @@
       </p:sp>
       <p:pic>
         <p:nvPicPr>
-          <p:cNvPr id="8" name="그림 7" descr="캡처11.PNG"/>
-          <p:cNvPicPr>
-            <a:picLocks noChangeAspect="1"/>
-          </p:cNvPicPr>
-          <p:nvPr/>
-        </p:nvPicPr>
-        <p:blipFill>
-          <a:blip r:embed="rId3" cstate="print"/>
-          <a:stretch>
-            <a:fillRect/>
-          </a:stretch>
-        </p:blipFill>
-        <p:spPr>
-          <a:xfrm>
-            <a:off x="514320" y="1320800"/>
-            <a:ext cx="4549412" cy="2222500"/>
-          </a:xfrm>
-          <a:prstGeom prst="rect">
-            <a:avLst/>
-          </a:prstGeom>
-        </p:spPr>
-      </p:pic>
-      <p:pic>
-        <p:nvPicPr>
-          <p:cNvPr id="10" name="그림 9" descr="캡처12.PNG"/>
-          <p:cNvPicPr>
-            <a:picLocks noChangeAspect="1"/>
-          </p:cNvPicPr>
-          <p:nvPr/>
-        </p:nvPicPr>
-        <p:blipFill>
-          <a:blip r:embed="rId4" cstate="print"/>
-          <a:stretch>
-            <a:fillRect/>
-          </a:stretch>
-        </p:blipFill>
-        <p:spPr>
-          <a:xfrm>
-            <a:off x="5537195" y="1282700"/>
-            <a:ext cx="6337305" cy="2197100"/>
-          </a:xfrm>
-          <a:prstGeom prst="rect">
-            <a:avLst/>
-          </a:prstGeom>
-        </p:spPr>
-      </p:pic>
-      <p:pic>
-        <p:nvPicPr>
-          <p:cNvPr id="11" name="그림 10" descr="캡처14.PNG"/>
-          <p:cNvPicPr>
-            <a:picLocks noChangeAspect="1"/>
-          </p:cNvPicPr>
-          <p:nvPr/>
-        </p:nvPicPr>
-        <p:blipFill>
-          <a:blip r:embed="rId5" cstate="print"/>
-          <a:stretch>
-            <a:fillRect/>
-          </a:stretch>
-        </p:blipFill>
-        <p:spPr>
-          <a:xfrm>
-            <a:off x="600044" y="4170366"/>
-            <a:ext cx="4515305" cy="2179634"/>
-          </a:xfrm>
-          <a:prstGeom prst="rect">
-            <a:avLst/>
-          </a:prstGeom>
-        </p:spPr>
-      </p:pic>
-      <p:pic>
-        <p:nvPicPr>
-          <p:cNvPr id="12" name="그림 11" descr="캡처13.PNG"/>
-          <p:cNvPicPr>
-            <a:picLocks noChangeAspect="1"/>
-          </p:cNvPicPr>
-          <p:nvPr/>
-        </p:nvPicPr>
-        <p:blipFill>
-          <a:blip r:embed="rId6" cstate="print"/>
-          <a:stretch>
-            <a:fillRect/>
-          </a:stretch>
-        </p:blipFill>
-        <p:spPr>
-          <a:xfrm>
-            <a:off x="5536205" y="4203700"/>
-            <a:ext cx="6340586" cy="2171700"/>
-          </a:xfrm>
-          <a:prstGeom prst="rect">
-            <a:avLst/>
-          </a:prstGeom>
-        </p:spPr>
-      </p:pic>
-      <p:sp>
-        <p:nvSpPr>
-          <p:cNvPr id="13" name="TextBox 12"/>
-          <p:cNvSpPr txBox="1"/>
-          <p:nvPr/>
-        </p:nvSpPr>
-        <p:spPr>
-          <a:xfrm>
-            <a:off x="1175407" y="876298"/>
-            <a:ext cx="2390398" cy="400110"/>
-          </a:xfrm>
-          <a:prstGeom prst="rect">
-            <a:avLst/>
-          </a:prstGeom>
-          <a:noFill/>
-        </p:spPr>
-        <p:txBody>
-          <a:bodyPr wrap="none" rtlCol="0">
-            <a:spAutoFit/>
-          </a:bodyPr>
-          <a:lstStyle/>
-          <a:p>
-            <a:r>
-              <a:rPr lang="ko-KR" altLang="en-US" sz="2000" b="1" spc="-150" dirty="0" smtClean="0">
-                <a:ln>
-                  <a:solidFill>
-                    <a:schemeClr val="accent1">
-                      <a:shade val="50000"/>
-                      <a:alpha val="0"/>
-                    </a:schemeClr>
-                  </a:solidFill>
-                </a:ln>
-                <a:solidFill>
-                  <a:schemeClr val="tx1">
-                    <a:lumMod val="85000"/>
-                    <a:lumOff val="15000"/>
-                  </a:schemeClr>
-                </a:solidFill>
-                <a:latin typeface="나눔바른고딕" panose="020B0603020101020101" pitchFamily="50" charset="-127"/>
-                <a:ea typeface="나눔바른고딕" panose="020B0603020101020101" pitchFamily="50" charset="-127"/>
-              </a:rPr>
-              <a:t>안전비상벨과의 거리</a:t>
-            </a:r>
-            <a:endParaRPr lang="ko-KR" altLang="en-US" sz="2000" b="1" spc="-150" dirty="0">
-              <a:ln>
-                <a:solidFill>
-                  <a:schemeClr val="accent1">
-                    <a:shade val="50000"/>
-                    <a:alpha val="0"/>
-                  </a:schemeClr>
-                </a:solidFill>
-              </a:ln>
-              <a:solidFill>
-                <a:schemeClr val="tx1">
-                  <a:lumMod val="85000"/>
-                  <a:lumOff val="15000"/>
-                </a:schemeClr>
-              </a:solidFill>
-              <a:latin typeface="나눔바른고딕" panose="020B0603020101020101" pitchFamily="50" charset="-127"/>
-              <a:ea typeface="나눔바른고딕" panose="020B0603020101020101" pitchFamily="50" charset="-127"/>
-            </a:endParaRPr>
-          </a:p>
-        </p:txBody>
-      </p:sp>
-      <p:sp>
-        <p:nvSpPr>
-          <p:cNvPr id="14" name="TextBox 13"/>
-          <p:cNvSpPr txBox="1"/>
-          <p:nvPr/>
-        </p:nvSpPr>
-        <p:spPr>
-          <a:xfrm>
-            <a:off x="1150007" y="3682998"/>
-            <a:ext cx="2864887" cy="400110"/>
-          </a:xfrm>
-          <a:prstGeom prst="rect">
-            <a:avLst/>
-          </a:prstGeom>
-          <a:noFill/>
-        </p:spPr>
-        <p:txBody>
-          <a:bodyPr wrap="none" rtlCol="0">
-            <a:spAutoFit/>
-          </a:bodyPr>
-          <a:lstStyle/>
-          <a:p>
-            <a:r>
-              <a:rPr lang="ko-KR" altLang="en-US" sz="2000" b="1" spc="-150" dirty="0" smtClean="0">
-                <a:ln>
-                  <a:solidFill>
-                    <a:schemeClr val="accent1">
-                      <a:shade val="50000"/>
-                      <a:alpha val="0"/>
-                    </a:schemeClr>
-                  </a:solidFill>
-                </a:ln>
-                <a:solidFill>
-                  <a:schemeClr val="tx1">
-                    <a:lumMod val="85000"/>
-                    <a:lumOff val="15000"/>
-                  </a:schemeClr>
-                </a:solidFill>
-                <a:latin typeface="나눔바른고딕" panose="020B0603020101020101" pitchFamily="50" charset="-127"/>
-                <a:ea typeface="나눔바른고딕" panose="020B0603020101020101" pitchFamily="50" charset="-127"/>
-              </a:rPr>
-              <a:t>자동심장충격기와의 거리</a:t>
-            </a:r>
-            <a:endParaRPr lang="ko-KR" altLang="en-US" sz="2000" b="1" spc="-150" dirty="0">
-              <a:ln>
-                <a:solidFill>
-                  <a:schemeClr val="accent1">
-                    <a:shade val="50000"/>
-                    <a:alpha val="0"/>
-                  </a:schemeClr>
-                </a:solidFill>
-              </a:ln>
-              <a:solidFill>
-                <a:schemeClr val="tx1">
-                  <a:lumMod val="85000"/>
-                  <a:lumOff val="15000"/>
-                </a:schemeClr>
-              </a:solidFill>
-              <a:latin typeface="나눔바른고딕" panose="020B0603020101020101" pitchFamily="50" charset="-127"/>
-              <a:ea typeface="나눔바른고딕" panose="020B0603020101020101" pitchFamily="50" charset="-127"/>
-            </a:endParaRPr>
-          </a:p>
-        </p:txBody>
-      </p:sp>
-    </p:spTree>
-    <p:extLst>
-      <p:ext uri="{BB962C8B-B14F-4D97-AF65-F5344CB8AC3E}">
-        <p14:creationId xmlns="" xmlns:p14="http://schemas.microsoft.com/office/powerpoint/2010/main" val="4194141123"/>
-      </p:ext>
-    </p:extLst>
-  </p:cSld>
-  <p:clrMapOvr>
-    <a:masterClrMapping/>
-  </p:clrMapOvr>
-</p:sld>
-</file>
-
-<file path=ppt/slides/slide21.xml><?xml version="1.0" encoding="utf-8"?>
-<p:sld xmlns:a="http://schemas.openxmlformats.org/drawingml/2006/main" xmlns:r="http://schemas.openxmlformats.org/officeDocument/2006/relationships" xmlns:p="http://schemas.openxmlformats.org/presentationml/2006/main">
-  <p:cSld>
-    <p:spTree>
-      <p:nvGrpSpPr>
-        <p:cNvPr id="1" name=""/>
-        <p:cNvGrpSpPr/>
-        <p:nvPr/>
-      </p:nvGrpSpPr>
-      <p:grpSpPr>
-        <a:xfrm>
-          <a:off x="0" y="0"/>
-          <a:ext cx="0" cy="0"/>
-          <a:chOff x="0" y="0"/>
-          <a:chExt cx="0" cy="0"/>
-        </a:xfrm>
-      </p:grpSpPr>
-      <p:pic>
-        <p:nvPicPr>
-          <p:cNvPr id="9" name="그림 8"/>
-          <p:cNvPicPr>
-            <a:picLocks noChangeAspect="1"/>
-          </p:cNvPicPr>
-          <p:nvPr/>
-        </p:nvPicPr>
-        <p:blipFill rotWithShape="1">
-          <a:blip r:embed="rId3" cstate="print">
-            <a:lum bright="70000" contrast="-70000"/>
-            <a:extLst>
-              <a:ext uri="{28A0092B-C50C-407E-A947-70E740481C1C}">
-                <a14:useLocalDpi xmlns:a14="http://schemas.microsoft.com/office/drawing/2010/main" xmlns="" val="0"/>
-              </a:ext>
-            </a:extLst>
-          </a:blip>
-          <a:srcRect t="7944" b="7944"/>
-          <a:stretch/>
-        </p:blipFill>
-        <p:spPr>
-          <a:xfrm>
-            <a:off x="0" y="0"/>
-            <a:ext cx="12192000" cy="6858000"/>
-          </a:xfrm>
-          <a:prstGeom prst="rect">
-            <a:avLst/>
-          </a:prstGeom>
-        </p:spPr>
-      </p:pic>
-      <p:sp>
-        <p:nvSpPr>
-          <p:cNvPr id="5" name="TextBox 4"/>
-          <p:cNvSpPr txBox="1"/>
-          <p:nvPr/>
-        </p:nvSpPr>
-        <p:spPr>
-          <a:xfrm>
-            <a:off x="210207" y="101598"/>
-            <a:ext cx="1156086" cy="553998"/>
-          </a:xfrm>
-          <a:prstGeom prst="rect">
-            <a:avLst/>
-          </a:prstGeom>
-          <a:noFill/>
-        </p:spPr>
-        <p:txBody>
-          <a:bodyPr wrap="none" rtlCol="0">
-            <a:spAutoFit/>
-          </a:bodyPr>
-          <a:lstStyle/>
-          <a:p>
-            <a:r>
-              <a:rPr lang="ko-KR" altLang="en-US" sz="3000" b="1" spc="-150" dirty="0" smtClean="0">
-                <a:ln>
-                  <a:solidFill>
-                    <a:schemeClr val="accent1">
-                      <a:shade val="50000"/>
-                      <a:alpha val="0"/>
-                    </a:schemeClr>
-                  </a:solidFill>
-                </a:ln>
-                <a:solidFill>
-                  <a:schemeClr val="tx1">
-                    <a:lumMod val="85000"/>
-                    <a:lumOff val="15000"/>
-                  </a:schemeClr>
-                </a:solidFill>
-                <a:latin typeface="나눔바른고딕" panose="020B0603020101020101" pitchFamily="50" charset="-127"/>
-                <a:ea typeface="나눔바른고딕" panose="020B0603020101020101" pitchFamily="50" charset="-127"/>
-              </a:rPr>
-              <a:t>전처리</a:t>
-            </a:r>
-            <a:endParaRPr lang="ko-KR" altLang="en-US" sz="3000" b="1" spc="-150" dirty="0">
-              <a:ln>
-                <a:solidFill>
-                  <a:schemeClr val="accent1">
-                    <a:shade val="50000"/>
-                    <a:alpha val="0"/>
-                  </a:schemeClr>
-                </a:solidFill>
-              </a:ln>
-              <a:solidFill>
-                <a:schemeClr val="tx1">
-                  <a:lumMod val="85000"/>
-                  <a:lumOff val="15000"/>
-                </a:schemeClr>
-              </a:solidFill>
-              <a:latin typeface="나눔바른고딕" panose="020B0603020101020101" pitchFamily="50" charset="-127"/>
-              <a:ea typeface="나눔바른고딕" panose="020B0603020101020101" pitchFamily="50" charset="-127"/>
-            </a:endParaRPr>
-          </a:p>
-        </p:txBody>
-      </p:sp>
-      <p:sp>
-        <p:nvSpPr>
-          <p:cNvPr id="6" name="직사각형 5"/>
-          <p:cNvSpPr/>
-          <p:nvPr/>
-        </p:nvSpPr>
-        <p:spPr>
-          <a:xfrm rot="5400000">
-            <a:off x="1636416" y="-954630"/>
-            <a:ext cx="131023" cy="3403853"/>
-          </a:xfrm>
-          <a:prstGeom prst="rect">
-            <a:avLst/>
-          </a:prstGeom>
-          <a:solidFill>
-            <a:srgbClr val="A40525"/>
-          </a:solidFill>
-          <a:ln>
-            <a:noFill/>
-          </a:ln>
-        </p:spPr>
-        <p:style>
-          <a:lnRef idx="2">
-            <a:schemeClr val="accent1">
-              <a:shade val="50000"/>
-            </a:schemeClr>
-          </a:lnRef>
-          <a:fillRef idx="1">
-            <a:schemeClr val="accent1"/>
-          </a:fillRef>
-          <a:effectRef idx="0">
-            <a:schemeClr val="accent1"/>
-          </a:effectRef>
-          <a:fontRef idx="minor">
-            <a:schemeClr val="lt1"/>
-          </a:fontRef>
-        </p:style>
-        <p:txBody>
-          <a:bodyPr rtlCol="0" anchor="ctr"/>
-          <a:lstStyle/>
-          <a:p>
-            <a:pPr algn="ctr"/>
-            <a:endParaRPr lang="ko-KR" altLang="en-US" dirty="0"/>
-          </a:p>
-        </p:txBody>
-      </p:sp>
-      <p:sp>
-        <p:nvSpPr>
-          <p:cNvPr id="7" name="직사각형 6"/>
-          <p:cNvSpPr/>
-          <p:nvPr/>
-        </p:nvSpPr>
-        <p:spPr>
-          <a:xfrm rot="5400000">
-            <a:off x="6055849" y="845693"/>
-            <a:ext cx="80301" cy="11509830"/>
-          </a:xfrm>
-          <a:prstGeom prst="rect">
-            <a:avLst/>
-          </a:prstGeom>
-          <a:solidFill>
-            <a:srgbClr val="A40525"/>
-          </a:solidFill>
-          <a:ln>
-            <a:noFill/>
-          </a:ln>
-        </p:spPr>
-        <p:style>
-          <a:lnRef idx="2">
-            <a:schemeClr val="accent1">
-              <a:shade val="50000"/>
-            </a:schemeClr>
-          </a:lnRef>
-          <a:fillRef idx="1">
-            <a:schemeClr val="accent1"/>
-          </a:fillRef>
-          <a:effectRef idx="0">
-            <a:schemeClr val="accent1"/>
-          </a:effectRef>
-          <a:fontRef idx="minor">
-            <a:schemeClr val="lt1"/>
-          </a:fontRef>
-        </p:style>
-        <p:txBody>
-          <a:bodyPr rtlCol="0" anchor="ctr"/>
-          <a:lstStyle/>
-          <a:p>
-            <a:pPr algn="ctr"/>
-            <a:endParaRPr lang="ko-KR" altLang="en-US" dirty="0"/>
-          </a:p>
-        </p:txBody>
-      </p:sp>
-      <p:sp>
-        <p:nvSpPr>
-          <p:cNvPr id="28" name="Freeform 6"/>
-          <p:cNvSpPr>
-            <a:spLocks noEditPoints="1"/>
-          </p:cNvSpPr>
-          <p:nvPr/>
-        </p:nvSpPr>
-        <p:spPr bwMode="auto">
-          <a:xfrm>
-            <a:off x="1687677" y="2607772"/>
-            <a:ext cx="850374" cy="791028"/>
-          </a:xfrm>
-          <a:custGeom>
-            <a:avLst/>
-            <a:gdLst>
-              <a:gd name="T0" fmla="*/ 1793 w 3525"/>
-              <a:gd name="T1" fmla="*/ 1094 h 3279"/>
-              <a:gd name="T2" fmla="*/ 1641 w 3525"/>
-              <a:gd name="T3" fmla="*/ 1256 h 3279"/>
-              <a:gd name="T4" fmla="*/ 1506 w 3525"/>
-              <a:gd name="T5" fmla="*/ 1508 h 3279"/>
-              <a:gd name="T6" fmla="*/ 1451 w 3525"/>
-              <a:gd name="T7" fmla="*/ 1797 h 3279"/>
-              <a:gd name="T8" fmla="*/ 1482 w 3525"/>
-              <a:gd name="T9" fmla="*/ 2079 h 3279"/>
-              <a:gd name="T10" fmla="*/ 1453 w 3525"/>
-              <a:gd name="T11" fmla="*/ 2178 h 3279"/>
-              <a:gd name="T12" fmla="*/ 1345 w 3525"/>
-              <a:gd name="T13" fmla="*/ 2060 h 3279"/>
-              <a:gd name="T14" fmla="*/ 1296 w 3525"/>
-              <a:gd name="T15" fmla="*/ 1888 h 3279"/>
-              <a:gd name="T16" fmla="*/ 1313 w 3525"/>
-              <a:gd name="T17" fmla="*/ 1684 h 3279"/>
-              <a:gd name="T18" fmla="*/ 1351 w 3525"/>
-              <a:gd name="T19" fmla="*/ 1558 h 3279"/>
-              <a:gd name="T20" fmla="*/ 1312 w 3525"/>
-              <a:gd name="T21" fmla="*/ 1547 h 3279"/>
-              <a:gd name="T22" fmla="*/ 1165 w 3525"/>
-              <a:gd name="T23" fmla="*/ 1687 h 3279"/>
-              <a:gd name="T24" fmla="*/ 1046 w 3525"/>
-              <a:gd name="T25" fmla="*/ 1904 h 3279"/>
-              <a:gd name="T26" fmla="*/ 1002 w 3525"/>
-              <a:gd name="T27" fmla="*/ 2159 h 3279"/>
-              <a:gd name="T28" fmla="*/ 1050 w 3525"/>
-              <a:gd name="T29" fmla="*/ 2428 h 3279"/>
-              <a:gd name="T30" fmla="*/ 1182 w 3525"/>
-              <a:gd name="T31" fmla="*/ 2656 h 3279"/>
-              <a:gd name="T32" fmla="*/ 1383 w 3525"/>
-              <a:gd name="T33" fmla="*/ 2826 h 3279"/>
-              <a:gd name="T34" fmla="*/ 1635 w 3525"/>
-              <a:gd name="T35" fmla="*/ 2918 h 3279"/>
-              <a:gd name="T36" fmla="*/ 1913 w 3525"/>
-              <a:gd name="T37" fmla="*/ 2918 h 3279"/>
-              <a:gd name="T38" fmla="*/ 2163 w 3525"/>
-              <a:gd name="T39" fmla="*/ 2826 h 3279"/>
-              <a:gd name="T40" fmla="*/ 2364 w 3525"/>
-              <a:gd name="T41" fmla="*/ 2657 h 3279"/>
-              <a:gd name="T42" fmla="*/ 2496 w 3525"/>
-              <a:gd name="T43" fmla="*/ 2428 h 3279"/>
-              <a:gd name="T44" fmla="*/ 2544 w 3525"/>
-              <a:gd name="T45" fmla="*/ 2160 h 3279"/>
-              <a:gd name="T46" fmla="*/ 2497 w 3525"/>
-              <a:gd name="T47" fmla="*/ 1897 h 3279"/>
-              <a:gd name="T48" fmla="*/ 2368 w 3525"/>
-              <a:gd name="T49" fmla="*/ 1673 h 3279"/>
-              <a:gd name="T50" fmla="*/ 2210 w 3525"/>
-              <a:gd name="T51" fmla="*/ 1530 h 3279"/>
-              <a:gd name="T52" fmla="*/ 2166 w 3525"/>
-              <a:gd name="T53" fmla="*/ 1535 h 3279"/>
-              <a:gd name="T54" fmla="*/ 2151 w 3525"/>
-              <a:gd name="T55" fmla="*/ 1609 h 3279"/>
-              <a:gd name="T56" fmla="*/ 2111 w 3525"/>
-              <a:gd name="T57" fmla="*/ 1719 h 3279"/>
-              <a:gd name="T58" fmla="*/ 2041 w 3525"/>
-              <a:gd name="T59" fmla="*/ 1809 h 3279"/>
-              <a:gd name="T60" fmla="*/ 1934 w 3525"/>
-              <a:gd name="T61" fmla="*/ 1846 h 3279"/>
-              <a:gd name="T62" fmla="*/ 1827 w 3525"/>
-              <a:gd name="T63" fmla="*/ 1569 h 3279"/>
-              <a:gd name="T64" fmla="*/ 1812 w 3525"/>
-              <a:gd name="T65" fmla="*/ 1262 h 3279"/>
-              <a:gd name="T66" fmla="*/ 1841 w 3525"/>
-              <a:gd name="T67" fmla="*/ 1098 h 3279"/>
-              <a:gd name="T68" fmla="*/ 1766 w 3525"/>
-              <a:gd name="T69" fmla="*/ 0 h 3279"/>
-              <a:gd name="T70" fmla="*/ 1954 w 3525"/>
-              <a:gd name="T71" fmla="*/ 33 h 3279"/>
-              <a:gd name="T72" fmla="*/ 2118 w 3525"/>
-              <a:gd name="T73" fmla="*/ 130 h 3279"/>
-              <a:gd name="T74" fmla="*/ 2447 w 3525"/>
-              <a:gd name="T75" fmla="*/ 165 h 3279"/>
-              <a:gd name="T76" fmla="*/ 2516 w 3525"/>
-              <a:gd name="T77" fmla="*/ 48 h 3279"/>
-              <a:gd name="T78" fmla="*/ 2647 w 3525"/>
-              <a:gd name="T79" fmla="*/ 0 h 3279"/>
-              <a:gd name="T80" fmla="*/ 2913 w 3525"/>
-              <a:gd name="T81" fmla="*/ 22 h 3279"/>
-              <a:gd name="T82" fmla="*/ 3000 w 3525"/>
-              <a:gd name="T83" fmla="*/ 107 h 3279"/>
-              <a:gd name="T84" fmla="*/ 3022 w 3525"/>
-              <a:gd name="T85" fmla="*/ 1050 h 3279"/>
-              <a:gd name="T86" fmla="*/ 3500 w 3525"/>
-              <a:gd name="T87" fmla="*/ 1572 h 3279"/>
-              <a:gd name="T88" fmla="*/ 3522 w 3525"/>
-              <a:gd name="T89" fmla="*/ 1726 h 3279"/>
-              <a:gd name="T90" fmla="*/ 3466 w 3525"/>
-              <a:gd name="T91" fmla="*/ 1859 h 3279"/>
-              <a:gd name="T92" fmla="*/ 3352 w 3525"/>
-              <a:gd name="T93" fmla="*/ 1948 h 3279"/>
-              <a:gd name="T94" fmla="*/ 3023 w 3525"/>
-              <a:gd name="T95" fmla="*/ 1971 h 3279"/>
-              <a:gd name="T96" fmla="*/ 2999 w 3525"/>
-              <a:gd name="T97" fmla="*/ 3085 h 3279"/>
-              <a:gd name="T98" fmla="*/ 2900 w 3525"/>
-              <a:gd name="T99" fmla="*/ 3213 h 3279"/>
-              <a:gd name="T100" fmla="*/ 2749 w 3525"/>
-              <a:gd name="T101" fmla="*/ 3277 h 3279"/>
-              <a:gd name="T102" fmla="*/ 734 w 3525"/>
-              <a:gd name="T103" fmla="*/ 3269 h 3279"/>
-              <a:gd name="T104" fmla="*/ 594 w 3525"/>
-              <a:gd name="T105" fmla="*/ 3187 h 3279"/>
-              <a:gd name="T106" fmla="*/ 512 w 3525"/>
-              <a:gd name="T107" fmla="*/ 3047 h 3279"/>
-              <a:gd name="T108" fmla="*/ 290 w 3525"/>
-              <a:gd name="T109" fmla="*/ 1972 h 3279"/>
-              <a:gd name="T110" fmla="*/ 142 w 3525"/>
-              <a:gd name="T111" fmla="*/ 1932 h 3279"/>
-              <a:gd name="T112" fmla="*/ 40 w 3525"/>
-              <a:gd name="T113" fmla="*/ 1830 h 3279"/>
-              <a:gd name="T114" fmla="*/ 0 w 3525"/>
-              <a:gd name="T115" fmla="*/ 1688 h 3279"/>
-              <a:gd name="T116" fmla="*/ 43 w 3525"/>
-              <a:gd name="T117" fmla="*/ 1533 h 3279"/>
-              <a:gd name="T118" fmla="*/ 1417 w 3525"/>
-              <a:gd name="T119" fmla="*/ 126 h 3279"/>
-              <a:gd name="T120" fmla="*/ 1609 w 3525"/>
-              <a:gd name="T121" fmla="*/ 24 h 3279"/>
-            </a:gdLst>
-            <a:ahLst/>
-            <a:cxnLst>
-              <a:cxn ang="0">
-                <a:pos x="T0" y="T1"/>
-              </a:cxn>
-              <a:cxn ang="0">
-                <a:pos x="T2" y="T3"/>
-              </a:cxn>
-              <a:cxn ang="0">
-                <a:pos x="T4" y="T5"/>
-              </a:cxn>
-              <a:cxn ang="0">
-                <a:pos x="T6" y="T7"/>
-              </a:cxn>
-              <a:cxn ang="0">
-                <a:pos x="T8" y="T9"/>
-              </a:cxn>
-              <a:cxn ang="0">
-                <a:pos x="T10" y="T11"/>
-              </a:cxn>
-              <a:cxn ang="0">
-                <a:pos x="T12" y="T13"/>
-              </a:cxn>
-              <a:cxn ang="0">
-                <a:pos x="T14" y="T15"/>
-              </a:cxn>
-              <a:cxn ang="0">
-                <a:pos x="T16" y="T17"/>
-              </a:cxn>
-              <a:cxn ang="0">
-                <a:pos x="T18" y="T19"/>
-              </a:cxn>
-              <a:cxn ang="0">
-                <a:pos x="T20" y="T21"/>
-              </a:cxn>
-              <a:cxn ang="0">
-                <a:pos x="T22" y="T23"/>
-              </a:cxn>
-              <a:cxn ang="0">
-                <a:pos x="T24" y="T25"/>
-              </a:cxn>
-              <a:cxn ang="0">
-                <a:pos x="T26" y="T27"/>
-              </a:cxn>
-              <a:cxn ang="0">
-                <a:pos x="T28" y="T29"/>
-              </a:cxn>
-              <a:cxn ang="0">
-                <a:pos x="T30" y="T31"/>
-              </a:cxn>
-              <a:cxn ang="0">
-                <a:pos x="T32" y="T33"/>
-              </a:cxn>
-              <a:cxn ang="0">
-                <a:pos x="T34" y="T35"/>
-              </a:cxn>
-              <a:cxn ang="0">
-                <a:pos x="T36" y="T37"/>
-              </a:cxn>
-              <a:cxn ang="0">
-                <a:pos x="T38" y="T39"/>
-              </a:cxn>
-              <a:cxn ang="0">
-                <a:pos x="T40" y="T41"/>
-              </a:cxn>
-              <a:cxn ang="0">
-                <a:pos x="T42" y="T43"/>
-              </a:cxn>
-              <a:cxn ang="0">
-                <a:pos x="T44" y="T45"/>
-              </a:cxn>
-              <a:cxn ang="0">
-                <a:pos x="T46" y="T47"/>
-              </a:cxn>
-              <a:cxn ang="0">
-                <a:pos x="T48" y="T49"/>
-              </a:cxn>
-              <a:cxn ang="0">
-                <a:pos x="T50" y="T51"/>
-              </a:cxn>
-              <a:cxn ang="0">
-                <a:pos x="T52" y="T53"/>
-              </a:cxn>
-              <a:cxn ang="0">
-                <a:pos x="T54" y="T55"/>
-              </a:cxn>
-              <a:cxn ang="0">
-                <a:pos x="T56" y="T57"/>
-              </a:cxn>
-              <a:cxn ang="0">
-                <a:pos x="T58" y="T59"/>
-              </a:cxn>
-              <a:cxn ang="0">
-                <a:pos x="T60" y="T61"/>
-              </a:cxn>
-              <a:cxn ang="0">
-                <a:pos x="T62" y="T63"/>
-              </a:cxn>
-              <a:cxn ang="0">
-                <a:pos x="T64" y="T65"/>
-              </a:cxn>
-              <a:cxn ang="0">
-                <a:pos x="T66" y="T67"/>
-              </a:cxn>
-              <a:cxn ang="0">
-                <a:pos x="T68" y="T69"/>
-              </a:cxn>
-              <a:cxn ang="0">
-                <a:pos x="T70" y="T71"/>
-              </a:cxn>
-              <a:cxn ang="0">
-                <a:pos x="T72" y="T73"/>
-              </a:cxn>
-              <a:cxn ang="0">
-                <a:pos x="T74" y="T75"/>
-              </a:cxn>
-              <a:cxn ang="0">
-                <a:pos x="T76" y="T77"/>
-              </a:cxn>
-              <a:cxn ang="0">
-                <a:pos x="T78" y="T79"/>
-              </a:cxn>
-              <a:cxn ang="0">
-                <a:pos x="T80" y="T81"/>
-              </a:cxn>
-              <a:cxn ang="0">
-                <a:pos x="T82" y="T83"/>
-              </a:cxn>
-              <a:cxn ang="0">
-                <a:pos x="T84" y="T85"/>
-              </a:cxn>
-              <a:cxn ang="0">
-                <a:pos x="T86" y="T87"/>
-              </a:cxn>
-              <a:cxn ang="0">
-                <a:pos x="T88" y="T89"/>
-              </a:cxn>
-              <a:cxn ang="0">
-                <a:pos x="T90" y="T91"/>
-              </a:cxn>
-              <a:cxn ang="0">
-                <a:pos x="T92" y="T93"/>
-              </a:cxn>
-              <a:cxn ang="0">
-                <a:pos x="T94" y="T95"/>
-              </a:cxn>
-              <a:cxn ang="0">
-                <a:pos x="T96" y="T97"/>
-              </a:cxn>
-              <a:cxn ang="0">
-                <a:pos x="T98" y="T99"/>
-              </a:cxn>
-              <a:cxn ang="0">
-                <a:pos x="T100" y="T101"/>
-              </a:cxn>
-              <a:cxn ang="0">
-                <a:pos x="T102" y="T103"/>
-              </a:cxn>
-              <a:cxn ang="0">
-                <a:pos x="T104" y="T105"/>
-              </a:cxn>
-              <a:cxn ang="0">
-                <a:pos x="T106" y="T107"/>
-              </a:cxn>
-              <a:cxn ang="0">
-                <a:pos x="T108" y="T109"/>
-              </a:cxn>
-              <a:cxn ang="0">
-                <a:pos x="T110" y="T111"/>
-              </a:cxn>
-              <a:cxn ang="0">
-                <a:pos x="T112" y="T113"/>
-              </a:cxn>
-              <a:cxn ang="0">
-                <a:pos x="T114" y="T115"/>
-              </a:cxn>
-              <a:cxn ang="0">
-                <a:pos x="T116" y="T117"/>
-              </a:cxn>
-              <a:cxn ang="0">
-                <a:pos x="T118" y="T119"/>
-              </a:cxn>
-              <a:cxn ang="0">
-                <a:pos x="T120" y="T121"/>
-              </a:cxn>
-            </a:cxnLst>
-            <a:rect l="0" t="0" r="r" b="b"/>
-            <a:pathLst>
-              <a:path w="3525" h="3279">
-                <a:moveTo>
-                  <a:pt x="1824" y="1082"/>
-                </a:moveTo>
-                <a:lnTo>
-                  <a:pt x="1814" y="1083"/>
-                </a:lnTo>
-                <a:lnTo>
-                  <a:pt x="1804" y="1087"/>
-                </a:lnTo>
-                <a:lnTo>
-                  <a:pt x="1793" y="1094"/>
-                </a:lnTo>
-                <a:lnTo>
-                  <a:pt x="1785" y="1101"/>
-                </a:lnTo>
-                <a:lnTo>
-                  <a:pt x="1734" y="1149"/>
-                </a:lnTo>
-                <a:lnTo>
-                  <a:pt x="1686" y="1201"/>
-                </a:lnTo>
-                <a:lnTo>
-                  <a:pt x="1641" y="1256"/>
-                </a:lnTo>
-                <a:lnTo>
-                  <a:pt x="1601" y="1314"/>
-                </a:lnTo>
-                <a:lnTo>
-                  <a:pt x="1565" y="1376"/>
-                </a:lnTo>
-                <a:lnTo>
-                  <a:pt x="1533" y="1440"/>
-                </a:lnTo>
-                <a:lnTo>
-                  <a:pt x="1506" y="1508"/>
-                </a:lnTo>
-                <a:lnTo>
-                  <a:pt x="1484" y="1578"/>
-                </a:lnTo>
-                <a:lnTo>
-                  <a:pt x="1467" y="1650"/>
-                </a:lnTo>
-                <a:lnTo>
-                  <a:pt x="1456" y="1725"/>
-                </a:lnTo>
-                <a:lnTo>
-                  <a:pt x="1451" y="1797"/>
-                </a:lnTo>
-                <a:lnTo>
-                  <a:pt x="1451" y="1870"/>
-                </a:lnTo>
-                <a:lnTo>
-                  <a:pt x="1456" y="1941"/>
-                </a:lnTo>
-                <a:lnTo>
-                  <a:pt x="1466" y="2010"/>
-                </a:lnTo>
-                <a:lnTo>
-                  <a:pt x="1482" y="2079"/>
-                </a:lnTo>
-                <a:lnTo>
-                  <a:pt x="1502" y="2145"/>
-                </a:lnTo>
-                <a:lnTo>
-                  <a:pt x="1527" y="2210"/>
-                </a:lnTo>
-                <a:lnTo>
-                  <a:pt x="1488" y="2196"/>
-                </a:lnTo>
-                <a:lnTo>
-                  <a:pt x="1453" y="2178"/>
-                </a:lnTo>
-                <a:lnTo>
-                  <a:pt x="1421" y="2155"/>
-                </a:lnTo>
-                <a:lnTo>
-                  <a:pt x="1392" y="2127"/>
-                </a:lnTo>
-                <a:lnTo>
-                  <a:pt x="1366" y="2096"/>
-                </a:lnTo>
-                <a:lnTo>
-                  <a:pt x="1345" y="2060"/>
-                </a:lnTo>
-                <a:lnTo>
-                  <a:pt x="1327" y="2022"/>
-                </a:lnTo>
-                <a:lnTo>
-                  <a:pt x="1312" y="1980"/>
-                </a:lnTo>
-                <a:lnTo>
-                  <a:pt x="1302" y="1935"/>
-                </a:lnTo>
-                <a:lnTo>
-                  <a:pt x="1296" y="1888"/>
-                </a:lnTo>
-                <a:lnTo>
-                  <a:pt x="1294" y="1839"/>
-                </a:lnTo>
-                <a:lnTo>
-                  <a:pt x="1296" y="1789"/>
-                </a:lnTo>
-                <a:lnTo>
-                  <a:pt x="1302" y="1736"/>
-                </a:lnTo>
-                <a:lnTo>
-                  <a:pt x="1313" y="1684"/>
-                </a:lnTo>
-                <a:lnTo>
-                  <a:pt x="1329" y="1630"/>
-                </a:lnTo>
-                <a:lnTo>
-                  <a:pt x="1350" y="1576"/>
-                </a:lnTo>
-                <a:lnTo>
-                  <a:pt x="1353" y="1566"/>
-                </a:lnTo>
-                <a:lnTo>
-                  <a:pt x="1351" y="1558"/>
-                </a:lnTo>
-                <a:lnTo>
-                  <a:pt x="1346" y="1550"/>
-                </a:lnTo>
-                <a:lnTo>
-                  <a:pt x="1337" y="1546"/>
-                </a:lnTo>
-                <a:lnTo>
-                  <a:pt x="1326" y="1544"/>
-                </a:lnTo>
-                <a:lnTo>
-                  <a:pt x="1312" y="1547"/>
-                </a:lnTo>
-                <a:lnTo>
-                  <a:pt x="1296" y="1556"/>
-                </a:lnTo>
-                <a:lnTo>
-                  <a:pt x="1249" y="1596"/>
-                </a:lnTo>
-                <a:lnTo>
-                  <a:pt x="1206" y="1640"/>
-                </a:lnTo>
-                <a:lnTo>
-                  <a:pt x="1165" y="1687"/>
-                </a:lnTo>
-                <a:lnTo>
-                  <a:pt x="1129" y="1736"/>
-                </a:lnTo>
-                <a:lnTo>
-                  <a:pt x="1097" y="1790"/>
-                </a:lnTo>
-                <a:lnTo>
-                  <a:pt x="1069" y="1846"/>
-                </a:lnTo>
-                <a:lnTo>
-                  <a:pt x="1046" y="1904"/>
-                </a:lnTo>
-                <a:lnTo>
-                  <a:pt x="1026" y="1964"/>
-                </a:lnTo>
-                <a:lnTo>
-                  <a:pt x="1012" y="2027"/>
-                </a:lnTo>
-                <a:lnTo>
-                  <a:pt x="1005" y="2093"/>
-                </a:lnTo>
-                <a:lnTo>
-                  <a:pt x="1002" y="2159"/>
-                </a:lnTo>
-                <a:lnTo>
-                  <a:pt x="1005" y="2229"/>
-                </a:lnTo>
-                <a:lnTo>
-                  <a:pt x="1015" y="2298"/>
-                </a:lnTo>
-                <a:lnTo>
-                  <a:pt x="1030" y="2364"/>
-                </a:lnTo>
-                <a:lnTo>
-                  <a:pt x="1050" y="2428"/>
-                </a:lnTo>
-                <a:lnTo>
-                  <a:pt x="1076" y="2490"/>
-                </a:lnTo>
-                <a:lnTo>
-                  <a:pt x="1107" y="2549"/>
-                </a:lnTo>
-                <a:lnTo>
-                  <a:pt x="1143" y="2605"/>
-                </a:lnTo>
-                <a:lnTo>
-                  <a:pt x="1182" y="2656"/>
-                </a:lnTo>
-                <a:lnTo>
-                  <a:pt x="1227" y="2705"/>
-                </a:lnTo>
-                <a:lnTo>
-                  <a:pt x="1275" y="2749"/>
-                </a:lnTo>
-                <a:lnTo>
-                  <a:pt x="1328" y="2790"/>
-                </a:lnTo>
-                <a:lnTo>
-                  <a:pt x="1383" y="2826"/>
-                </a:lnTo>
-                <a:lnTo>
-                  <a:pt x="1442" y="2857"/>
-                </a:lnTo>
-                <a:lnTo>
-                  <a:pt x="1504" y="2883"/>
-                </a:lnTo>
-                <a:lnTo>
-                  <a:pt x="1568" y="2903"/>
-                </a:lnTo>
-                <a:lnTo>
-                  <a:pt x="1635" y="2918"/>
-                </a:lnTo>
-                <a:lnTo>
-                  <a:pt x="1703" y="2928"/>
-                </a:lnTo>
-                <a:lnTo>
-                  <a:pt x="1774" y="2931"/>
-                </a:lnTo>
-                <a:lnTo>
-                  <a:pt x="1844" y="2928"/>
-                </a:lnTo>
-                <a:lnTo>
-                  <a:pt x="1913" y="2918"/>
-                </a:lnTo>
-                <a:lnTo>
-                  <a:pt x="1979" y="2903"/>
-                </a:lnTo>
-                <a:lnTo>
-                  <a:pt x="2043" y="2883"/>
-                </a:lnTo>
-                <a:lnTo>
-                  <a:pt x="2104" y="2857"/>
-                </a:lnTo>
-                <a:lnTo>
-                  <a:pt x="2163" y="2826"/>
-                </a:lnTo>
-                <a:lnTo>
-                  <a:pt x="2218" y="2790"/>
-                </a:lnTo>
-                <a:lnTo>
-                  <a:pt x="2271" y="2749"/>
-                </a:lnTo>
-                <a:lnTo>
-                  <a:pt x="2319" y="2705"/>
-                </a:lnTo>
-                <a:lnTo>
-                  <a:pt x="2364" y="2657"/>
-                </a:lnTo>
-                <a:lnTo>
-                  <a:pt x="2403" y="2605"/>
-                </a:lnTo>
-                <a:lnTo>
-                  <a:pt x="2440" y="2549"/>
-                </a:lnTo>
-                <a:lnTo>
-                  <a:pt x="2471" y="2490"/>
-                </a:lnTo>
-                <a:lnTo>
-                  <a:pt x="2496" y="2428"/>
-                </a:lnTo>
-                <a:lnTo>
-                  <a:pt x="2518" y="2365"/>
-                </a:lnTo>
-                <a:lnTo>
-                  <a:pt x="2533" y="2298"/>
-                </a:lnTo>
-                <a:lnTo>
-                  <a:pt x="2541" y="2229"/>
-                </a:lnTo>
-                <a:lnTo>
-                  <a:pt x="2544" y="2160"/>
-                </a:lnTo>
-                <a:lnTo>
-                  <a:pt x="2541" y="2090"/>
-                </a:lnTo>
-                <a:lnTo>
-                  <a:pt x="2533" y="2024"/>
-                </a:lnTo>
-                <a:lnTo>
-                  <a:pt x="2518" y="1959"/>
-                </a:lnTo>
-                <a:lnTo>
-                  <a:pt x="2497" y="1897"/>
-                </a:lnTo>
-                <a:lnTo>
-                  <a:pt x="2473" y="1836"/>
-                </a:lnTo>
-                <a:lnTo>
-                  <a:pt x="2442" y="1779"/>
-                </a:lnTo>
-                <a:lnTo>
-                  <a:pt x="2408" y="1725"/>
-                </a:lnTo>
-                <a:lnTo>
-                  <a:pt x="2368" y="1673"/>
-                </a:lnTo>
-                <a:lnTo>
-                  <a:pt x="2325" y="1625"/>
-                </a:lnTo>
-                <a:lnTo>
-                  <a:pt x="2278" y="1581"/>
-                </a:lnTo>
-                <a:lnTo>
-                  <a:pt x="2227" y="1541"/>
-                </a:lnTo>
-                <a:lnTo>
-                  <a:pt x="2210" y="1530"/>
-                </a:lnTo>
-                <a:lnTo>
-                  <a:pt x="2195" y="1525"/>
-                </a:lnTo>
-                <a:lnTo>
-                  <a:pt x="2183" y="1525"/>
-                </a:lnTo>
-                <a:lnTo>
-                  <a:pt x="2173" y="1528"/>
-                </a:lnTo>
-                <a:lnTo>
-                  <a:pt x="2166" y="1535"/>
-                </a:lnTo>
-                <a:lnTo>
-                  <a:pt x="2162" y="1545"/>
-                </a:lnTo>
-                <a:lnTo>
-                  <a:pt x="2161" y="1556"/>
-                </a:lnTo>
-                <a:lnTo>
-                  <a:pt x="2156" y="1581"/>
-                </a:lnTo>
-                <a:lnTo>
-                  <a:pt x="2151" y="1609"/>
-                </a:lnTo>
-                <a:lnTo>
-                  <a:pt x="2144" y="1637"/>
-                </a:lnTo>
-                <a:lnTo>
-                  <a:pt x="2135" y="1665"/>
-                </a:lnTo>
-                <a:lnTo>
-                  <a:pt x="2124" y="1693"/>
-                </a:lnTo>
-                <a:lnTo>
-                  <a:pt x="2111" y="1719"/>
-                </a:lnTo>
-                <a:lnTo>
-                  <a:pt x="2096" y="1745"/>
-                </a:lnTo>
-                <a:lnTo>
-                  <a:pt x="2080" y="1769"/>
-                </a:lnTo>
-                <a:lnTo>
-                  <a:pt x="2062" y="1790"/>
-                </a:lnTo>
-                <a:lnTo>
-                  <a:pt x="2041" y="1809"/>
-                </a:lnTo>
-                <a:lnTo>
-                  <a:pt x="2017" y="1824"/>
-                </a:lnTo>
-                <a:lnTo>
-                  <a:pt x="1992" y="1836"/>
-                </a:lnTo>
-                <a:lnTo>
-                  <a:pt x="1964" y="1843"/>
-                </a:lnTo>
-                <a:lnTo>
-                  <a:pt x="1934" y="1846"/>
-                </a:lnTo>
-                <a:lnTo>
-                  <a:pt x="1899" y="1780"/>
-                </a:lnTo>
-                <a:lnTo>
-                  <a:pt x="1870" y="1712"/>
-                </a:lnTo>
-                <a:lnTo>
-                  <a:pt x="1845" y="1641"/>
-                </a:lnTo>
-                <a:lnTo>
-                  <a:pt x="1827" y="1569"/>
-                </a:lnTo>
-                <a:lnTo>
-                  <a:pt x="1814" y="1494"/>
-                </a:lnTo>
-                <a:lnTo>
-                  <a:pt x="1807" y="1418"/>
-                </a:lnTo>
-                <a:lnTo>
-                  <a:pt x="1807" y="1341"/>
-                </a:lnTo>
-                <a:lnTo>
-                  <a:pt x="1812" y="1262"/>
-                </a:lnTo>
-                <a:lnTo>
-                  <a:pt x="1819" y="1211"/>
-                </a:lnTo>
-                <a:lnTo>
-                  <a:pt x="1828" y="1160"/>
-                </a:lnTo>
-                <a:lnTo>
-                  <a:pt x="1840" y="1109"/>
-                </a:lnTo>
-                <a:lnTo>
-                  <a:pt x="1841" y="1098"/>
-                </a:lnTo>
-                <a:lnTo>
-                  <a:pt x="1838" y="1090"/>
-                </a:lnTo>
-                <a:lnTo>
-                  <a:pt x="1832" y="1083"/>
-                </a:lnTo>
-                <a:lnTo>
-                  <a:pt x="1824" y="1082"/>
-                </a:lnTo>
-                <a:close/>
-                <a:moveTo>
-                  <a:pt x="1766" y="0"/>
-                </a:moveTo>
-                <a:lnTo>
-                  <a:pt x="1814" y="2"/>
-                </a:lnTo>
-                <a:lnTo>
-                  <a:pt x="1861" y="9"/>
-                </a:lnTo>
-                <a:lnTo>
-                  <a:pt x="1908" y="19"/>
-                </a:lnTo>
-                <a:lnTo>
-                  <a:pt x="1954" y="33"/>
-                </a:lnTo>
-                <a:lnTo>
-                  <a:pt x="1998" y="51"/>
-                </a:lnTo>
-                <a:lnTo>
-                  <a:pt x="2040" y="74"/>
-                </a:lnTo>
-                <a:lnTo>
-                  <a:pt x="2080" y="101"/>
-                </a:lnTo>
-                <a:lnTo>
-                  <a:pt x="2118" y="130"/>
-                </a:lnTo>
-                <a:lnTo>
-                  <a:pt x="2153" y="165"/>
-                </a:lnTo>
-                <a:lnTo>
-                  <a:pt x="2444" y="459"/>
-                </a:lnTo>
-                <a:lnTo>
-                  <a:pt x="2444" y="200"/>
-                </a:lnTo>
-                <a:lnTo>
-                  <a:pt x="2447" y="165"/>
-                </a:lnTo>
-                <a:lnTo>
-                  <a:pt x="2456" y="130"/>
-                </a:lnTo>
-                <a:lnTo>
-                  <a:pt x="2471" y="99"/>
-                </a:lnTo>
-                <a:lnTo>
-                  <a:pt x="2491" y="72"/>
-                </a:lnTo>
-                <a:lnTo>
-                  <a:pt x="2516" y="48"/>
-                </a:lnTo>
-                <a:lnTo>
-                  <a:pt x="2544" y="28"/>
-                </a:lnTo>
-                <a:lnTo>
-                  <a:pt x="2575" y="13"/>
-                </a:lnTo>
-                <a:lnTo>
-                  <a:pt x="2611" y="3"/>
-                </a:lnTo>
-                <a:lnTo>
-                  <a:pt x="2647" y="0"/>
-                </a:lnTo>
-                <a:lnTo>
-                  <a:pt x="2819" y="0"/>
-                </a:lnTo>
-                <a:lnTo>
-                  <a:pt x="2852" y="3"/>
-                </a:lnTo>
-                <a:lnTo>
-                  <a:pt x="2884" y="11"/>
-                </a:lnTo>
-                <a:lnTo>
-                  <a:pt x="2913" y="22"/>
-                </a:lnTo>
-                <a:lnTo>
-                  <a:pt x="2940" y="38"/>
-                </a:lnTo>
-                <a:lnTo>
-                  <a:pt x="2964" y="58"/>
-                </a:lnTo>
-                <a:lnTo>
-                  <a:pt x="2984" y="81"/>
-                </a:lnTo>
-                <a:lnTo>
-                  <a:pt x="3000" y="107"/>
-                </a:lnTo>
-                <a:lnTo>
-                  <a:pt x="3013" y="136"/>
-                </a:lnTo>
-                <a:lnTo>
-                  <a:pt x="3020" y="167"/>
-                </a:lnTo>
-                <a:lnTo>
-                  <a:pt x="3022" y="200"/>
-                </a:lnTo>
-                <a:lnTo>
-                  <a:pt x="3022" y="1050"/>
-                </a:lnTo>
-                <a:lnTo>
-                  <a:pt x="3422" y="1457"/>
-                </a:lnTo>
-                <a:lnTo>
-                  <a:pt x="3454" y="1495"/>
-                </a:lnTo>
-                <a:lnTo>
-                  <a:pt x="3481" y="1532"/>
-                </a:lnTo>
-                <a:lnTo>
-                  <a:pt x="3500" y="1572"/>
-                </a:lnTo>
-                <a:lnTo>
-                  <a:pt x="3514" y="1610"/>
-                </a:lnTo>
-                <a:lnTo>
-                  <a:pt x="3522" y="1650"/>
-                </a:lnTo>
-                <a:lnTo>
-                  <a:pt x="3525" y="1688"/>
-                </a:lnTo>
-                <a:lnTo>
-                  <a:pt x="3522" y="1726"/>
-                </a:lnTo>
-                <a:lnTo>
-                  <a:pt x="3514" y="1762"/>
-                </a:lnTo>
-                <a:lnTo>
-                  <a:pt x="3502" y="1796"/>
-                </a:lnTo>
-                <a:lnTo>
-                  <a:pt x="3486" y="1828"/>
-                </a:lnTo>
-                <a:lnTo>
-                  <a:pt x="3466" y="1859"/>
-                </a:lnTo>
-                <a:lnTo>
-                  <a:pt x="3442" y="1886"/>
-                </a:lnTo>
-                <a:lnTo>
-                  <a:pt x="3415" y="1911"/>
-                </a:lnTo>
-                <a:lnTo>
-                  <a:pt x="3385" y="1931"/>
-                </a:lnTo>
-                <a:lnTo>
-                  <a:pt x="3352" y="1948"/>
-                </a:lnTo>
-                <a:lnTo>
-                  <a:pt x="3316" y="1960"/>
-                </a:lnTo>
-                <a:lnTo>
-                  <a:pt x="3279" y="1969"/>
-                </a:lnTo>
-                <a:lnTo>
-                  <a:pt x="3239" y="1971"/>
-                </a:lnTo>
-                <a:lnTo>
-                  <a:pt x="3023" y="1971"/>
-                </a:lnTo>
-                <a:lnTo>
-                  <a:pt x="3023" y="2962"/>
-                </a:lnTo>
-                <a:lnTo>
-                  <a:pt x="3020" y="3005"/>
-                </a:lnTo>
-                <a:lnTo>
-                  <a:pt x="3012" y="3045"/>
-                </a:lnTo>
-                <a:lnTo>
-                  <a:pt x="2999" y="3085"/>
-                </a:lnTo>
-                <a:lnTo>
-                  <a:pt x="2981" y="3121"/>
-                </a:lnTo>
-                <a:lnTo>
-                  <a:pt x="2957" y="3155"/>
-                </a:lnTo>
-                <a:lnTo>
-                  <a:pt x="2930" y="3185"/>
-                </a:lnTo>
-                <a:lnTo>
-                  <a:pt x="2900" y="3213"/>
-                </a:lnTo>
-                <a:lnTo>
-                  <a:pt x="2866" y="3236"/>
-                </a:lnTo>
-                <a:lnTo>
-                  <a:pt x="2830" y="3255"/>
-                </a:lnTo>
-                <a:lnTo>
-                  <a:pt x="2790" y="3269"/>
-                </a:lnTo>
-                <a:lnTo>
-                  <a:pt x="2749" y="3277"/>
-                </a:lnTo>
-                <a:lnTo>
-                  <a:pt x="2706" y="3279"/>
-                </a:lnTo>
-                <a:lnTo>
-                  <a:pt x="818" y="3279"/>
-                </a:lnTo>
-                <a:lnTo>
-                  <a:pt x="775" y="3277"/>
-                </a:lnTo>
-                <a:lnTo>
-                  <a:pt x="734" y="3269"/>
-                </a:lnTo>
-                <a:lnTo>
-                  <a:pt x="695" y="3255"/>
-                </a:lnTo>
-                <a:lnTo>
-                  <a:pt x="659" y="3237"/>
-                </a:lnTo>
-                <a:lnTo>
-                  <a:pt x="625" y="3214"/>
-                </a:lnTo>
-                <a:lnTo>
-                  <a:pt x="594" y="3187"/>
-                </a:lnTo>
-                <a:lnTo>
-                  <a:pt x="568" y="3156"/>
-                </a:lnTo>
-                <a:lnTo>
-                  <a:pt x="544" y="3122"/>
-                </a:lnTo>
-                <a:lnTo>
-                  <a:pt x="526" y="3086"/>
-                </a:lnTo>
-                <a:lnTo>
-                  <a:pt x="512" y="3047"/>
-                </a:lnTo>
-                <a:lnTo>
-                  <a:pt x="504" y="3006"/>
-                </a:lnTo>
-                <a:lnTo>
-                  <a:pt x="500" y="2962"/>
-                </a:lnTo>
-                <a:lnTo>
-                  <a:pt x="500" y="1972"/>
-                </a:lnTo>
-                <a:lnTo>
-                  <a:pt x="290" y="1972"/>
-                </a:lnTo>
-                <a:lnTo>
-                  <a:pt x="249" y="1969"/>
-                </a:lnTo>
-                <a:lnTo>
-                  <a:pt x="212" y="1961"/>
-                </a:lnTo>
-                <a:lnTo>
-                  <a:pt x="176" y="1948"/>
-                </a:lnTo>
-                <a:lnTo>
-                  <a:pt x="142" y="1932"/>
-                </a:lnTo>
-                <a:lnTo>
-                  <a:pt x="112" y="1911"/>
-                </a:lnTo>
-                <a:lnTo>
-                  <a:pt x="84" y="1887"/>
-                </a:lnTo>
-                <a:lnTo>
-                  <a:pt x="60" y="1859"/>
-                </a:lnTo>
-                <a:lnTo>
-                  <a:pt x="40" y="1830"/>
-                </a:lnTo>
-                <a:lnTo>
-                  <a:pt x="24" y="1797"/>
-                </a:lnTo>
-                <a:lnTo>
-                  <a:pt x="11" y="1762"/>
-                </a:lnTo>
-                <a:lnTo>
-                  <a:pt x="3" y="1726"/>
-                </a:lnTo>
-                <a:lnTo>
-                  <a:pt x="0" y="1688"/>
-                </a:lnTo>
-                <a:lnTo>
-                  <a:pt x="2" y="1650"/>
-                </a:lnTo>
-                <a:lnTo>
-                  <a:pt x="10" y="1611"/>
-                </a:lnTo>
-                <a:lnTo>
-                  <a:pt x="24" y="1572"/>
-                </a:lnTo>
-                <a:lnTo>
-                  <a:pt x="43" y="1533"/>
-                </a:lnTo>
-                <a:lnTo>
-                  <a:pt x="68" y="1495"/>
-                </a:lnTo>
-                <a:lnTo>
-                  <a:pt x="102" y="1458"/>
-                </a:lnTo>
-                <a:lnTo>
-                  <a:pt x="1374" y="165"/>
-                </a:lnTo>
-                <a:lnTo>
-                  <a:pt x="1417" y="126"/>
-                </a:lnTo>
-                <a:lnTo>
-                  <a:pt x="1461" y="93"/>
-                </a:lnTo>
-                <a:lnTo>
-                  <a:pt x="1508" y="65"/>
-                </a:lnTo>
-                <a:lnTo>
-                  <a:pt x="1558" y="42"/>
-                </a:lnTo>
-                <a:lnTo>
-                  <a:pt x="1609" y="24"/>
-                </a:lnTo>
-                <a:lnTo>
-                  <a:pt x="1660" y="11"/>
-                </a:lnTo>
-                <a:lnTo>
-                  <a:pt x="1713" y="3"/>
-                </a:lnTo>
-                <a:lnTo>
-                  <a:pt x="1766" y="0"/>
-                </a:lnTo>
-                <a:close/>
-              </a:path>
-            </a:pathLst>
-          </a:custGeom>
-          <a:solidFill>
-            <a:schemeClr val="bg1"/>
-          </a:solidFill>
-          <a:ln w="0">
-            <a:noFill/>
-            <a:prstDash val="solid"/>
-            <a:round/>
-            <a:headEnd/>
-            <a:tailEnd/>
-          </a:ln>
-        </p:spPr>
-        <p:txBody>
-          <a:bodyPr vert="horz" wrap="square" lIns="91440" tIns="45720" rIns="91440" bIns="45720" numCol="1" anchor="t" anchorCtr="0" compatLnSpc="1">
-            <a:prstTxWarp prst="textNoShape">
-              <a:avLst/>
-            </a:prstTxWarp>
-          </a:bodyPr>
-          <a:lstStyle/>
-          <a:p>
-            <a:endParaRPr lang="ko-KR" altLang="en-US" dirty="0"/>
-          </a:p>
-        </p:txBody>
-      </p:sp>
-      <p:pic>
-        <p:nvPicPr>
           <p:cNvPr id="1026" name="Picture 2"/>
           <p:cNvPicPr>
             <a:picLocks noChangeAspect="1" noChangeArrowheads="1"/>
@@ -31659,7 +31561,7 @@
     </p:spTree>
     <p:extLst>
       <p:ext uri="{BB962C8B-B14F-4D97-AF65-F5344CB8AC3E}">
-        <p14:creationId xmlns:p14="http://schemas.microsoft.com/office/powerpoint/2010/main" xmlns="" val="4194141123"/>
+        <p14:creationId xmlns="" xmlns:p14="http://schemas.microsoft.com/office/powerpoint/2010/main" val="4194141123"/>
       </p:ext>
     </p:extLst>
   </p:cSld>
@@ -31706,7 +31608,7 @@
             <a:lum bright="70000" contrast="-70000"/>
             <a:extLst>
               <a:ext uri="{28A0092B-C50C-407E-A947-70E740481C1C}">
-                <a14:useLocalDpi xmlns:a14="http://schemas.microsoft.com/office/drawing/2010/main" xmlns="" val="0"/>
+                <a14:useLocalDpi xmlns="" xmlns:a14="http://schemas.microsoft.com/office/drawing/2010/main" val="0"/>
               </a:ext>
             </a:extLst>
           </a:blip>
@@ -31742,7 +31644,7 @@
             </a:duotone>
             <a:extLst>
               <a:ext uri="{28A0092B-C50C-407E-A947-70E740481C1C}">
-                <a14:useLocalDpi xmlns:a14="http://schemas.microsoft.com/office/drawing/2010/main" xmlns="" val="0"/>
+                <a14:useLocalDpi xmlns="" xmlns:a14="http://schemas.microsoft.com/office/drawing/2010/main" val="0"/>
               </a:ext>
             </a:extLst>
           </a:blip>
@@ -31930,7 +31832,7 @@
     </p:spTree>
     <p:extLst>
       <p:ext uri="{BB962C8B-B14F-4D97-AF65-F5344CB8AC3E}">
-        <p14:creationId xmlns:p14="http://schemas.microsoft.com/office/powerpoint/2010/main" xmlns="" val="2269359616"/>
+        <p14:creationId xmlns="" xmlns:p14="http://schemas.microsoft.com/office/powerpoint/2010/main" val="2269359616"/>
       </p:ext>
     </p:extLst>
   </p:cSld>
@@ -31977,7 +31879,7 @@
             <a:lum bright="70000" contrast="-70000"/>
             <a:extLst>
               <a:ext uri="{28A0092B-C50C-407E-A947-70E740481C1C}">
-                <a14:useLocalDpi xmlns:a14="http://schemas.microsoft.com/office/drawing/2010/main" xmlns="" val="0"/>
+                <a14:useLocalDpi xmlns="" xmlns:a14="http://schemas.microsoft.com/office/drawing/2010/main" val="0"/>
               </a:ext>
             </a:extLst>
           </a:blip>
@@ -33310,7 +33212,7 @@
         <p:spPr bwMode="auto">
           <a:xfrm>
             <a:off x="704850" y="1768474"/>
-            <a:ext cx="10553700" cy="3502026"/>
+            <a:ext cx="10553700" cy="3641726"/>
           </a:xfrm>
           <a:prstGeom prst="rect">
             <a:avLst/>
@@ -33327,7 +33229,7 @@
     </p:spTree>
     <p:extLst>
       <p:ext uri="{BB962C8B-B14F-4D97-AF65-F5344CB8AC3E}">
-        <p14:creationId xmlns:p14="http://schemas.microsoft.com/office/powerpoint/2010/main" xmlns="" val="4194141123"/>
+        <p14:creationId xmlns="" xmlns:p14="http://schemas.microsoft.com/office/powerpoint/2010/main" val="4194141123"/>
       </p:ext>
     </p:extLst>
   </p:cSld>
@@ -33367,7 +33269,7 @@
             <a:lum bright="70000" contrast="-70000"/>
             <a:extLst>
               <a:ext uri="{28A0092B-C50C-407E-A947-70E740481C1C}">
-                <a14:useLocalDpi xmlns:a14="http://schemas.microsoft.com/office/drawing/2010/main" xmlns="" val="0"/>
+                <a14:useLocalDpi xmlns="" xmlns:a14="http://schemas.microsoft.com/office/drawing/2010/main" val="0"/>
               </a:ext>
             </a:extLst>
           </a:blip>
@@ -34646,7 +34548,7 @@
         <p:spPr>
           <a:xfrm>
             <a:off x="0" y="805934"/>
-            <a:ext cx="4929555" cy="646331"/>
+            <a:ext cx="2710999" cy="646331"/>
           </a:xfrm>
           <a:prstGeom prst="rect">
             <a:avLst/>
@@ -34698,28 +34600,7 @@
                 <a:latin typeface="나눔바른고딕" panose="020B0603020101020101" pitchFamily="50" charset="-127"/>
                 <a:ea typeface="나눔바른고딕" panose="020B0603020101020101" pitchFamily="50" charset="-127"/>
               </a:rPr>
-              <a:t>튜닝 </a:t>
-            </a:r>
-            <a:r>
-              <a:rPr lang="ko-KR" altLang="en-US" sz="3600" b="1" spc="-150" dirty="0" smtClean="0">
-                <a:ln>
-                  <a:solidFill>
-                    <a:schemeClr val="accent1">
-                      <a:shade val="50000"/>
-                      <a:alpha val="0"/>
-                    </a:schemeClr>
-                  </a:solidFill>
-                </a:ln>
-                <a:solidFill>
-                  <a:schemeClr val="tx1">
-                    <a:lumMod val="85000"/>
-                    <a:lumOff val="15000"/>
-                  </a:schemeClr>
-                </a:solidFill>
-                <a:latin typeface="나눔바른고딕" panose="020B0603020101020101" pitchFamily="50" charset="-127"/>
-                <a:ea typeface="나눔바른고딕" panose="020B0603020101020101" pitchFamily="50" charset="-127"/>
-              </a:rPr>
-              <a:t>및 최종 점수</a:t>
+              <a:t>튜닝</a:t>
             </a:r>
             <a:endParaRPr lang="en-US" altLang="ko-KR" sz="3600" b="1" spc="-150" dirty="0" smtClean="0">
               <a:ln>
@@ -34759,8 +34640,8 @@
         </p:blipFill>
         <p:spPr bwMode="auto">
           <a:xfrm>
-            <a:off x="669925" y="1593850"/>
-            <a:ext cx="10572750" cy="2019300"/>
+            <a:off x="657225" y="1962150"/>
+            <a:ext cx="10572750" cy="2305050"/>
           </a:xfrm>
           <a:prstGeom prst="rect">
             <a:avLst/>
@@ -34791,40 +34672,8 @@
         </p:blipFill>
         <p:spPr bwMode="auto">
           <a:xfrm>
-            <a:off x="695325" y="3798888"/>
-            <a:ext cx="10572750" cy="733425"/>
-          </a:xfrm>
-          <a:prstGeom prst="rect">
-            <a:avLst/>
-          </a:prstGeom>
-          <a:noFill/>
-          <a:ln w="9525">
-            <a:noFill/>
-            <a:miter lim="800000"/>
-            <a:headEnd/>
-            <a:tailEnd/>
-          </a:ln>
-        </p:spPr>
-      </p:pic>
-      <p:pic>
-        <p:nvPicPr>
-          <p:cNvPr id="2052" name="Picture 4"/>
-          <p:cNvPicPr>
-            <a:picLocks noChangeAspect="1" noChangeArrowheads="1"/>
-          </p:cNvPicPr>
-          <p:nvPr/>
-        </p:nvPicPr>
-        <p:blipFill>
-          <a:blip r:embed="rId5" cstate="print"/>
-          <a:srcRect/>
-          <a:stretch>
-            <a:fillRect/>
-          </a:stretch>
-        </p:blipFill>
-        <p:spPr bwMode="auto">
-          <a:xfrm>
-            <a:off x="654050" y="4687888"/>
-            <a:ext cx="10553700" cy="1800225"/>
+            <a:off x="682625" y="4802188"/>
+            <a:ext cx="10572750" cy="1128712"/>
           </a:xfrm>
           <a:prstGeom prst="rect">
             <a:avLst/>
@@ -34841,7 +34690,7 @@
     </p:spTree>
     <p:extLst>
       <p:ext uri="{BB962C8B-B14F-4D97-AF65-F5344CB8AC3E}">
-        <p14:creationId xmlns:p14="http://schemas.microsoft.com/office/powerpoint/2010/main" xmlns="" val="4194141123"/>
+        <p14:creationId xmlns="" xmlns:p14="http://schemas.microsoft.com/office/powerpoint/2010/main" val="4194141123"/>
       </p:ext>
     </p:extLst>
   </p:cSld>
@@ -34881,7 +34730,1468 @@
             <a:lum bright="70000" contrast="-70000"/>
             <a:extLst>
               <a:ext uri="{28A0092B-C50C-407E-A947-70E740481C1C}">
-                <a14:useLocalDpi xmlns:a14="http://schemas.microsoft.com/office/drawing/2010/main" xmlns="" val="0"/>
+                <a14:useLocalDpi xmlns="" xmlns:a14="http://schemas.microsoft.com/office/drawing/2010/main" val="0"/>
+              </a:ext>
+            </a:extLst>
+          </a:blip>
+          <a:srcRect t="7944" b="7944"/>
+          <a:stretch/>
+        </p:blipFill>
+        <p:spPr>
+          <a:xfrm>
+            <a:off x="0" y="0"/>
+            <a:ext cx="12192000" cy="6858000"/>
+          </a:xfrm>
+          <a:prstGeom prst="rect">
+            <a:avLst/>
+          </a:prstGeom>
+        </p:spPr>
+      </p:pic>
+      <p:sp>
+        <p:nvSpPr>
+          <p:cNvPr id="5" name="TextBox 4"/>
+          <p:cNvSpPr txBox="1"/>
+          <p:nvPr/>
+        </p:nvSpPr>
+        <p:spPr>
+          <a:xfrm>
+            <a:off x="210207" y="101598"/>
+            <a:ext cx="1281120" cy="553998"/>
+          </a:xfrm>
+          <a:prstGeom prst="rect">
+            <a:avLst/>
+          </a:prstGeom>
+          <a:noFill/>
+        </p:spPr>
+        <p:txBody>
+          <a:bodyPr wrap="none" rtlCol="0">
+            <a:spAutoFit/>
+          </a:bodyPr>
+          <a:lstStyle/>
+          <a:p>
+            <a:r>
+              <a:rPr lang="ko-KR" altLang="en-US" sz="3000" b="1" spc="-150" dirty="0" smtClean="0">
+                <a:ln>
+                  <a:solidFill>
+                    <a:schemeClr val="accent1">
+                      <a:shade val="50000"/>
+                      <a:alpha val="0"/>
+                    </a:schemeClr>
+                  </a:solidFill>
+                </a:ln>
+                <a:solidFill>
+                  <a:schemeClr val="tx1">
+                    <a:lumMod val="85000"/>
+                    <a:lumOff val="15000"/>
+                  </a:schemeClr>
+                </a:solidFill>
+                <a:latin typeface="나눔바른고딕" panose="020B0603020101020101" pitchFamily="50" charset="-127"/>
+                <a:ea typeface="나눔바른고딕" panose="020B0603020101020101" pitchFamily="50" charset="-127"/>
+              </a:rPr>
+              <a:t>모델링</a:t>
+            </a:r>
+            <a:endParaRPr lang="ko-KR" altLang="en-US" sz="3000" b="1" spc="-150" dirty="0">
+              <a:ln>
+                <a:solidFill>
+                  <a:schemeClr val="accent1">
+                    <a:shade val="50000"/>
+                    <a:alpha val="0"/>
+                  </a:schemeClr>
+                </a:solidFill>
+              </a:ln>
+              <a:solidFill>
+                <a:schemeClr val="tx1">
+                  <a:lumMod val="85000"/>
+                  <a:lumOff val="15000"/>
+                </a:schemeClr>
+              </a:solidFill>
+              <a:latin typeface="나눔바른고딕" panose="020B0603020101020101" pitchFamily="50" charset="-127"/>
+              <a:ea typeface="나눔바른고딕" panose="020B0603020101020101" pitchFamily="50" charset="-127"/>
+            </a:endParaRPr>
+          </a:p>
+        </p:txBody>
+      </p:sp>
+      <p:sp>
+        <p:nvSpPr>
+          <p:cNvPr id="6" name="직사각형 5"/>
+          <p:cNvSpPr/>
+          <p:nvPr/>
+        </p:nvSpPr>
+        <p:spPr>
+          <a:xfrm rot="5400000">
+            <a:off x="1636416" y="-954630"/>
+            <a:ext cx="131023" cy="3403853"/>
+          </a:xfrm>
+          <a:prstGeom prst="rect">
+            <a:avLst/>
+          </a:prstGeom>
+          <a:solidFill>
+            <a:srgbClr val="A40525"/>
+          </a:solidFill>
+          <a:ln>
+            <a:noFill/>
+          </a:ln>
+        </p:spPr>
+        <p:style>
+          <a:lnRef idx="2">
+            <a:schemeClr val="accent1">
+              <a:shade val="50000"/>
+            </a:schemeClr>
+          </a:lnRef>
+          <a:fillRef idx="1">
+            <a:schemeClr val="accent1"/>
+          </a:fillRef>
+          <a:effectRef idx="0">
+            <a:schemeClr val="accent1"/>
+          </a:effectRef>
+          <a:fontRef idx="minor">
+            <a:schemeClr val="lt1"/>
+          </a:fontRef>
+        </p:style>
+        <p:txBody>
+          <a:bodyPr rtlCol="0" anchor="ctr"/>
+          <a:lstStyle/>
+          <a:p>
+            <a:pPr algn="ctr"/>
+            <a:endParaRPr lang="ko-KR" altLang="en-US" dirty="0"/>
+          </a:p>
+        </p:txBody>
+      </p:sp>
+      <p:sp>
+        <p:nvSpPr>
+          <p:cNvPr id="7" name="직사각형 6"/>
+          <p:cNvSpPr/>
+          <p:nvPr/>
+        </p:nvSpPr>
+        <p:spPr>
+          <a:xfrm rot="5400000">
+            <a:off x="6055849" y="845693"/>
+            <a:ext cx="80301" cy="11509830"/>
+          </a:xfrm>
+          <a:prstGeom prst="rect">
+            <a:avLst/>
+          </a:prstGeom>
+          <a:solidFill>
+            <a:srgbClr val="A40525"/>
+          </a:solidFill>
+          <a:ln>
+            <a:noFill/>
+          </a:ln>
+        </p:spPr>
+        <p:style>
+          <a:lnRef idx="2">
+            <a:schemeClr val="accent1">
+              <a:shade val="50000"/>
+            </a:schemeClr>
+          </a:lnRef>
+          <a:fillRef idx="1">
+            <a:schemeClr val="accent1"/>
+          </a:fillRef>
+          <a:effectRef idx="0">
+            <a:schemeClr val="accent1"/>
+          </a:effectRef>
+          <a:fontRef idx="minor">
+            <a:schemeClr val="lt1"/>
+          </a:fontRef>
+        </p:style>
+        <p:txBody>
+          <a:bodyPr rtlCol="0" anchor="ctr"/>
+          <a:lstStyle/>
+          <a:p>
+            <a:pPr algn="ctr"/>
+            <a:endParaRPr lang="ko-KR" altLang="en-US" dirty="0"/>
+          </a:p>
+        </p:txBody>
+      </p:sp>
+      <p:sp>
+        <p:nvSpPr>
+          <p:cNvPr id="28" name="Freeform 6"/>
+          <p:cNvSpPr>
+            <a:spLocks noEditPoints="1"/>
+          </p:cNvSpPr>
+          <p:nvPr/>
+        </p:nvSpPr>
+        <p:spPr bwMode="auto">
+          <a:xfrm>
+            <a:off x="1687677" y="2607772"/>
+            <a:ext cx="850374" cy="791028"/>
+          </a:xfrm>
+          <a:custGeom>
+            <a:avLst/>
+            <a:gdLst>
+              <a:gd name="T0" fmla="*/ 1793 w 3525"/>
+              <a:gd name="T1" fmla="*/ 1094 h 3279"/>
+              <a:gd name="T2" fmla="*/ 1641 w 3525"/>
+              <a:gd name="T3" fmla="*/ 1256 h 3279"/>
+              <a:gd name="T4" fmla="*/ 1506 w 3525"/>
+              <a:gd name="T5" fmla="*/ 1508 h 3279"/>
+              <a:gd name="T6" fmla="*/ 1451 w 3525"/>
+              <a:gd name="T7" fmla="*/ 1797 h 3279"/>
+              <a:gd name="T8" fmla="*/ 1482 w 3525"/>
+              <a:gd name="T9" fmla="*/ 2079 h 3279"/>
+              <a:gd name="T10" fmla="*/ 1453 w 3525"/>
+              <a:gd name="T11" fmla="*/ 2178 h 3279"/>
+              <a:gd name="T12" fmla="*/ 1345 w 3525"/>
+              <a:gd name="T13" fmla="*/ 2060 h 3279"/>
+              <a:gd name="T14" fmla="*/ 1296 w 3525"/>
+              <a:gd name="T15" fmla="*/ 1888 h 3279"/>
+              <a:gd name="T16" fmla="*/ 1313 w 3525"/>
+              <a:gd name="T17" fmla="*/ 1684 h 3279"/>
+              <a:gd name="T18" fmla="*/ 1351 w 3525"/>
+              <a:gd name="T19" fmla="*/ 1558 h 3279"/>
+              <a:gd name="T20" fmla="*/ 1312 w 3525"/>
+              <a:gd name="T21" fmla="*/ 1547 h 3279"/>
+              <a:gd name="T22" fmla="*/ 1165 w 3525"/>
+              <a:gd name="T23" fmla="*/ 1687 h 3279"/>
+              <a:gd name="T24" fmla="*/ 1046 w 3525"/>
+              <a:gd name="T25" fmla="*/ 1904 h 3279"/>
+              <a:gd name="T26" fmla="*/ 1002 w 3525"/>
+              <a:gd name="T27" fmla="*/ 2159 h 3279"/>
+              <a:gd name="T28" fmla="*/ 1050 w 3525"/>
+              <a:gd name="T29" fmla="*/ 2428 h 3279"/>
+              <a:gd name="T30" fmla="*/ 1182 w 3525"/>
+              <a:gd name="T31" fmla="*/ 2656 h 3279"/>
+              <a:gd name="T32" fmla="*/ 1383 w 3525"/>
+              <a:gd name="T33" fmla="*/ 2826 h 3279"/>
+              <a:gd name="T34" fmla="*/ 1635 w 3525"/>
+              <a:gd name="T35" fmla="*/ 2918 h 3279"/>
+              <a:gd name="T36" fmla="*/ 1913 w 3525"/>
+              <a:gd name="T37" fmla="*/ 2918 h 3279"/>
+              <a:gd name="T38" fmla="*/ 2163 w 3525"/>
+              <a:gd name="T39" fmla="*/ 2826 h 3279"/>
+              <a:gd name="T40" fmla="*/ 2364 w 3525"/>
+              <a:gd name="T41" fmla="*/ 2657 h 3279"/>
+              <a:gd name="T42" fmla="*/ 2496 w 3525"/>
+              <a:gd name="T43" fmla="*/ 2428 h 3279"/>
+              <a:gd name="T44" fmla="*/ 2544 w 3525"/>
+              <a:gd name="T45" fmla="*/ 2160 h 3279"/>
+              <a:gd name="T46" fmla="*/ 2497 w 3525"/>
+              <a:gd name="T47" fmla="*/ 1897 h 3279"/>
+              <a:gd name="T48" fmla="*/ 2368 w 3525"/>
+              <a:gd name="T49" fmla="*/ 1673 h 3279"/>
+              <a:gd name="T50" fmla="*/ 2210 w 3525"/>
+              <a:gd name="T51" fmla="*/ 1530 h 3279"/>
+              <a:gd name="T52" fmla="*/ 2166 w 3525"/>
+              <a:gd name="T53" fmla="*/ 1535 h 3279"/>
+              <a:gd name="T54" fmla="*/ 2151 w 3525"/>
+              <a:gd name="T55" fmla="*/ 1609 h 3279"/>
+              <a:gd name="T56" fmla="*/ 2111 w 3525"/>
+              <a:gd name="T57" fmla="*/ 1719 h 3279"/>
+              <a:gd name="T58" fmla="*/ 2041 w 3525"/>
+              <a:gd name="T59" fmla="*/ 1809 h 3279"/>
+              <a:gd name="T60" fmla="*/ 1934 w 3525"/>
+              <a:gd name="T61" fmla="*/ 1846 h 3279"/>
+              <a:gd name="T62" fmla="*/ 1827 w 3525"/>
+              <a:gd name="T63" fmla="*/ 1569 h 3279"/>
+              <a:gd name="T64" fmla="*/ 1812 w 3525"/>
+              <a:gd name="T65" fmla="*/ 1262 h 3279"/>
+              <a:gd name="T66" fmla="*/ 1841 w 3525"/>
+              <a:gd name="T67" fmla="*/ 1098 h 3279"/>
+              <a:gd name="T68" fmla="*/ 1766 w 3525"/>
+              <a:gd name="T69" fmla="*/ 0 h 3279"/>
+              <a:gd name="T70" fmla="*/ 1954 w 3525"/>
+              <a:gd name="T71" fmla="*/ 33 h 3279"/>
+              <a:gd name="T72" fmla="*/ 2118 w 3525"/>
+              <a:gd name="T73" fmla="*/ 130 h 3279"/>
+              <a:gd name="T74" fmla="*/ 2447 w 3525"/>
+              <a:gd name="T75" fmla="*/ 165 h 3279"/>
+              <a:gd name="T76" fmla="*/ 2516 w 3525"/>
+              <a:gd name="T77" fmla="*/ 48 h 3279"/>
+              <a:gd name="T78" fmla="*/ 2647 w 3525"/>
+              <a:gd name="T79" fmla="*/ 0 h 3279"/>
+              <a:gd name="T80" fmla="*/ 2913 w 3525"/>
+              <a:gd name="T81" fmla="*/ 22 h 3279"/>
+              <a:gd name="T82" fmla="*/ 3000 w 3525"/>
+              <a:gd name="T83" fmla="*/ 107 h 3279"/>
+              <a:gd name="T84" fmla="*/ 3022 w 3525"/>
+              <a:gd name="T85" fmla="*/ 1050 h 3279"/>
+              <a:gd name="T86" fmla="*/ 3500 w 3525"/>
+              <a:gd name="T87" fmla="*/ 1572 h 3279"/>
+              <a:gd name="T88" fmla="*/ 3522 w 3525"/>
+              <a:gd name="T89" fmla="*/ 1726 h 3279"/>
+              <a:gd name="T90" fmla="*/ 3466 w 3525"/>
+              <a:gd name="T91" fmla="*/ 1859 h 3279"/>
+              <a:gd name="T92" fmla="*/ 3352 w 3525"/>
+              <a:gd name="T93" fmla="*/ 1948 h 3279"/>
+              <a:gd name="T94" fmla="*/ 3023 w 3525"/>
+              <a:gd name="T95" fmla="*/ 1971 h 3279"/>
+              <a:gd name="T96" fmla="*/ 2999 w 3525"/>
+              <a:gd name="T97" fmla="*/ 3085 h 3279"/>
+              <a:gd name="T98" fmla="*/ 2900 w 3525"/>
+              <a:gd name="T99" fmla="*/ 3213 h 3279"/>
+              <a:gd name="T100" fmla="*/ 2749 w 3525"/>
+              <a:gd name="T101" fmla="*/ 3277 h 3279"/>
+              <a:gd name="T102" fmla="*/ 734 w 3525"/>
+              <a:gd name="T103" fmla="*/ 3269 h 3279"/>
+              <a:gd name="T104" fmla="*/ 594 w 3525"/>
+              <a:gd name="T105" fmla="*/ 3187 h 3279"/>
+              <a:gd name="T106" fmla="*/ 512 w 3525"/>
+              <a:gd name="T107" fmla="*/ 3047 h 3279"/>
+              <a:gd name="T108" fmla="*/ 290 w 3525"/>
+              <a:gd name="T109" fmla="*/ 1972 h 3279"/>
+              <a:gd name="T110" fmla="*/ 142 w 3525"/>
+              <a:gd name="T111" fmla="*/ 1932 h 3279"/>
+              <a:gd name="T112" fmla="*/ 40 w 3525"/>
+              <a:gd name="T113" fmla="*/ 1830 h 3279"/>
+              <a:gd name="T114" fmla="*/ 0 w 3525"/>
+              <a:gd name="T115" fmla="*/ 1688 h 3279"/>
+              <a:gd name="T116" fmla="*/ 43 w 3525"/>
+              <a:gd name="T117" fmla="*/ 1533 h 3279"/>
+              <a:gd name="T118" fmla="*/ 1417 w 3525"/>
+              <a:gd name="T119" fmla="*/ 126 h 3279"/>
+              <a:gd name="T120" fmla="*/ 1609 w 3525"/>
+              <a:gd name="T121" fmla="*/ 24 h 3279"/>
+            </a:gdLst>
+            <a:ahLst/>
+            <a:cxnLst>
+              <a:cxn ang="0">
+                <a:pos x="T0" y="T1"/>
+              </a:cxn>
+              <a:cxn ang="0">
+                <a:pos x="T2" y="T3"/>
+              </a:cxn>
+              <a:cxn ang="0">
+                <a:pos x="T4" y="T5"/>
+              </a:cxn>
+              <a:cxn ang="0">
+                <a:pos x="T6" y="T7"/>
+              </a:cxn>
+              <a:cxn ang="0">
+                <a:pos x="T8" y="T9"/>
+              </a:cxn>
+              <a:cxn ang="0">
+                <a:pos x="T10" y="T11"/>
+              </a:cxn>
+              <a:cxn ang="0">
+                <a:pos x="T12" y="T13"/>
+              </a:cxn>
+              <a:cxn ang="0">
+                <a:pos x="T14" y="T15"/>
+              </a:cxn>
+              <a:cxn ang="0">
+                <a:pos x="T16" y="T17"/>
+              </a:cxn>
+              <a:cxn ang="0">
+                <a:pos x="T18" y="T19"/>
+              </a:cxn>
+              <a:cxn ang="0">
+                <a:pos x="T20" y="T21"/>
+              </a:cxn>
+              <a:cxn ang="0">
+                <a:pos x="T22" y="T23"/>
+              </a:cxn>
+              <a:cxn ang="0">
+                <a:pos x="T24" y="T25"/>
+              </a:cxn>
+              <a:cxn ang="0">
+                <a:pos x="T26" y="T27"/>
+              </a:cxn>
+              <a:cxn ang="0">
+                <a:pos x="T28" y="T29"/>
+              </a:cxn>
+              <a:cxn ang="0">
+                <a:pos x="T30" y="T31"/>
+              </a:cxn>
+              <a:cxn ang="0">
+                <a:pos x="T32" y="T33"/>
+              </a:cxn>
+              <a:cxn ang="0">
+                <a:pos x="T34" y="T35"/>
+              </a:cxn>
+              <a:cxn ang="0">
+                <a:pos x="T36" y="T37"/>
+              </a:cxn>
+              <a:cxn ang="0">
+                <a:pos x="T38" y="T39"/>
+              </a:cxn>
+              <a:cxn ang="0">
+                <a:pos x="T40" y="T41"/>
+              </a:cxn>
+              <a:cxn ang="0">
+                <a:pos x="T42" y="T43"/>
+              </a:cxn>
+              <a:cxn ang="0">
+                <a:pos x="T44" y="T45"/>
+              </a:cxn>
+              <a:cxn ang="0">
+                <a:pos x="T46" y="T47"/>
+              </a:cxn>
+              <a:cxn ang="0">
+                <a:pos x="T48" y="T49"/>
+              </a:cxn>
+              <a:cxn ang="0">
+                <a:pos x="T50" y="T51"/>
+              </a:cxn>
+              <a:cxn ang="0">
+                <a:pos x="T52" y="T53"/>
+              </a:cxn>
+              <a:cxn ang="0">
+                <a:pos x="T54" y="T55"/>
+              </a:cxn>
+              <a:cxn ang="0">
+                <a:pos x="T56" y="T57"/>
+              </a:cxn>
+              <a:cxn ang="0">
+                <a:pos x="T58" y="T59"/>
+              </a:cxn>
+              <a:cxn ang="0">
+                <a:pos x="T60" y="T61"/>
+              </a:cxn>
+              <a:cxn ang="0">
+                <a:pos x="T62" y="T63"/>
+              </a:cxn>
+              <a:cxn ang="0">
+                <a:pos x="T64" y="T65"/>
+              </a:cxn>
+              <a:cxn ang="0">
+                <a:pos x="T66" y="T67"/>
+              </a:cxn>
+              <a:cxn ang="0">
+                <a:pos x="T68" y="T69"/>
+              </a:cxn>
+              <a:cxn ang="0">
+                <a:pos x="T70" y="T71"/>
+              </a:cxn>
+              <a:cxn ang="0">
+                <a:pos x="T72" y="T73"/>
+              </a:cxn>
+              <a:cxn ang="0">
+                <a:pos x="T74" y="T75"/>
+              </a:cxn>
+              <a:cxn ang="0">
+                <a:pos x="T76" y="T77"/>
+              </a:cxn>
+              <a:cxn ang="0">
+                <a:pos x="T78" y="T79"/>
+              </a:cxn>
+              <a:cxn ang="0">
+                <a:pos x="T80" y="T81"/>
+              </a:cxn>
+              <a:cxn ang="0">
+                <a:pos x="T82" y="T83"/>
+              </a:cxn>
+              <a:cxn ang="0">
+                <a:pos x="T84" y="T85"/>
+              </a:cxn>
+              <a:cxn ang="0">
+                <a:pos x="T86" y="T87"/>
+              </a:cxn>
+              <a:cxn ang="0">
+                <a:pos x="T88" y="T89"/>
+              </a:cxn>
+              <a:cxn ang="0">
+                <a:pos x="T90" y="T91"/>
+              </a:cxn>
+              <a:cxn ang="0">
+                <a:pos x="T92" y="T93"/>
+              </a:cxn>
+              <a:cxn ang="0">
+                <a:pos x="T94" y="T95"/>
+              </a:cxn>
+              <a:cxn ang="0">
+                <a:pos x="T96" y="T97"/>
+              </a:cxn>
+              <a:cxn ang="0">
+                <a:pos x="T98" y="T99"/>
+              </a:cxn>
+              <a:cxn ang="0">
+                <a:pos x="T100" y="T101"/>
+              </a:cxn>
+              <a:cxn ang="0">
+                <a:pos x="T102" y="T103"/>
+              </a:cxn>
+              <a:cxn ang="0">
+                <a:pos x="T104" y="T105"/>
+              </a:cxn>
+              <a:cxn ang="0">
+                <a:pos x="T106" y="T107"/>
+              </a:cxn>
+              <a:cxn ang="0">
+                <a:pos x="T108" y="T109"/>
+              </a:cxn>
+              <a:cxn ang="0">
+                <a:pos x="T110" y="T111"/>
+              </a:cxn>
+              <a:cxn ang="0">
+                <a:pos x="T112" y="T113"/>
+              </a:cxn>
+              <a:cxn ang="0">
+                <a:pos x="T114" y="T115"/>
+              </a:cxn>
+              <a:cxn ang="0">
+                <a:pos x="T116" y="T117"/>
+              </a:cxn>
+              <a:cxn ang="0">
+                <a:pos x="T118" y="T119"/>
+              </a:cxn>
+              <a:cxn ang="0">
+                <a:pos x="T120" y="T121"/>
+              </a:cxn>
+            </a:cxnLst>
+            <a:rect l="0" t="0" r="r" b="b"/>
+            <a:pathLst>
+              <a:path w="3525" h="3279">
+                <a:moveTo>
+                  <a:pt x="1824" y="1082"/>
+                </a:moveTo>
+                <a:lnTo>
+                  <a:pt x="1814" y="1083"/>
+                </a:lnTo>
+                <a:lnTo>
+                  <a:pt x="1804" y="1087"/>
+                </a:lnTo>
+                <a:lnTo>
+                  <a:pt x="1793" y="1094"/>
+                </a:lnTo>
+                <a:lnTo>
+                  <a:pt x="1785" y="1101"/>
+                </a:lnTo>
+                <a:lnTo>
+                  <a:pt x="1734" y="1149"/>
+                </a:lnTo>
+                <a:lnTo>
+                  <a:pt x="1686" y="1201"/>
+                </a:lnTo>
+                <a:lnTo>
+                  <a:pt x="1641" y="1256"/>
+                </a:lnTo>
+                <a:lnTo>
+                  <a:pt x="1601" y="1314"/>
+                </a:lnTo>
+                <a:lnTo>
+                  <a:pt x="1565" y="1376"/>
+                </a:lnTo>
+                <a:lnTo>
+                  <a:pt x="1533" y="1440"/>
+                </a:lnTo>
+                <a:lnTo>
+                  <a:pt x="1506" y="1508"/>
+                </a:lnTo>
+                <a:lnTo>
+                  <a:pt x="1484" y="1578"/>
+                </a:lnTo>
+                <a:lnTo>
+                  <a:pt x="1467" y="1650"/>
+                </a:lnTo>
+                <a:lnTo>
+                  <a:pt x="1456" y="1725"/>
+                </a:lnTo>
+                <a:lnTo>
+                  <a:pt x="1451" y="1797"/>
+                </a:lnTo>
+                <a:lnTo>
+                  <a:pt x="1451" y="1870"/>
+                </a:lnTo>
+                <a:lnTo>
+                  <a:pt x="1456" y="1941"/>
+                </a:lnTo>
+                <a:lnTo>
+                  <a:pt x="1466" y="2010"/>
+                </a:lnTo>
+                <a:lnTo>
+                  <a:pt x="1482" y="2079"/>
+                </a:lnTo>
+                <a:lnTo>
+                  <a:pt x="1502" y="2145"/>
+                </a:lnTo>
+                <a:lnTo>
+                  <a:pt x="1527" y="2210"/>
+                </a:lnTo>
+                <a:lnTo>
+                  <a:pt x="1488" y="2196"/>
+                </a:lnTo>
+                <a:lnTo>
+                  <a:pt x="1453" y="2178"/>
+                </a:lnTo>
+                <a:lnTo>
+                  <a:pt x="1421" y="2155"/>
+                </a:lnTo>
+                <a:lnTo>
+                  <a:pt x="1392" y="2127"/>
+                </a:lnTo>
+                <a:lnTo>
+                  <a:pt x="1366" y="2096"/>
+                </a:lnTo>
+                <a:lnTo>
+                  <a:pt x="1345" y="2060"/>
+                </a:lnTo>
+                <a:lnTo>
+                  <a:pt x="1327" y="2022"/>
+                </a:lnTo>
+                <a:lnTo>
+                  <a:pt x="1312" y="1980"/>
+                </a:lnTo>
+                <a:lnTo>
+                  <a:pt x="1302" y="1935"/>
+                </a:lnTo>
+                <a:lnTo>
+                  <a:pt x="1296" y="1888"/>
+                </a:lnTo>
+                <a:lnTo>
+                  <a:pt x="1294" y="1839"/>
+                </a:lnTo>
+                <a:lnTo>
+                  <a:pt x="1296" y="1789"/>
+                </a:lnTo>
+                <a:lnTo>
+                  <a:pt x="1302" y="1736"/>
+                </a:lnTo>
+                <a:lnTo>
+                  <a:pt x="1313" y="1684"/>
+                </a:lnTo>
+                <a:lnTo>
+                  <a:pt x="1329" y="1630"/>
+                </a:lnTo>
+                <a:lnTo>
+                  <a:pt x="1350" y="1576"/>
+                </a:lnTo>
+                <a:lnTo>
+                  <a:pt x="1353" y="1566"/>
+                </a:lnTo>
+                <a:lnTo>
+                  <a:pt x="1351" y="1558"/>
+                </a:lnTo>
+                <a:lnTo>
+                  <a:pt x="1346" y="1550"/>
+                </a:lnTo>
+                <a:lnTo>
+                  <a:pt x="1337" y="1546"/>
+                </a:lnTo>
+                <a:lnTo>
+                  <a:pt x="1326" y="1544"/>
+                </a:lnTo>
+                <a:lnTo>
+                  <a:pt x="1312" y="1547"/>
+                </a:lnTo>
+                <a:lnTo>
+                  <a:pt x="1296" y="1556"/>
+                </a:lnTo>
+                <a:lnTo>
+                  <a:pt x="1249" y="1596"/>
+                </a:lnTo>
+                <a:lnTo>
+                  <a:pt x="1206" y="1640"/>
+                </a:lnTo>
+                <a:lnTo>
+                  <a:pt x="1165" y="1687"/>
+                </a:lnTo>
+                <a:lnTo>
+                  <a:pt x="1129" y="1736"/>
+                </a:lnTo>
+                <a:lnTo>
+                  <a:pt x="1097" y="1790"/>
+                </a:lnTo>
+                <a:lnTo>
+                  <a:pt x="1069" y="1846"/>
+                </a:lnTo>
+                <a:lnTo>
+                  <a:pt x="1046" y="1904"/>
+                </a:lnTo>
+                <a:lnTo>
+                  <a:pt x="1026" y="1964"/>
+                </a:lnTo>
+                <a:lnTo>
+                  <a:pt x="1012" y="2027"/>
+                </a:lnTo>
+                <a:lnTo>
+                  <a:pt x="1005" y="2093"/>
+                </a:lnTo>
+                <a:lnTo>
+                  <a:pt x="1002" y="2159"/>
+                </a:lnTo>
+                <a:lnTo>
+                  <a:pt x="1005" y="2229"/>
+                </a:lnTo>
+                <a:lnTo>
+                  <a:pt x="1015" y="2298"/>
+                </a:lnTo>
+                <a:lnTo>
+                  <a:pt x="1030" y="2364"/>
+                </a:lnTo>
+                <a:lnTo>
+                  <a:pt x="1050" y="2428"/>
+                </a:lnTo>
+                <a:lnTo>
+                  <a:pt x="1076" y="2490"/>
+                </a:lnTo>
+                <a:lnTo>
+                  <a:pt x="1107" y="2549"/>
+                </a:lnTo>
+                <a:lnTo>
+                  <a:pt x="1143" y="2605"/>
+                </a:lnTo>
+                <a:lnTo>
+                  <a:pt x="1182" y="2656"/>
+                </a:lnTo>
+                <a:lnTo>
+                  <a:pt x="1227" y="2705"/>
+                </a:lnTo>
+                <a:lnTo>
+                  <a:pt x="1275" y="2749"/>
+                </a:lnTo>
+                <a:lnTo>
+                  <a:pt x="1328" y="2790"/>
+                </a:lnTo>
+                <a:lnTo>
+                  <a:pt x="1383" y="2826"/>
+                </a:lnTo>
+                <a:lnTo>
+                  <a:pt x="1442" y="2857"/>
+                </a:lnTo>
+                <a:lnTo>
+                  <a:pt x="1504" y="2883"/>
+                </a:lnTo>
+                <a:lnTo>
+                  <a:pt x="1568" y="2903"/>
+                </a:lnTo>
+                <a:lnTo>
+                  <a:pt x="1635" y="2918"/>
+                </a:lnTo>
+                <a:lnTo>
+                  <a:pt x="1703" y="2928"/>
+                </a:lnTo>
+                <a:lnTo>
+                  <a:pt x="1774" y="2931"/>
+                </a:lnTo>
+                <a:lnTo>
+                  <a:pt x="1844" y="2928"/>
+                </a:lnTo>
+                <a:lnTo>
+                  <a:pt x="1913" y="2918"/>
+                </a:lnTo>
+                <a:lnTo>
+                  <a:pt x="1979" y="2903"/>
+                </a:lnTo>
+                <a:lnTo>
+                  <a:pt x="2043" y="2883"/>
+                </a:lnTo>
+                <a:lnTo>
+                  <a:pt x="2104" y="2857"/>
+                </a:lnTo>
+                <a:lnTo>
+                  <a:pt x="2163" y="2826"/>
+                </a:lnTo>
+                <a:lnTo>
+                  <a:pt x="2218" y="2790"/>
+                </a:lnTo>
+                <a:lnTo>
+                  <a:pt x="2271" y="2749"/>
+                </a:lnTo>
+                <a:lnTo>
+                  <a:pt x="2319" y="2705"/>
+                </a:lnTo>
+                <a:lnTo>
+                  <a:pt x="2364" y="2657"/>
+                </a:lnTo>
+                <a:lnTo>
+                  <a:pt x="2403" y="2605"/>
+                </a:lnTo>
+                <a:lnTo>
+                  <a:pt x="2440" y="2549"/>
+                </a:lnTo>
+                <a:lnTo>
+                  <a:pt x="2471" y="2490"/>
+                </a:lnTo>
+                <a:lnTo>
+                  <a:pt x="2496" y="2428"/>
+                </a:lnTo>
+                <a:lnTo>
+                  <a:pt x="2518" y="2365"/>
+                </a:lnTo>
+                <a:lnTo>
+                  <a:pt x="2533" y="2298"/>
+                </a:lnTo>
+                <a:lnTo>
+                  <a:pt x="2541" y="2229"/>
+                </a:lnTo>
+                <a:lnTo>
+                  <a:pt x="2544" y="2160"/>
+                </a:lnTo>
+                <a:lnTo>
+                  <a:pt x="2541" y="2090"/>
+                </a:lnTo>
+                <a:lnTo>
+                  <a:pt x="2533" y="2024"/>
+                </a:lnTo>
+                <a:lnTo>
+                  <a:pt x="2518" y="1959"/>
+                </a:lnTo>
+                <a:lnTo>
+                  <a:pt x="2497" y="1897"/>
+                </a:lnTo>
+                <a:lnTo>
+                  <a:pt x="2473" y="1836"/>
+                </a:lnTo>
+                <a:lnTo>
+                  <a:pt x="2442" y="1779"/>
+                </a:lnTo>
+                <a:lnTo>
+                  <a:pt x="2408" y="1725"/>
+                </a:lnTo>
+                <a:lnTo>
+                  <a:pt x="2368" y="1673"/>
+                </a:lnTo>
+                <a:lnTo>
+                  <a:pt x="2325" y="1625"/>
+                </a:lnTo>
+                <a:lnTo>
+                  <a:pt x="2278" y="1581"/>
+                </a:lnTo>
+                <a:lnTo>
+                  <a:pt x="2227" y="1541"/>
+                </a:lnTo>
+                <a:lnTo>
+                  <a:pt x="2210" y="1530"/>
+                </a:lnTo>
+                <a:lnTo>
+                  <a:pt x="2195" y="1525"/>
+                </a:lnTo>
+                <a:lnTo>
+                  <a:pt x="2183" y="1525"/>
+                </a:lnTo>
+                <a:lnTo>
+                  <a:pt x="2173" y="1528"/>
+                </a:lnTo>
+                <a:lnTo>
+                  <a:pt x="2166" y="1535"/>
+                </a:lnTo>
+                <a:lnTo>
+                  <a:pt x="2162" y="1545"/>
+                </a:lnTo>
+                <a:lnTo>
+                  <a:pt x="2161" y="1556"/>
+                </a:lnTo>
+                <a:lnTo>
+                  <a:pt x="2156" y="1581"/>
+                </a:lnTo>
+                <a:lnTo>
+                  <a:pt x="2151" y="1609"/>
+                </a:lnTo>
+                <a:lnTo>
+                  <a:pt x="2144" y="1637"/>
+                </a:lnTo>
+                <a:lnTo>
+                  <a:pt x="2135" y="1665"/>
+                </a:lnTo>
+                <a:lnTo>
+                  <a:pt x="2124" y="1693"/>
+                </a:lnTo>
+                <a:lnTo>
+                  <a:pt x="2111" y="1719"/>
+                </a:lnTo>
+                <a:lnTo>
+                  <a:pt x="2096" y="1745"/>
+                </a:lnTo>
+                <a:lnTo>
+                  <a:pt x="2080" y="1769"/>
+                </a:lnTo>
+                <a:lnTo>
+                  <a:pt x="2062" y="1790"/>
+                </a:lnTo>
+                <a:lnTo>
+                  <a:pt x="2041" y="1809"/>
+                </a:lnTo>
+                <a:lnTo>
+                  <a:pt x="2017" y="1824"/>
+                </a:lnTo>
+                <a:lnTo>
+                  <a:pt x="1992" y="1836"/>
+                </a:lnTo>
+                <a:lnTo>
+                  <a:pt x="1964" y="1843"/>
+                </a:lnTo>
+                <a:lnTo>
+                  <a:pt x="1934" y="1846"/>
+                </a:lnTo>
+                <a:lnTo>
+                  <a:pt x="1899" y="1780"/>
+                </a:lnTo>
+                <a:lnTo>
+                  <a:pt x="1870" y="1712"/>
+                </a:lnTo>
+                <a:lnTo>
+                  <a:pt x="1845" y="1641"/>
+                </a:lnTo>
+                <a:lnTo>
+                  <a:pt x="1827" y="1569"/>
+                </a:lnTo>
+                <a:lnTo>
+                  <a:pt x="1814" y="1494"/>
+                </a:lnTo>
+                <a:lnTo>
+                  <a:pt x="1807" y="1418"/>
+                </a:lnTo>
+                <a:lnTo>
+                  <a:pt x="1807" y="1341"/>
+                </a:lnTo>
+                <a:lnTo>
+                  <a:pt x="1812" y="1262"/>
+                </a:lnTo>
+                <a:lnTo>
+                  <a:pt x="1819" y="1211"/>
+                </a:lnTo>
+                <a:lnTo>
+                  <a:pt x="1828" y="1160"/>
+                </a:lnTo>
+                <a:lnTo>
+                  <a:pt x="1840" y="1109"/>
+                </a:lnTo>
+                <a:lnTo>
+                  <a:pt x="1841" y="1098"/>
+                </a:lnTo>
+                <a:lnTo>
+                  <a:pt x="1838" y="1090"/>
+                </a:lnTo>
+                <a:lnTo>
+                  <a:pt x="1832" y="1083"/>
+                </a:lnTo>
+                <a:lnTo>
+                  <a:pt x="1824" y="1082"/>
+                </a:lnTo>
+                <a:close/>
+                <a:moveTo>
+                  <a:pt x="1766" y="0"/>
+                </a:moveTo>
+                <a:lnTo>
+                  <a:pt x="1814" y="2"/>
+                </a:lnTo>
+                <a:lnTo>
+                  <a:pt x="1861" y="9"/>
+                </a:lnTo>
+                <a:lnTo>
+                  <a:pt x="1908" y="19"/>
+                </a:lnTo>
+                <a:lnTo>
+                  <a:pt x="1954" y="33"/>
+                </a:lnTo>
+                <a:lnTo>
+                  <a:pt x="1998" y="51"/>
+                </a:lnTo>
+                <a:lnTo>
+                  <a:pt x="2040" y="74"/>
+                </a:lnTo>
+                <a:lnTo>
+                  <a:pt x="2080" y="101"/>
+                </a:lnTo>
+                <a:lnTo>
+                  <a:pt x="2118" y="130"/>
+                </a:lnTo>
+                <a:lnTo>
+                  <a:pt x="2153" y="165"/>
+                </a:lnTo>
+                <a:lnTo>
+                  <a:pt x="2444" y="459"/>
+                </a:lnTo>
+                <a:lnTo>
+                  <a:pt x="2444" y="200"/>
+                </a:lnTo>
+                <a:lnTo>
+                  <a:pt x="2447" y="165"/>
+                </a:lnTo>
+                <a:lnTo>
+                  <a:pt x="2456" y="130"/>
+                </a:lnTo>
+                <a:lnTo>
+                  <a:pt x="2471" y="99"/>
+                </a:lnTo>
+                <a:lnTo>
+                  <a:pt x="2491" y="72"/>
+                </a:lnTo>
+                <a:lnTo>
+                  <a:pt x="2516" y="48"/>
+                </a:lnTo>
+                <a:lnTo>
+                  <a:pt x="2544" y="28"/>
+                </a:lnTo>
+                <a:lnTo>
+                  <a:pt x="2575" y="13"/>
+                </a:lnTo>
+                <a:lnTo>
+                  <a:pt x="2611" y="3"/>
+                </a:lnTo>
+                <a:lnTo>
+                  <a:pt x="2647" y="0"/>
+                </a:lnTo>
+                <a:lnTo>
+                  <a:pt x="2819" y="0"/>
+                </a:lnTo>
+                <a:lnTo>
+                  <a:pt x="2852" y="3"/>
+                </a:lnTo>
+                <a:lnTo>
+                  <a:pt x="2884" y="11"/>
+                </a:lnTo>
+                <a:lnTo>
+                  <a:pt x="2913" y="22"/>
+                </a:lnTo>
+                <a:lnTo>
+                  <a:pt x="2940" y="38"/>
+                </a:lnTo>
+                <a:lnTo>
+                  <a:pt x="2964" y="58"/>
+                </a:lnTo>
+                <a:lnTo>
+                  <a:pt x="2984" y="81"/>
+                </a:lnTo>
+                <a:lnTo>
+                  <a:pt x="3000" y="107"/>
+                </a:lnTo>
+                <a:lnTo>
+                  <a:pt x="3013" y="136"/>
+                </a:lnTo>
+                <a:lnTo>
+                  <a:pt x="3020" y="167"/>
+                </a:lnTo>
+                <a:lnTo>
+                  <a:pt x="3022" y="200"/>
+                </a:lnTo>
+                <a:lnTo>
+                  <a:pt x="3022" y="1050"/>
+                </a:lnTo>
+                <a:lnTo>
+                  <a:pt x="3422" y="1457"/>
+                </a:lnTo>
+                <a:lnTo>
+                  <a:pt x="3454" y="1495"/>
+                </a:lnTo>
+                <a:lnTo>
+                  <a:pt x="3481" y="1532"/>
+                </a:lnTo>
+                <a:lnTo>
+                  <a:pt x="3500" y="1572"/>
+                </a:lnTo>
+                <a:lnTo>
+                  <a:pt x="3514" y="1610"/>
+                </a:lnTo>
+                <a:lnTo>
+                  <a:pt x="3522" y="1650"/>
+                </a:lnTo>
+                <a:lnTo>
+                  <a:pt x="3525" y="1688"/>
+                </a:lnTo>
+                <a:lnTo>
+                  <a:pt x="3522" y="1726"/>
+                </a:lnTo>
+                <a:lnTo>
+                  <a:pt x="3514" y="1762"/>
+                </a:lnTo>
+                <a:lnTo>
+                  <a:pt x="3502" y="1796"/>
+                </a:lnTo>
+                <a:lnTo>
+                  <a:pt x="3486" y="1828"/>
+                </a:lnTo>
+                <a:lnTo>
+                  <a:pt x="3466" y="1859"/>
+                </a:lnTo>
+                <a:lnTo>
+                  <a:pt x="3442" y="1886"/>
+                </a:lnTo>
+                <a:lnTo>
+                  <a:pt x="3415" y="1911"/>
+                </a:lnTo>
+                <a:lnTo>
+                  <a:pt x="3385" y="1931"/>
+                </a:lnTo>
+                <a:lnTo>
+                  <a:pt x="3352" y="1948"/>
+                </a:lnTo>
+                <a:lnTo>
+                  <a:pt x="3316" y="1960"/>
+                </a:lnTo>
+                <a:lnTo>
+                  <a:pt x="3279" y="1969"/>
+                </a:lnTo>
+                <a:lnTo>
+                  <a:pt x="3239" y="1971"/>
+                </a:lnTo>
+                <a:lnTo>
+                  <a:pt x="3023" y="1971"/>
+                </a:lnTo>
+                <a:lnTo>
+                  <a:pt x="3023" y="2962"/>
+                </a:lnTo>
+                <a:lnTo>
+                  <a:pt x="3020" y="3005"/>
+                </a:lnTo>
+                <a:lnTo>
+                  <a:pt x="3012" y="3045"/>
+                </a:lnTo>
+                <a:lnTo>
+                  <a:pt x="2999" y="3085"/>
+                </a:lnTo>
+                <a:lnTo>
+                  <a:pt x="2981" y="3121"/>
+                </a:lnTo>
+                <a:lnTo>
+                  <a:pt x="2957" y="3155"/>
+                </a:lnTo>
+                <a:lnTo>
+                  <a:pt x="2930" y="3185"/>
+                </a:lnTo>
+                <a:lnTo>
+                  <a:pt x="2900" y="3213"/>
+                </a:lnTo>
+                <a:lnTo>
+                  <a:pt x="2866" y="3236"/>
+                </a:lnTo>
+                <a:lnTo>
+                  <a:pt x="2830" y="3255"/>
+                </a:lnTo>
+                <a:lnTo>
+                  <a:pt x="2790" y="3269"/>
+                </a:lnTo>
+                <a:lnTo>
+                  <a:pt x="2749" y="3277"/>
+                </a:lnTo>
+                <a:lnTo>
+                  <a:pt x="2706" y="3279"/>
+                </a:lnTo>
+                <a:lnTo>
+                  <a:pt x="818" y="3279"/>
+                </a:lnTo>
+                <a:lnTo>
+                  <a:pt x="775" y="3277"/>
+                </a:lnTo>
+                <a:lnTo>
+                  <a:pt x="734" y="3269"/>
+                </a:lnTo>
+                <a:lnTo>
+                  <a:pt x="695" y="3255"/>
+                </a:lnTo>
+                <a:lnTo>
+                  <a:pt x="659" y="3237"/>
+                </a:lnTo>
+                <a:lnTo>
+                  <a:pt x="625" y="3214"/>
+                </a:lnTo>
+                <a:lnTo>
+                  <a:pt x="594" y="3187"/>
+                </a:lnTo>
+                <a:lnTo>
+                  <a:pt x="568" y="3156"/>
+                </a:lnTo>
+                <a:lnTo>
+                  <a:pt x="544" y="3122"/>
+                </a:lnTo>
+                <a:lnTo>
+                  <a:pt x="526" y="3086"/>
+                </a:lnTo>
+                <a:lnTo>
+                  <a:pt x="512" y="3047"/>
+                </a:lnTo>
+                <a:lnTo>
+                  <a:pt x="504" y="3006"/>
+                </a:lnTo>
+                <a:lnTo>
+                  <a:pt x="500" y="2962"/>
+                </a:lnTo>
+                <a:lnTo>
+                  <a:pt x="500" y="1972"/>
+                </a:lnTo>
+                <a:lnTo>
+                  <a:pt x="290" y="1972"/>
+                </a:lnTo>
+                <a:lnTo>
+                  <a:pt x="249" y="1969"/>
+                </a:lnTo>
+                <a:lnTo>
+                  <a:pt x="212" y="1961"/>
+                </a:lnTo>
+                <a:lnTo>
+                  <a:pt x="176" y="1948"/>
+                </a:lnTo>
+                <a:lnTo>
+                  <a:pt x="142" y="1932"/>
+                </a:lnTo>
+                <a:lnTo>
+                  <a:pt x="112" y="1911"/>
+                </a:lnTo>
+                <a:lnTo>
+                  <a:pt x="84" y="1887"/>
+                </a:lnTo>
+                <a:lnTo>
+                  <a:pt x="60" y="1859"/>
+                </a:lnTo>
+                <a:lnTo>
+                  <a:pt x="40" y="1830"/>
+                </a:lnTo>
+                <a:lnTo>
+                  <a:pt x="24" y="1797"/>
+                </a:lnTo>
+                <a:lnTo>
+                  <a:pt x="11" y="1762"/>
+                </a:lnTo>
+                <a:lnTo>
+                  <a:pt x="3" y="1726"/>
+                </a:lnTo>
+                <a:lnTo>
+                  <a:pt x="0" y="1688"/>
+                </a:lnTo>
+                <a:lnTo>
+                  <a:pt x="2" y="1650"/>
+                </a:lnTo>
+                <a:lnTo>
+                  <a:pt x="10" y="1611"/>
+                </a:lnTo>
+                <a:lnTo>
+                  <a:pt x="24" y="1572"/>
+                </a:lnTo>
+                <a:lnTo>
+                  <a:pt x="43" y="1533"/>
+                </a:lnTo>
+                <a:lnTo>
+                  <a:pt x="68" y="1495"/>
+                </a:lnTo>
+                <a:lnTo>
+                  <a:pt x="102" y="1458"/>
+                </a:lnTo>
+                <a:lnTo>
+                  <a:pt x="1374" y="165"/>
+                </a:lnTo>
+                <a:lnTo>
+                  <a:pt x="1417" y="126"/>
+                </a:lnTo>
+                <a:lnTo>
+                  <a:pt x="1461" y="93"/>
+                </a:lnTo>
+                <a:lnTo>
+                  <a:pt x="1508" y="65"/>
+                </a:lnTo>
+                <a:lnTo>
+                  <a:pt x="1558" y="42"/>
+                </a:lnTo>
+                <a:lnTo>
+                  <a:pt x="1609" y="24"/>
+                </a:lnTo>
+                <a:lnTo>
+                  <a:pt x="1660" y="11"/>
+                </a:lnTo>
+                <a:lnTo>
+                  <a:pt x="1713" y="3"/>
+                </a:lnTo>
+                <a:lnTo>
+                  <a:pt x="1766" y="0"/>
+                </a:lnTo>
+                <a:close/>
+              </a:path>
+            </a:pathLst>
+          </a:custGeom>
+          <a:solidFill>
+            <a:schemeClr val="bg1"/>
+          </a:solidFill>
+          <a:ln w="0">
+            <a:noFill/>
+            <a:prstDash val="solid"/>
+            <a:round/>
+            <a:headEnd/>
+            <a:tailEnd/>
+          </a:ln>
+        </p:spPr>
+        <p:txBody>
+          <a:bodyPr vert="horz" wrap="square" lIns="91440" tIns="45720" rIns="91440" bIns="45720" numCol="1" anchor="t" anchorCtr="0" compatLnSpc="1">
+            <a:prstTxWarp prst="textNoShape">
+              <a:avLst/>
+            </a:prstTxWarp>
+          </a:bodyPr>
+          <a:lstStyle/>
+          <a:p>
+            <a:endParaRPr lang="ko-KR" altLang="en-US" dirty="0"/>
+          </a:p>
+        </p:txBody>
+      </p:sp>
+      <p:sp>
+        <p:nvSpPr>
+          <p:cNvPr id="8" name="직사각형 7"/>
+          <p:cNvSpPr/>
+          <p:nvPr/>
+        </p:nvSpPr>
+        <p:spPr>
+          <a:xfrm>
+            <a:off x="0" y="805934"/>
+            <a:ext cx="1925527" cy="646331"/>
+          </a:xfrm>
+          <a:prstGeom prst="rect">
+            <a:avLst/>
+          </a:prstGeom>
+        </p:spPr>
+        <p:txBody>
+          <a:bodyPr wrap="none">
+            <a:spAutoFit/>
+          </a:bodyPr>
+          <a:lstStyle/>
+          <a:p>
+            <a:r>
+              <a:rPr lang="ko-KR" altLang="en-US" sz="3600" b="1" spc="-150" dirty="0" smtClean="0">
+                <a:ln>
+                  <a:solidFill>
+                    <a:schemeClr val="accent1">
+                      <a:shade val="50000"/>
+                      <a:alpha val="0"/>
+                    </a:schemeClr>
+                  </a:solidFill>
+                </a:ln>
+                <a:solidFill>
+                  <a:schemeClr val="tx1">
+                    <a:lumMod val="85000"/>
+                    <a:lumOff val="15000"/>
+                  </a:schemeClr>
+                </a:solidFill>
+                <a:latin typeface="나눔바른고딕" panose="020B0603020101020101" pitchFamily="50" charset="-127"/>
+                <a:ea typeface="나눔바른고딕" panose="020B0603020101020101" pitchFamily="50" charset="-127"/>
+              </a:rPr>
+              <a:t>최종 모델</a:t>
+            </a:r>
+            <a:r>
+              <a:rPr lang="ko-KR" altLang="en-US" sz="3600" b="1" spc="-150" dirty="0" smtClean="0">
+                <a:ln>
+                  <a:solidFill>
+                    <a:schemeClr val="accent1">
+                      <a:shade val="50000"/>
+                      <a:alpha val="0"/>
+                    </a:schemeClr>
+                  </a:solidFill>
+                </a:ln>
+                <a:solidFill>
+                  <a:schemeClr val="tx1">
+                    <a:lumMod val="85000"/>
+                    <a:lumOff val="15000"/>
+                  </a:schemeClr>
+                </a:solidFill>
+                <a:latin typeface="나눔바른고딕" panose="020B0603020101020101" pitchFamily="50" charset="-127"/>
+                <a:ea typeface="나눔바른고딕" panose="020B0603020101020101" pitchFamily="50" charset="-127"/>
+              </a:rPr>
+              <a:t> </a:t>
+            </a:r>
+            <a:endParaRPr lang="en-US" altLang="ko-KR" sz="3600" b="1" spc="-150" dirty="0" smtClean="0">
+              <a:ln>
+                <a:solidFill>
+                  <a:schemeClr val="accent1">
+                    <a:shade val="50000"/>
+                    <a:alpha val="0"/>
+                  </a:schemeClr>
+                </a:solidFill>
+              </a:ln>
+              <a:solidFill>
+                <a:schemeClr val="tx1">
+                  <a:lumMod val="85000"/>
+                  <a:lumOff val="15000"/>
+                </a:schemeClr>
+              </a:solidFill>
+              <a:latin typeface="나눔바른고딕" panose="020B0603020101020101" pitchFamily="50" charset="-127"/>
+              <a:ea typeface="나눔바른고딕" panose="020B0603020101020101" pitchFamily="50" charset="-127"/>
+            </a:endParaRPr>
+          </a:p>
+        </p:txBody>
+      </p:sp>
+      <p:pic>
+        <p:nvPicPr>
+          <p:cNvPr id="2052" name="Picture 4"/>
+          <p:cNvPicPr>
+            <a:picLocks noChangeAspect="1" noChangeArrowheads="1"/>
+          </p:cNvPicPr>
+          <p:nvPr/>
+        </p:nvPicPr>
+        <p:blipFill>
+          <a:blip r:embed="rId3" cstate="print"/>
+          <a:srcRect/>
+          <a:stretch>
+            <a:fillRect/>
+          </a:stretch>
+        </p:blipFill>
+        <p:spPr bwMode="auto">
+          <a:xfrm>
+            <a:off x="260350" y="1919288"/>
+            <a:ext cx="8591550" cy="3694112"/>
+          </a:xfrm>
+          <a:prstGeom prst="rect">
+            <a:avLst/>
+          </a:prstGeom>
+          <a:noFill/>
+          <a:ln w="9525">
+            <a:noFill/>
+            <a:miter lim="800000"/>
+            <a:headEnd/>
+            <a:tailEnd/>
+          </a:ln>
+        </p:spPr>
+      </p:pic>
+      <p:pic>
+        <p:nvPicPr>
+          <p:cNvPr id="1027" name="Picture 3"/>
+          <p:cNvPicPr>
+            <a:picLocks noChangeAspect="1" noChangeArrowheads="1"/>
+          </p:cNvPicPr>
+          <p:nvPr/>
+        </p:nvPicPr>
+        <p:blipFill>
+          <a:blip r:embed="rId4" cstate="print"/>
+          <a:srcRect/>
+          <a:stretch>
+            <a:fillRect/>
+          </a:stretch>
+        </p:blipFill>
+        <p:spPr bwMode="auto">
+          <a:xfrm>
+            <a:off x="9553574" y="1903413"/>
+            <a:ext cx="2003425" cy="3735387"/>
+          </a:xfrm>
+          <a:prstGeom prst="rect">
+            <a:avLst/>
+          </a:prstGeom>
+          <a:noFill/>
+          <a:ln w="9525">
+            <a:noFill/>
+            <a:miter lim="800000"/>
+            <a:headEnd/>
+            <a:tailEnd/>
+          </a:ln>
+        </p:spPr>
+      </p:pic>
+    </p:spTree>
+    <p:extLst>
+      <p:ext uri="{BB962C8B-B14F-4D97-AF65-F5344CB8AC3E}">
+        <p14:creationId xmlns="" xmlns:p14="http://schemas.microsoft.com/office/powerpoint/2010/main" val="4194141123"/>
+      </p:ext>
+    </p:extLst>
+  </p:cSld>
+  <p:clrMapOvr>
+    <a:masterClrMapping/>
+  </p:clrMapOvr>
+</p:sld>
+</file>
+
+<file path=ppt/slides/slide26.xml><?xml version="1.0" encoding="utf-8"?>
+<p:sld xmlns:a="http://schemas.openxmlformats.org/drawingml/2006/main" xmlns:r="http://schemas.openxmlformats.org/officeDocument/2006/relationships" xmlns:p="http://schemas.openxmlformats.org/presentationml/2006/main">
+  <p:cSld>
+    <p:spTree>
+      <p:nvGrpSpPr>
+        <p:cNvPr id="1" name=""/>
+        <p:cNvGrpSpPr/>
+        <p:nvPr/>
+      </p:nvGrpSpPr>
+      <p:grpSpPr>
+        <a:xfrm>
+          <a:off x="0" y="0"/>
+          <a:ext cx="0" cy="0"/>
+          <a:chOff x="0" y="0"/>
+          <a:chExt cx="0" cy="0"/>
+        </a:xfrm>
+      </p:grpSpPr>
+      <p:pic>
+        <p:nvPicPr>
+          <p:cNvPr id="9" name="그림 8"/>
+          <p:cNvPicPr>
+            <a:picLocks noChangeAspect="1"/>
+          </p:cNvPicPr>
+          <p:nvPr/>
+        </p:nvPicPr>
+        <p:blipFill rotWithShape="1">
+          <a:blip r:embed="rId2" cstate="print">
+            <a:lum bright="70000" contrast="-70000"/>
+            <a:extLst>
+              <a:ext uri="{28A0092B-C50C-407E-A947-70E740481C1C}">
+                <a14:useLocalDpi xmlns="" xmlns:a14="http://schemas.microsoft.com/office/drawing/2010/main" val="0"/>
               </a:ext>
             </a:extLst>
           </a:blip>
@@ -34917,7 +36227,7 @@
             </a:duotone>
             <a:extLst>
               <a:ext uri="{28A0092B-C50C-407E-A947-70E740481C1C}">
-                <a14:useLocalDpi xmlns:a14="http://schemas.microsoft.com/office/drawing/2010/main" xmlns="" val="0"/>
+                <a14:useLocalDpi xmlns="" xmlns:a14="http://schemas.microsoft.com/office/drawing/2010/main" val="0"/>
               </a:ext>
             </a:extLst>
           </a:blip>
@@ -35141,7 +36451,7 @@
     </p:spTree>
     <p:extLst>
       <p:ext uri="{BB962C8B-B14F-4D97-AF65-F5344CB8AC3E}">
-        <p14:creationId xmlns:p14="http://schemas.microsoft.com/office/powerpoint/2010/main" xmlns="" val="2269359616"/>
+        <p14:creationId xmlns="" xmlns:p14="http://schemas.microsoft.com/office/powerpoint/2010/main" val="2269359616"/>
       </p:ext>
     </p:extLst>
   </p:cSld>
@@ -35158,7 +36468,7 @@
 </p:sld>
 </file>
 
-<file path=ppt/slides/slide26.xml><?xml version="1.0" encoding="utf-8"?>
+<file path=ppt/slides/slide27.xml><?xml version="1.0" encoding="utf-8"?>
 <p:sld xmlns:a="http://schemas.openxmlformats.org/drawingml/2006/main" xmlns:r="http://schemas.openxmlformats.org/officeDocument/2006/relationships" xmlns:p="http://schemas.openxmlformats.org/presentationml/2006/main">
   <p:cSld>
     <p:spTree>
@@ -35188,7 +36498,7 @@
             <a:lum bright="70000" contrast="-70000"/>
             <a:extLst>
               <a:ext uri="{28A0092B-C50C-407E-A947-70E740481C1C}">
-                <a14:useLocalDpi xmlns:a14="http://schemas.microsoft.com/office/drawing/2010/main" xmlns="" val="0"/>
+                <a14:useLocalDpi xmlns="" xmlns:a14="http://schemas.microsoft.com/office/drawing/2010/main" val="0"/>
               </a:ext>
             </a:extLst>
           </a:blip>
@@ -35224,7 +36534,7 @@
             </a:duotone>
             <a:extLst>
               <a:ext uri="{28A0092B-C50C-407E-A947-70E740481C1C}">
-                <a14:useLocalDpi xmlns:a14="http://schemas.microsoft.com/office/drawing/2010/main" xmlns="" val="0"/>
+                <a14:useLocalDpi xmlns="" xmlns:a14="http://schemas.microsoft.com/office/drawing/2010/main" val="0"/>
               </a:ext>
             </a:extLst>
           </a:blip>
@@ -35394,7 +36704,7 @@
     </p:spTree>
     <p:extLst>
       <p:ext uri="{BB962C8B-B14F-4D97-AF65-F5344CB8AC3E}">
-        <p14:creationId xmlns:p14="http://schemas.microsoft.com/office/powerpoint/2010/main" xmlns="" val="3746973442"/>
+        <p14:creationId xmlns="" xmlns:p14="http://schemas.microsoft.com/office/powerpoint/2010/main" val="3746973442"/>
       </p:ext>
     </p:extLst>
   </p:cSld>
@@ -35404,7 +36714,7 @@
 </p:sld>
 </file>
 
-<file path=ppt/slides/slide27.xml><?xml version="1.0" encoding="utf-8"?>
+<file path=ppt/slides/slide28.xml><?xml version="1.0" encoding="utf-8"?>
 <p:sld xmlns:a="http://schemas.openxmlformats.org/drawingml/2006/main" xmlns:r="http://schemas.openxmlformats.org/officeDocument/2006/relationships" xmlns:p="http://schemas.openxmlformats.org/presentationml/2006/main">
   <p:cSld>
     <p:spTree>
@@ -35434,7 +36744,7 @@
             <a:lum bright="70000" contrast="-70000"/>
             <a:extLst>
               <a:ext uri="{28A0092B-C50C-407E-A947-70E740481C1C}">
-                <a14:useLocalDpi xmlns:a14="http://schemas.microsoft.com/office/drawing/2010/main" xmlns="" val="0"/>
+                <a14:useLocalDpi xmlns="" xmlns:a14="http://schemas.microsoft.com/office/drawing/2010/main" val="0"/>
               </a:ext>
             </a:extLst>
           </a:blip>
@@ -35470,7 +36780,7 @@
             </a:duotone>
             <a:extLst>
               <a:ext uri="{28A0092B-C50C-407E-A947-70E740481C1C}">
-                <a14:useLocalDpi xmlns:a14="http://schemas.microsoft.com/office/drawing/2010/main" xmlns="" val="0"/>
+                <a14:useLocalDpi xmlns="" xmlns:a14="http://schemas.microsoft.com/office/drawing/2010/main" val="0"/>
               </a:ext>
             </a:extLst>
           </a:blip>
@@ -35640,7 +36950,7 @@
     </p:spTree>
     <p:extLst>
       <p:ext uri="{BB962C8B-B14F-4D97-AF65-F5344CB8AC3E}">
-        <p14:creationId xmlns:p14="http://schemas.microsoft.com/office/powerpoint/2010/main" xmlns="" val="2310808151"/>
+        <p14:creationId xmlns="" xmlns:p14="http://schemas.microsoft.com/office/powerpoint/2010/main" val="2310808151"/>
       </p:ext>
     </p:extLst>
   </p:cSld>
@@ -35680,7 +36990,7 @@
             <a:lum bright="70000" contrast="-70000"/>
             <a:extLst>
               <a:ext uri="{28A0092B-C50C-407E-A947-70E740481C1C}">
-                <a14:useLocalDpi xmlns:a14="http://schemas.microsoft.com/office/drawing/2010/main" xmlns="" val="0"/>
+                <a14:useLocalDpi xmlns="" xmlns:a14="http://schemas.microsoft.com/office/drawing/2010/main" val="0"/>
               </a:ext>
             </a:extLst>
           </a:blip>
@@ -35716,7 +37026,7 @@
             </a:duotone>
             <a:extLst>
               <a:ext uri="{28A0092B-C50C-407E-A947-70E740481C1C}">
-                <a14:useLocalDpi xmlns:a14="http://schemas.microsoft.com/office/drawing/2010/main" xmlns="" val="0"/>
+                <a14:useLocalDpi xmlns="" xmlns:a14="http://schemas.microsoft.com/office/drawing/2010/main" val="0"/>
               </a:ext>
             </a:extLst>
           </a:blip>
@@ -35904,7 +37214,7 @@
     </p:spTree>
     <p:extLst>
       <p:ext uri="{BB962C8B-B14F-4D97-AF65-F5344CB8AC3E}">
-        <p14:creationId xmlns:p14="http://schemas.microsoft.com/office/powerpoint/2010/main" xmlns="" val="2269359616"/>
+        <p14:creationId xmlns="" xmlns:p14="http://schemas.microsoft.com/office/powerpoint/2010/main" val="2269359616"/>
       </p:ext>
     </p:extLst>
   </p:cSld>
@@ -35951,7 +37261,7 @@
             <a:lum bright="70000" contrast="-70000"/>
             <a:extLst>
               <a:ext uri="{28A0092B-C50C-407E-A947-70E740481C1C}">
-                <a14:useLocalDpi xmlns:a14="http://schemas.microsoft.com/office/drawing/2010/main" xmlns="" val="0"/>
+                <a14:useLocalDpi xmlns="" xmlns:a14="http://schemas.microsoft.com/office/drawing/2010/main" val="0"/>
               </a:ext>
             </a:extLst>
           </a:blip>
@@ -37621,7 +38931,7 @@
     </p:spTree>
     <p:extLst>
       <p:ext uri="{BB962C8B-B14F-4D97-AF65-F5344CB8AC3E}">
-        <p14:creationId xmlns:p14="http://schemas.microsoft.com/office/powerpoint/2010/main" xmlns="" val="4194141123"/>
+        <p14:creationId xmlns="" xmlns:p14="http://schemas.microsoft.com/office/powerpoint/2010/main" val="4194141123"/>
       </p:ext>
     </p:extLst>
   </p:cSld>
@@ -37668,7 +38978,7 @@
             <a:lum bright="70000" contrast="-70000"/>
             <a:extLst>
               <a:ext uri="{28A0092B-C50C-407E-A947-70E740481C1C}">
-                <a14:useLocalDpi xmlns:a14="http://schemas.microsoft.com/office/drawing/2010/main" xmlns="" val="0"/>
+                <a14:useLocalDpi xmlns="" xmlns:a14="http://schemas.microsoft.com/office/drawing/2010/main" val="0"/>
               </a:ext>
             </a:extLst>
           </a:blip>
@@ -40145,7 +41455,7 @@
     </p:spTree>
     <p:extLst>
       <p:ext uri="{BB962C8B-B14F-4D97-AF65-F5344CB8AC3E}">
-        <p14:creationId xmlns:p14="http://schemas.microsoft.com/office/powerpoint/2010/main" xmlns="" val="4194141123"/>
+        <p14:creationId xmlns="" xmlns:p14="http://schemas.microsoft.com/office/powerpoint/2010/main" val="4194141123"/>
       </p:ext>
     </p:extLst>
   </p:cSld>
@@ -40192,7 +41502,7 @@
             <a:lum bright="70000" contrast="-70000"/>
             <a:extLst>
               <a:ext uri="{28A0092B-C50C-407E-A947-70E740481C1C}">
-                <a14:useLocalDpi xmlns:a14="http://schemas.microsoft.com/office/drawing/2010/main" xmlns="" val="0"/>
+                <a14:useLocalDpi xmlns="" xmlns:a14="http://schemas.microsoft.com/office/drawing/2010/main" val="0"/>
               </a:ext>
             </a:extLst>
           </a:blip>
@@ -41529,7 +42839,7 @@
     </p:spTree>
     <p:extLst>
       <p:ext uri="{BB962C8B-B14F-4D97-AF65-F5344CB8AC3E}">
-        <p14:creationId xmlns:p14="http://schemas.microsoft.com/office/powerpoint/2010/main" xmlns="" val="4194141123"/>
+        <p14:creationId xmlns="" xmlns:p14="http://schemas.microsoft.com/office/powerpoint/2010/main" val="4194141123"/>
       </p:ext>
     </p:extLst>
   </p:cSld>
@@ -41576,7 +42886,7 @@
             <a:lum bright="70000" contrast="-70000"/>
             <a:extLst>
               <a:ext uri="{28A0092B-C50C-407E-A947-70E740481C1C}">
-                <a14:useLocalDpi xmlns:a14="http://schemas.microsoft.com/office/drawing/2010/main" xmlns="" val="0"/>
+                <a14:useLocalDpi xmlns="" xmlns:a14="http://schemas.microsoft.com/office/drawing/2010/main" val="0"/>
               </a:ext>
             </a:extLst>
           </a:blip>
@@ -41612,7 +42922,7 @@
             </a:duotone>
             <a:extLst>
               <a:ext uri="{28A0092B-C50C-407E-A947-70E740481C1C}">
-                <a14:useLocalDpi xmlns:a14="http://schemas.microsoft.com/office/drawing/2010/main" xmlns="" val="0"/>
+                <a14:useLocalDpi xmlns="" xmlns:a14="http://schemas.microsoft.com/office/drawing/2010/main" val="0"/>
               </a:ext>
             </a:extLst>
           </a:blip>
@@ -41800,7 +43110,7 @@
     </p:spTree>
     <p:extLst>
       <p:ext uri="{BB962C8B-B14F-4D97-AF65-F5344CB8AC3E}">
-        <p14:creationId xmlns:p14="http://schemas.microsoft.com/office/powerpoint/2010/main" xmlns="" val="2269359616"/>
+        <p14:creationId xmlns="" xmlns:p14="http://schemas.microsoft.com/office/powerpoint/2010/main" val="2269359616"/>
       </p:ext>
     </p:extLst>
   </p:cSld>
@@ -41847,7 +43157,7 @@
             <a:lum bright="70000" contrast="-70000"/>
             <a:extLst>
               <a:ext uri="{28A0092B-C50C-407E-A947-70E740481C1C}">
-                <a14:useLocalDpi xmlns:a14="http://schemas.microsoft.com/office/drawing/2010/main" xmlns="" val="0"/>
+                <a14:useLocalDpi xmlns="" xmlns:a14="http://schemas.microsoft.com/office/drawing/2010/main" val="0"/>
               </a:ext>
             </a:extLst>
           </a:blip>
@@ -44075,7 +45385,7 @@
     </p:spTree>
     <p:extLst>
       <p:ext uri="{BB962C8B-B14F-4D97-AF65-F5344CB8AC3E}">
-        <p14:creationId xmlns:p14="http://schemas.microsoft.com/office/powerpoint/2010/main" xmlns="" val="4194141123"/>
+        <p14:creationId xmlns="" xmlns:p14="http://schemas.microsoft.com/office/powerpoint/2010/main" val="4194141123"/>
       </p:ext>
     </p:extLst>
   </p:cSld>
@@ -44122,7 +45432,7 @@
             <a:lum bright="70000" contrast="-70000"/>
             <a:extLst>
               <a:ext uri="{28A0092B-C50C-407E-A947-70E740481C1C}">
-                <a14:useLocalDpi xmlns:a14="http://schemas.microsoft.com/office/drawing/2010/main" xmlns="" val="0"/>
+                <a14:useLocalDpi xmlns="" xmlns:a14="http://schemas.microsoft.com/office/drawing/2010/main" val="0"/>
               </a:ext>
             </a:extLst>
           </a:blip>
@@ -44158,7 +45468,7 @@
             </a:duotone>
             <a:extLst>
               <a:ext uri="{28A0092B-C50C-407E-A947-70E740481C1C}">
-                <a14:useLocalDpi xmlns:a14="http://schemas.microsoft.com/office/drawing/2010/main" xmlns="" val="0"/>
+                <a14:useLocalDpi xmlns="" xmlns:a14="http://schemas.microsoft.com/office/drawing/2010/main" val="0"/>
               </a:ext>
             </a:extLst>
           </a:blip>
@@ -44346,7 +45656,7 @@
     </p:spTree>
     <p:extLst>
       <p:ext uri="{BB962C8B-B14F-4D97-AF65-F5344CB8AC3E}">
-        <p14:creationId xmlns:p14="http://schemas.microsoft.com/office/powerpoint/2010/main" xmlns="" val="2269359616"/>
+        <p14:creationId xmlns="" xmlns:p14="http://schemas.microsoft.com/office/powerpoint/2010/main" val="2269359616"/>
       </p:ext>
     </p:extLst>
   </p:cSld>
@@ -44618,7 +45928,7 @@
   <a:extraClrSchemeLst/>
   <a:extLst>
     <a:ext uri="{05A4C25C-085E-4340-85A3-A5531E510DB2}">
-      <thm15:themeFamily xmlns:thm15="http://schemas.microsoft.com/office/thememl/2012/main" xmlns="" name="Office Theme" id="{62F939B6-93AF-4DB8-9C6B-D6C7DFDC589F}" vid="{4A3C46E8-61CC-4603-A589-7422A47A8E4A}"/>
+      <thm15:themeFamily xmlns="" xmlns:thm15="http://schemas.microsoft.com/office/thememl/2012/main" name="Office Theme" id="{62F939B6-93AF-4DB8-9C6B-D6C7DFDC589F}" vid="{4A3C46E8-61CC-4603-A589-7422A47A8E4A}"/>
     </a:ext>
   </a:extLst>
 </a:theme>

--- a/work/화재.pptx
+++ b/work/화재.pptx
@@ -236,7 +236,7 @@
             <a:fld id="{B2C8BFE3-1987-431F-9ACC-CFB2889229E8}" type="datetimeFigureOut">
               <a:rPr lang="ko-KR" altLang="en-US" smtClean="0"/>
               <a:pPr/>
-              <a:t>2020-01-02</a:t>
+              <a:t>2020-01-03</a:t>
             </a:fld>
             <a:endParaRPr lang="ko-KR" altLang="en-US"/>
           </a:p>
@@ -1531,11 +1531,7 @@
           <a:p>
             <a:r>
               <a:rPr lang="en-US" altLang="ko-KR" baseline="0" dirty="0" smtClean="0"/>
-              <a:t>ex</a:t>
-            </a:r>
-            <a:r>
-              <a:rPr lang="en-US" altLang="ko-KR" baseline="0" dirty="0" smtClean="0"/>
-              <a:t>) </a:t>
+              <a:t>ex) </a:t>
             </a:r>
             <a:r>
               <a:rPr lang="ko-KR" altLang="en-US" sz="1200" b="0" i="0" u="none" strike="noStrike" kern="1200" dirty="0" smtClean="0">
@@ -1595,18 +1591,7 @@
                 <a:ea typeface="+mn-ea"/>
                 <a:cs typeface="+mn-cs"/>
               </a:rPr>
-              <a:t> 건물 관련 </a:t>
-            </a:r>
-            <a:r>
-              <a:rPr lang="ko-KR" altLang="en-US" sz="1200" b="0" i="0" u="none" strike="noStrike" kern="1200" dirty="0" smtClean="0">
-                <a:solidFill>
-                  <a:schemeClr val="tx1"/>
-                </a:solidFill>
-                <a:latin typeface="+mn-lt"/>
-                <a:ea typeface="+mn-ea"/>
-                <a:cs typeface="+mn-cs"/>
-              </a:rPr>
-              <a:t>정보를</a:t>
+              <a:t> 건물 관련 정보를</a:t>
             </a:r>
             <a:r>
               <a:rPr lang="en-US" altLang="ko-KR" sz="1200" b="0" i="0" u="none" strike="noStrike" kern="1200" baseline="0" dirty="0" smtClean="0">
@@ -1714,6 +1699,33 @@
             <a:r>
               <a:rPr lang="ko-KR" altLang="en-US" dirty="0" smtClean="0"/>
               <a:t> 맞는 것인가</a:t>
+            </a:r>
+            <a:r>
+              <a:rPr lang="en-US" altLang="ko-KR" dirty="0" smtClean="0"/>
+              <a:t>?</a:t>
+            </a:r>
+          </a:p>
+          <a:p>
+            <a:endParaRPr lang="en-US" altLang="ko-KR" dirty="0" smtClean="0"/>
+          </a:p>
+          <a:p>
+            <a:r>
+              <a:rPr lang="ko-KR" altLang="en-US" dirty="0" smtClean="0"/>
+              <a:t>화재 발생 원인</a:t>
+            </a:r>
+            <a:endParaRPr lang="en-US" altLang="ko-KR" dirty="0" smtClean="0"/>
+          </a:p>
+          <a:p>
+            <a:r>
+              <a:rPr lang="ko-KR" altLang="en-US" dirty="0" smtClean="0"/>
+              <a:t>화재가 발생한 행에 대해서는 어떠한 이유로 화재가 발생했는지 나타내는 변수가 있었다면 그 변수와 다른 설명변수와의 관계를 파악해서</a:t>
+            </a:r>
+            <a:endParaRPr lang="en-US" altLang="ko-KR" dirty="0" smtClean="0"/>
+          </a:p>
+          <a:p>
+            <a:r>
+              <a:rPr lang="ko-KR" altLang="en-US" dirty="0" smtClean="0"/>
+              <a:t>예측력을 높일 수 있지는 않았을까</a:t>
             </a:r>
             <a:r>
               <a:rPr lang="en-US" altLang="ko-KR" dirty="0" smtClean="0"/>
@@ -3165,7 +3177,7 @@
             <a:fld id="{10D19E9D-02CF-44C0-B29B-64076E061AAD}" type="datetimeFigureOut">
               <a:rPr lang="ko-KR" altLang="en-US" smtClean="0"/>
               <a:pPr/>
-              <a:t>2020-01-02</a:t>
+              <a:t>2020-01-03</a:t>
             </a:fld>
             <a:endParaRPr lang="ko-KR" altLang="en-US"/>
           </a:p>
@@ -3337,7 +3349,7 @@
             <a:fld id="{10D19E9D-02CF-44C0-B29B-64076E061AAD}" type="datetimeFigureOut">
               <a:rPr lang="ko-KR" altLang="en-US" smtClean="0"/>
               <a:pPr/>
-              <a:t>2020-01-02</a:t>
+              <a:t>2020-01-03</a:t>
             </a:fld>
             <a:endParaRPr lang="ko-KR" altLang="en-US"/>
           </a:p>
@@ -3519,7 +3531,7 @@
             <a:fld id="{10D19E9D-02CF-44C0-B29B-64076E061AAD}" type="datetimeFigureOut">
               <a:rPr lang="ko-KR" altLang="en-US" smtClean="0"/>
               <a:pPr/>
-              <a:t>2020-01-02</a:t>
+              <a:t>2020-01-03</a:t>
             </a:fld>
             <a:endParaRPr lang="ko-KR" altLang="en-US"/>
           </a:p>
@@ -3691,7 +3703,7 @@
             <a:fld id="{10D19E9D-02CF-44C0-B29B-64076E061AAD}" type="datetimeFigureOut">
               <a:rPr lang="ko-KR" altLang="en-US" smtClean="0"/>
               <a:pPr/>
-              <a:t>2020-01-02</a:t>
+              <a:t>2020-01-03</a:t>
             </a:fld>
             <a:endParaRPr lang="ko-KR" altLang="en-US"/>
           </a:p>
@@ -3939,7 +3951,7 @@
             <a:fld id="{10D19E9D-02CF-44C0-B29B-64076E061AAD}" type="datetimeFigureOut">
               <a:rPr lang="ko-KR" altLang="en-US" smtClean="0"/>
               <a:pPr/>
-              <a:t>2020-01-02</a:t>
+              <a:t>2020-01-03</a:t>
             </a:fld>
             <a:endParaRPr lang="ko-KR" altLang="en-US"/>
           </a:p>
@@ -4173,7 +4185,7 @@
             <a:fld id="{10D19E9D-02CF-44C0-B29B-64076E061AAD}" type="datetimeFigureOut">
               <a:rPr lang="ko-KR" altLang="en-US" smtClean="0"/>
               <a:pPr/>
-              <a:t>2020-01-02</a:t>
+              <a:t>2020-01-03</a:t>
             </a:fld>
             <a:endParaRPr lang="ko-KR" altLang="en-US"/>
           </a:p>
@@ -4542,7 +4554,7 @@
             <a:fld id="{10D19E9D-02CF-44C0-B29B-64076E061AAD}" type="datetimeFigureOut">
               <a:rPr lang="ko-KR" altLang="en-US" smtClean="0"/>
               <a:pPr/>
-              <a:t>2020-01-02</a:t>
+              <a:t>2020-01-03</a:t>
             </a:fld>
             <a:endParaRPr lang="ko-KR" altLang="en-US"/>
           </a:p>
@@ -4662,7 +4674,7 @@
             <a:fld id="{10D19E9D-02CF-44C0-B29B-64076E061AAD}" type="datetimeFigureOut">
               <a:rPr lang="ko-KR" altLang="en-US" smtClean="0"/>
               <a:pPr/>
-              <a:t>2020-01-02</a:t>
+              <a:t>2020-01-03</a:t>
             </a:fld>
             <a:endParaRPr lang="ko-KR" altLang="en-US"/>
           </a:p>
@@ -4759,7 +4771,7 @@
             <a:fld id="{10D19E9D-02CF-44C0-B29B-64076E061AAD}" type="datetimeFigureOut">
               <a:rPr lang="ko-KR" altLang="en-US" smtClean="0"/>
               <a:pPr/>
-              <a:t>2020-01-02</a:t>
+              <a:t>2020-01-03</a:t>
             </a:fld>
             <a:endParaRPr lang="ko-KR" altLang="en-US"/>
           </a:p>
@@ -5038,7 +5050,7 @@
             <a:fld id="{10D19E9D-02CF-44C0-B29B-64076E061AAD}" type="datetimeFigureOut">
               <a:rPr lang="ko-KR" altLang="en-US" smtClean="0"/>
               <a:pPr/>
-              <a:t>2020-01-02</a:t>
+              <a:t>2020-01-03</a:t>
             </a:fld>
             <a:endParaRPr lang="ko-KR" altLang="en-US"/>
           </a:p>
@@ -5293,7 +5305,7 @@
             <a:fld id="{10D19E9D-02CF-44C0-B29B-64076E061AAD}" type="datetimeFigureOut">
               <a:rPr lang="ko-KR" altLang="en-US" smtClean="0"/>
               <a:pPr/>
-              <a:t>2020-01-02</a:t>
+              <a:t>2020-01-03</a:t>
             </a:fld>
             <a:endParaRPr lang="ko-KR" altLang="en-US"/>
           </a:p>
@@ -5508,7 +5520,7 @@
             <a:fld id="{10D19E9D-02CF-44C0-B29B-64076E061AAD}" type="datetimeFigureOut">
               <a:rPr lang="ko-KR" altLang="en-US" smtClean="0"/>
               <a:pPr/>
-              <a:t>2020-01-02</a:t>
+              <a:t>2020-01-03</a:t>
             </a:fld>
             <a:endParaRPr lang="ko-KR" altLang="en-US"/>
           </a:p>
@@ -27357,41 +27369,8 @@
                 <a:latin typeface="나눔바른고딕" panose="020B0603020101020101" pitchFamily="50" charset="-127"/>
                 <a:ea typeface="나눔바른고딕" panose="020B0603020101020101" pitchFamily="50" charset="-127"/>
               </a:rPr>
-              <a:t>데이터 분석의 </a:t>
-            </a:r>
-            <a:r>
-              <a:rPr lang="ko-KR" altLang="en-US" sz="2800" b="1" spc="-150" dirty="0" smtClean="0">
-                <a:ln>
-                  <a:solidFill>
-                    <a:schemeClr val="accent1">
-                      <a:shade val="50000"/>
-                      <a:alpha val="0"/>
-                    </a:schemeClr>
-                  </a:solidFill>
-                </a:ln>
-                <a:solidFill>
-                  <a:schemeClr val="bg1"/>
-                </a:solidFill>
-                <a:latin typeface="나눔바른고딕" panose="020B0603020101020101" pitchFamily="50" charset="-127"/>
-                <a:ea typeface="나눔바른고딕" panose="020B0603020101020101" pitchFamily="50" charset="-127"/>
-              </a:rPr>
-              <a:t>한계점</a:t>
-            </a:r>
-            <a:endParaRPr lang="ko-KR" altLang="en-US" sz="2800" b="1" spc="-150" dirty="0" smtClean="0">
-              <a:ln>
-                <a:solidFill>
-                  <a:schemeClr val="accent1">
-                    <a:shade val="50000"/>
-                    <a:alpha val="0"/>
-                  </a:schemeClr>
-                </a:solidFill>
-              </a:ln>
-              <a:solidFill>
-                <a:schemeClr val="bg1"/>
-              </a:solidFill>
-              <a:latin typeface="나눔바른고딕" panose="020B0603020101020101" pitchFamily="50" charset="-127"/>
-              <a:ea typeface="나눔바른고딕" panose="020B0603020101020101" pitchFamily="50" charset="-127"/>
-            </a:endParaRPr>
+              <a:t>데이터 분석의 한계점</a:t>
+            </a:r>
           </a:p>
         </p:txBody>
       </p:sp>
@@ -33039,7 +33018,7 @@
         <p:spPr bwMode="auto">
           <a:xfrm>
             <a:off x="303213" y="1377950"/>
-            <a:ext cx="11456987" cy="2241550"/>
+            <a:ext cx="11545887" cy="2241550"/>
           </a:xfrm>
           <a:prstGeom prst="rect">
             <a:avLst/>
@@ -34663,7 +34642,7 @@
         </p:nvSpPr>
         <p:spPr>
           <a:xfrm>
-            <a:off x="375307" y="1473198"/>
+            <a:off x="375307" y="1092198"/>
             <a:ext cx="8927444" cy="1785104"/>
           </a:xfrm>
           <a:prstGeom prst="rect">
@@ -35147,7 +35126,7 @@
         </p:nvSpPr>
         <p:spPr>
           <a:xfrm>
-            <a:off x="400707" y="3581398"/>
+            <a:off x="388007" y="2755898"/>
             <a:ext cx="9360255" cy="2169825"/>
           </a:xfrm>
           <a:prstGeom prst="rect">
@@ -35413,6 +35392,111 @@
               <a:t> </a:t>
             </a:r>
             <a:endParaRPr lang="ko-KR" altLang="en-US" sz="3000" b="1" spc="-150" dirty="0">
+              <a:ln>
+                <a:solidFill>
+                  <a:schemeClr val="accent1">
+                    <a:shade val="50000"/>
+                    <a:alpha val="0"/>
+                  </a:schemeClr>
+                </a:solidFill>
+              </a:ln>
+              <a:solidFill>
+                <a:schemeClr val="tx1">
+                  <a:lumMod val="85000"/>
+                  <a:lumOff val="15000"/>
+                </a:schemeClr>
+              </a:solidFill>
+              <a:latin typeface="나눔바른고딕" panose="020B0603020101020101" pitchFamily="50" charset="-127"/>
+              <a:ea typeface="나눔바른고딕" panose="020B0603020101020101" pitchFamily="50" charset="-127"/>
+            </a:endParaRPr>
+          </a:p>
+        </p:txBody>
+      </p:sp>
+      <p:sp>
+        <p:nvSpPr>
+          <p:cNvPr id="12" name="TextBox 11"/>
+          <p:cNvSpPr txBox="1"/>
+          <p:nvPr/>
+        </p:nvSpPr>
+        <p:spPr>
+          <a:xfrm>
+            <a:off x="388007" y="4838700"/>
+            <a:ext cx="9360255" cy="938719"/>
+          </a:xfrm>
+          <a:prstGeom prst="rect">
+            <a:avLst/>
+          </a:prstGeom>
+          <a:noFill/>
+        </p:spPr>
+        <p:txBody>
+          <a:bodyPr wrap="square" rtlCol="0">
+            <a:spAutoFit/>
+          </a:bodyPr>
+          <a:lstStyle/>
+          <a:p>
+            <a:r>
+              <a:rPr lang="ko-KR" altLang="en-US" sz="3000" b="1" spc="-150" dirty="0" smtClean="0">
+                <a:ln>
+                  <a:solidFill>
+                    <a:schemeClr val="accent1">
+                      <a:shade val="50000"/>
+                      <a:alpha val="0"/>
+                    </a:schemeClr>
+                  </a:solidFill>
+                </a:ln>
+                <a:solidFill>
+                  <a:schemeClr val="tx1">
+                    <a:lumMod val="85000"/>
+                    <a:lumOff val="15000"/>
+                  </a:schemeClr>
+                </a:solidFill>
+                <a:latin typeface="나눔바른고딕" panose="020B0603020101020101" pitchFamily="50" charset="-127"/>
+                <a:ea typeface="나눔바른고딕" panose="020B0603020101020101" pitchFamily="50" charset="-127"/>
+              </a:rPr>
+              <a:t>○ 화재 발생 원인</a:t>
+            </a:r>
+            <a:endParaRPr lang="en-US" altLang="ko-KR" sz="3000" b="1" spc="-150" dirty="0" smtClean="0">
+              <a:ln>
+                <a:solidFill>
+                  <a:schemeClr val="accent1">
+                    <a:shade val="50000"/>
+                    <a:alpha val="0"/>
+                  </a:schemeClr>
+                </a:solidFill>
+              </a:ln>
+              <a:solidFill>
+                <a:schemeClr val="tx1">
+                  <a:lumMod val="85000"/>
+                  <a:lumOff val="15000"/>
+                </a:schemeClr>
+              </a:solidFill>
+              <a:latin typeface="나눔바른고딕" panose="020B0603020101020101" pitchFamily="50" charset="-127"/>
+              <a:ea typeface="나눔바른고딕" panose="020B0603020101020101" pitchFamily="50" charset="-127"/>
+            </a:endParaRPr>
+          </a:p>
+          <a:p>
+            <a:r>
+              <a:rPr lang="ko-KR" altLang="en-US" sz="2500" b="1" spc="-150" dirty="0" smtClean="0">
+                <a:ln>
+                  <a:solidFill>
+                    <a:schemeClr val="accent1">
+                      <a:shade val="50000"/>
+                      <a:alpha val="0"/>
+                    </a:schemeClr>
+                  </a:solidFill>
+                </a:ln>
+                <a:solidFill>
+                  <a:schemeClr val="tx1">
+                    <a:lumMod val="85000"/>
+                    <a:lumOff val="15000"/>
+                  </a:schemeClr>
+                </a:solidFill>
+                <a:latin typeface="나눔바른고딕" panose="020B0603020101020101" pitchFamily="50" charset="-127"/>
+                <a:ea typeface="나눔바른고딕" panose="020B0603020101020101" pitchFamily="50" charset="-127"/>
+              </a:rPr>
+              <a:t>화재 발생 원인과 관련한 내용 미흡 </a:t>
+            </a:r>
+            <a:endParaRPr lang="ko-KR" altLang="en-US" sz="2500" b="1" spc="-150" dirty="0">
               <a:ln>
                 <a:solidFill>
                   <a:schemeClr val="accent1">
